--- a/Talks/OHBM_2022_Talk_B_FADE.pptx
+++ b/Talks/OHBM_2022_Talk_B_FADE.pptx
@@ -5,20 +5,30 @@
     <p:sldMasterId id="2147483672" r:id="rId1"/>
   </p:sldMasterIdLst>
   <p:notesMasterIdLst>
-    <p:notesMasterId r:id="rId13"/>
+    <p:notesMasterId r:id="rId23"/>
   </p:notesMasterIdLst>
   <p:sldIdLst>
     <p:sldId id="511" r:id="rId2"/>
-    <p:sldId id="488" r:id="rId3"/>
-    <p:sldId id="491" r:id="rId4"/>
-    <p:sldId id="505" r:id="rId5"/>
-    <p:sldId id="508" r:id="rId6"/>
-    <p:sldId id="507" r:id="rId7"/>
-    <p:sldId id="503" r:id="rId8"/>
-    <p:sldId id="361" r:id="rId9"/>
-    <p:sldId id="500" r:id="rId10"/>
-    <p:sldId id="506" r:id="rId11"/>
-    <p:sldId id="510" r:id="rId12"/>
+    <p:sldId id="518" r:id="rId3"/>
+    <p:sldId id="521" r:id="rId4"/>
+    <p:sldId id="527" r:id="rId5"/>
+    <p:sldId id="513" r:id="rId6"/>
+    <p:sldId id="514" r:id="rId7"/>
+    <p:sldId id="516" r:id="rId8"/>
+    <p:sldId id="517" r:id="rId9"/>
+    <p:sldId id="520" r:id="rId10"/>
+    <p:sldId id="491" r:id="rId11"/>
+    <p:sldId id="505" r:id="rId12"/>
+    <p:sldId id="508" r:id="rId13"/>
+    <p:sldId id="507" r:id="rId14"/>
+    <p:sldId id="503" r:id="rId15"/>
+    <p:sldId id="361" r:id="rId16"/>
+    <p:sldId id="524" r:id="rId17"/>
+    <p:sldId id="522" r:id="rId18"/>
+    <p:sldId id="525" r:id="rId19"/>
+    <p:sldId id="500" r:id="rId20"/>
+    <p:sldId id="515" r:id="rId21"/>
+    <p:sldId id="510" r:id="rId22"/>
   </p:sldIdLst>
   <p:sldSz cx="12192000" cy="6858000"/>
   <p:notesSz cx="6858000" cy="9144000"/>
@@ -219,7 +229,7 @@
           <a:p>
             <a:fld id="{C47E60C8-7E58-4D09-A18D-2D7A22FCC2B8}" type="datetimeFigureOut">
               <a:rPr lang="en-DE" smtClean="0"/>
-              <a:t>24/03/2022</a:t>
+              <a:t>20/05/2022</a:t>
             </a:fld>
             <a:endParaRPr lang="en-DE"/>
           </a:p>
@@ -618,7 +628,7 @@
           <a:p>
             <a:fld id="{4F1AB1C7-19A1-4205-A55D-2AF67F4D5576}" type="datetime8">
               <a:rPr lang="en-DE" smtClean="0"/>
-              <a:t>24/03/2022 08:42</a:t>
+              <a:t>20/05/2022 02:31</a:t>
             </a:fld>
             <a:endParaRPr lang="en-DE"/>
           </a:p>
@@ -788,7 +798,7 @@
           <a:p>
             <a:fld id="{C7FA3B17-A70C-443F-B141-6E0BEDC32560}" type="datetime8">
               <a:rPr lang="en-DE" smtClean="0"/>
-              <a:t>24/03/2022 08:42</a:t>
+              <a:t>20/05/2022 02:31</a:t>
             </a:fld>
             <a:endParaRPr lang="en-DE"/>
           </a:p>
@@ -968,7 +978,7 @@
           <a:p>
             <a:fld id="{622F5311-65B4-49B8-A7FE-594F60A6D63D}" type="datetime8">
               <a:rPr lang="en-DE" smtClean="0"/>
-              <a:t>24/03/2022 08:42</a:t>
+              <a:t>20/05/2022 02:31</a:t>
             </a:fld>
             <a:endParaRPr lang="en-DE"/>
           </a:p>
@@ -1138,7 +1148,7 @@
           <a:p>
             <a:fld id="{5C1AA268-04CF-438D-A4E9-20064582692E}" type="datetime8">
               <a:rPr lang="en-DE" smtClean="0"/>
-              <a:t>24/03/2022 08:42</a:t>
+              <a:t>20/05/2022 02:31</a:t>
             </a:fld>
             <a:endParaRPr lang="en-DE"/>
           </a:p>
@@ -1384,7 +1394,7 @@
           <a:p>
             <a:fld id="{DB05F56E-93E4-4C0B-8BB6-F7D0B4C516D4}" type="datetime8">
               <a:rPr lang="en-DE" smtClean="0"/>
-              <a:t>24/03/2022 08:42</a:t>
+              <a:t>20/05/2022 02:31</a:t>
             </a:fld>
             <a:endParaRPr lang="en-DE"/>
           </a:p>
@@ -1616,7 +1626,7 @@
           <a:p>
             <a:fld id="{304804E1-0692-4B36-B57B-8DF51D5553E4}" type="datetime8">
               <a:rPr lang="en-DE" smtClean="0"/>
-              <a:t>24/03/2022 08:42</a:t>
+              <a:t>20/05/2022 02:31</a:t>
             </a:fld>
             <a:endParaRPr lang="en-DE"/>
           </a:p>
@@ -1983,7 +1993,7 @@
           <a:p>
             <a:fld id="{8FD4A896-3A85-4D31-B780-D6405FB42BFB}" type="datetime8">
               <a:rPr lang="en-DE" smtClean="0"/>
-              <a:t>24/03/2022 08:42</a:t>
+              <a:t>20/05/2022 02:31</a:t>
             </a:fld>
             <a:endParaRPr lang="en-DE"/>
           </a:p>
@@ -2101,7 +2111,7 @@
           <a:p>
             <a:fld id="{516DC8CC-0D57-42E3-B476-EADC09E98A27}" type="datetime8">
               <a:rPr lang="en-DE" smtClean="0"/>
-              <a:t>24/03/2022 08:42</a:t>
+              <a:t>20/05/2022 02:31</a:t>
             </a:fld>
             <a:endParaRPr lang="en-DE"/>
           </a:p>
@@ -2196,7 +2206,7 @@
           <a:p>
             <a:fld id="{13B4E2AD-261E-4E6B-B7B0-E12EEF3D7BDC}" type="datetime8">
               <a:rPr lang="en-DE" smtClean="0"/>
-              <a:t>24/03/2022 08:42</a:t>
+              <a:t>20/05/2022 02:31</a:t>
             </a:fld>
             <a:endParaRPr lang="en-DE"/>
           </a:p>
@@ -2473,7 +2483,7 @@
           <a:p>
             <a:fld id="{9B889041-0A9E-4DBB-B06C-47EB23762C1B}" type="datetime8">
               <a:rPr lang="en-DE" smtClean="0"/>
-              <a:t>24/03/2022 08:42</a:t>
+              <a:t>20/05/2022 02:31</a:t>
             </a:fld>
             <a:endParaRPr lang="en-DE"/>
           </a:p>
@@ -2730,7 +2740,7 @@
           <a:p>
             <a:fld id="{0522862B-58F4-40EF-AC25-9B116947C62D}" type="datetime8">
               <a:rPr lang="en-DE" smtClean="0"/>
-              <a:t>24/03/2022 08:42</a:t>
+              <a:t>20/05/2022 02:31</a:t>
             </a:fld>
             <a:endParaRPr lang="en-DE"/>
           </a:p>
@@ -2943,7 +2953,7 @@
           <a:p>
             <a:fld id="{1ECDCC87-20B2-481F-AD15-E5EFF3877C4D}" type="datetime8">
               <a:rPr lang="en-DE" smtClean="0"/>
-              <a:t>24/03/2022 08:42</a:t>
+              <a:t>20/05/2022 02:31</a:t>
             </a:fld>
             <a:endParaRPr lang="en-DE"/>
           </a:p>
@@ -3383,40 +3393,26 @@
               </a:lnSpc>
             </a:pPr>
             <a:r>
-              <a:rPr lang="en-GB" sz="3600" dirty="0">
-                <a:latin typeface="Arial" panose="020B0604020202020204" pitchFamily="34" charset="0"/>
-                <a:cs typeface="Arial" panose="020B0604020202020204" pitchFamily="34" charset="0"/>
-              </a:rPr>
-              <a:t>Structural and functional MRI data differentially predict</a:t>
+              <a:rPr lang="en-GB" sz="4200" spc="-30" dirty="0">
+                <a:latin typeface="Arial" panose="020B0604020202020204" pitchFamily="34" charset="0"/>
+                <a:cs typeface="Arial" panose="020B0604020202020204" pitchFamily="34" charset="0"/>
+              </a:rPr>
+              <a:t>Structural and functional MRI data differentially</a:t>
             </a:r>
             <a:br>
-              <a:rPr lang="en-GB" sz="3600" dirty="0">
+              <a:rPr lang="en-GB" sz="4200" spc="-30" dirty="0">
                 <a:latin typeface="Arial" panose="020B0604020202020204" pitchFamily="34" charset="0"/>
                 <a:cs typeface="Arial" panose="020B0604020202020204" pitchFamily="34" charset="0"/>
               </a:rPr>
             </a:br>
             <a:r>
-              <a:rPr lang="en-GB" sz="3600" dirty="0">
-                <a:latin typeface="Arial" panose="020B0604020202020204" pitchFamily="34" charset="0"/>
-                <a:cs typeface="Arial" panose="020B0604020202020204" pitchFamily="34" charset="0"/>
-              </a:rPr>
-              <a:t>chronological age and </a:t>
-            </a:r>
-            <a:r>
-              <a:rPr lang="en-GB" sz="3600" dirty="0" err="1">
-                <a:latin typeface="Arial" panose="020B0604020202020204" pitchFamily="34" charset="0"/>
-                <a:cs typeface="Arial" panose="020B0604020202020204" pitchFamily="34" charset="0"/>
-              </a:rPr>
-              <a:t>behavioral</a:t>
-            </a:r>
-            <a:r>
-              <a:rPr lang="en-GB" sz="3600" dirty="0">
-                <a:latin typeface="Arial" panose="020B0604020202020204" pitchFamily="34" charset="0"/>
-                <a:cs typeface="Arial" panose="020B0604020202020204" pitchFamily="34" charset="0"/>
-              </a:rPr>
-              <a:t> memory performance</a:t>
-            </a:r>
-            <a:endParaRPr lang="en-GB" sz="3600" dirty="0">
+              <a:rPr lang="en-GB" sz="4200" spc="-30" dirty="0">
+                <a:latin typeface="Arial" panose="020B0604020202020204" pitchFamily="34" charset="0"/>
+                <a:cs typeface="Arial" panose="020B0604020202020204" pitchFamily="34" charset="0"/>
+              </a:rPr>
+              <a:t>predict chronological age and memory performance</a:t>
+            </a:r>
+            <a:endParaRPr lang="en-GB" sz="4200" spc="-30" dirty="0">
               <a:latin typeface="Arial" panose="020B0604020202020204" pitchFamily="34" charset="0"/>
               <a:cs typeface="Arial" panose="020B0604020202020204" pitchFamily="34" charset="0"/>
             </a:endParaRPr>
@@ -3438,7 +3434,7 @@
         <p:spPr>
           <a:xfrm>
             <a:off x="8974501" y="338356"/>
-            <a:ext cx="2881062" cy="584775"/>
+            <a:ext cx="2881062" cy="830997"/>
           </a:xfrm>
           <a:prstGeom prst="rect">
             <a:avLst/>
@@ -3457,9 +3453,19 @@
                 <a:latin typeface="Arial" panose="020B0604020202020204" pitchFamily="34" charset="0"/>
                 <a:cs typeface="Arial" panose="020B0604020202020204" pitchFamily="34" charset="0"/>
               </a:rPr>
-              <a:t>Abstract/Poster #2600</a:t>
-            </a:r>
-            <a:endParaRPr lang="de-DE" sz="1600" dirty="0">
+              <a:t>Abstract #2600</a:t>
+            </a:r>
+          </a:p>
+          <a:p>
+            <a:pPr algn="r"/>
+            <a:r>
+              <a:rPr lang="de-DE" sz="1600" spc="50" dirty="0" smtClean="0">
+                <a:latin typeface="Arial" panose="020B0604020202020204" pitchFamily="34" charset="0"/>
+                <a:cs typeface="Arial" panose="020B0604020202020204" pitchFamily="34" charset="0"/>
+              </a:rPr>
+              <a:t>Poster #MT738</a:t>
+            </a:r>
+            <a:endParaRPr lang="de-DE" sz="1600" spc="50" dirty="0">
               <a:latin typeface="Arial" panose="020B0604020202020204" pitchFamily="34" charset="0"/>
               <a:cs typeface="Arial" panose="020B0604020202020204" pitchFamily="34" charset="0"/>
             </a:endParaRPr>
@@ -4314,35 +4320,6 @@
           <a:chExt cx="0" cy="0"/>
         </a:xfrm>
       </p:grpSpPr>
-      <p:pic>
-        <p:nvPicPr>
-          <p:cNvPr id="6" name="Content Placeholder 5"/>
-          <p:cNvPicPr>
-            <a:picLocks noGrp="1" noChangeAspect="1"/>
-          </p:cNvPicPr>
-          <p:nvPr>
-            <p:ph idx="1"/>
-          </p:nvPr>
-        </p:nvPicPr>
-        <p:blipFill>
-          <a:blip r:embed="rId2">
-            <a:extLst>
-              <a:ext uri="{28A0092B-C50C-407E-A947-70E740481C1C}">
-                <a14:useLocalDpi xmlns:a14="http://schemas.microsoft.com/office/drawing/2010/main" val="0"/>
-              </a:ext>
-            </a:extLst>
-          </a:blip>
-          <a:stretch>
-            <a:fillRect/>
-          </a:stretch>
-        </p:blipFill>
-        <p:spPr>
-          <a:xfrm>
-            <a:off x="2496000" y="1421287"/>
-            <a:ext cx="7200000" cy="5400000"/>
-          </a:xfrm>
-        </p:spPr>
-      </p:pic>
       <p:sp>
         <p:nvSpPr>
           <p:cNvPr id="2" name="Title 1">
@@ -4361,8 +4338,8 @@
         </p:nvSpPr>
         <p:spPr>
           <a:xfrm>
-            <a:off x="0" y="190518"/>
-            <a:ext cx="12192000" cy="1440000"/>
+            <a:off x="845949" y="190518"/>
+            <a:ext cx="10515600" cy="1440000"/>
           </a:xfrm>
         </p:spPr>
         <p:txBody>
@@ -4373,39 +4350,16 @@
           <a:p>
             <a:pPr algn="ctr"/>
             <a:r>
-              <a:rPr lang="en-GB" sz="3200" dirty="0">
-                <a:latin typeface="Arial" panose="020B0604020202020204" pitchFamily="34" charset="0"/>
-                <a:cs typeface="Arial" panose="020B0604020202020204" pitchFamily="34" charset="0"/>
-              </a:rPr>
-              <a:t>Single-value fMRI scores outperform whole-brain </a:t>
-            </a:r>
-            <a:r>
               <a:rPr lang="en-GB" sz="3200" dirty="0" smtClean="0">
                 <a:latin typeface="Arial" panose="020B0604020202020204" pitchFamily="34" charset="0"/>
                 <a:cs typeface="Arial" panose="020B0604020202020204" pitchFamily="34" charset="0"/>
               </a:rPr>
-              <a:t>fMRI</a:t>
-            </a:r>
-            <a:br>
-              <a:rPr lang="en-GB" sz="3200" dirty="0" smtClean="0">
-                <a:latin typeface="Arial" panose="020B0604020202020204" pitchFamily="34" charset="0"/>
-                <a:cs typeface="Arial" panose="020B0604020202020204" pitchFamily="34" charset="0"/>
-              </a:rPr>
-            </a:br>
-            <a:r>
-              <a:rPr lang="en-GB" sz="3200" dirty="0" smtClean="0">
-                <a:latin typeface="Arial" panose="020B0604020202020204" pitchFamily="34" charset="0"/>
-                <a:cs typeface="Arial" panose="020B0604020202020204" pitchFamily="34" charset="0"/>
-              </a:rPr>
-              <a:t>contrasts </a:t>
-            </a:r>
-            <a:r>
-              <a:rPr lang="en-GB" sz="3200" dirty="0">
-                <a:latin typeface="Arial" panose="020B0604020202020204" pitchFamily="34" charset="0"/>
-                <a:cs typeface="Arial" panose="020B0604020202020204" pitchFamily="34" charset="0"/>
-              </a:rPr>
-              <a:t>in predicting independent memory performance.</a:t>
-            </a:r>
+              <a:t>Age group can be classified based on all these variables.</a:t>
+            </a:r>
+            <a:endParaRPr lang="en-GB" sz="3200" dirty="0">
+              <a:latin typeface="Arial" panose="020B0604020202020204" pitchFamily="34" charset="0"/>
+              <a:cs typeface="Arial" panose="020B0604020202020204" pitchFamily="34" charset="0"/>
+            </a:endParaRPr>
           </a:p>
         </p:txBody>
       </p:sp>
@@ -4472,24 +4426,17 @@
           <a:lstStyle/>
           <a:p>
             <a:r>
+              <a:rPr lang="en-GB" sz="1200" dirty="0" smtClean="0">
+                <a:latin typeface="Arial" panose="020B0604020202020204" pitchFamily="34" charset="0"/>
+                <a:cs typeface="Arial" panose="020B0604020202020204" pitchFamily="34" charset="0"/>
+              </a:rPr>
+              <a:t>Soch et al., OHBM, 2022, </a:t>
+            </a:r>
+            <a:r>
               <a:rPr lang="en-GB" sz="1200" dirty="0">
                 <a:latin typeface="Arial" panose="020B0604020202020204" pitchFamily="34" charset="0"/>
                 <a:cs typeface="Arial" panose="020B0604020202020204" pitchFamily="34" charset="0"/>
               </a:rPr>
-              <a:t>Soch*, Richter* et al., </a:t>
-            </a:r>
-            <a:r>
-              <a:rPr lang="en-GB" sz="1200" dirty="0">
-                <a:latin typeface="Arial" panose="020B0604020202020204" pitchFamily="34" charset="0"/>
-                <a:cs typeface="Arial" panose="020B0604020202020204" pitchFamily="34" charset="0"/>
-              </a:rPr>
-              <a:t>in review, </a:t>
-            </a:r>
-            <a:r>
-              <a:rPr lang="en-GB" sz="1200" dirty="0">
-                <a:latin typeface="Arial" panose="020B0604020202020204" pitchFamily="34" charset="0"/>
-                <a:cs typeface="Arial" panose="020B0604020202020204" pitchFamily="34" charset="0"/>
-              </a:rPr>
               <a:t>Fig. </a:t>
             </a:r>
             <a:r>
@@ -4497,7 +4444,7 @@
                 <a:latin typeface="Arial" panose="020B0604020202020204" pitchFamily="34" charset="0"/>
                 <a:cs typeface="Arial" panose="020B0604020202020204" pitchFamily="34" charset="0"/>
               </a:rPr>
-              <a:t>4.</a:t>
+              <a:t>1A.</a:t>
             </a:r>
             <a:endParaRPr lang="en-GB" sz="1200" dirty="0">
               <a:latin typeface="Arial" panose="020B0604020202020204" pitchFamily="34" charset="0"/>
@@ -4506,10 +4453,38 @@
           </a:p>
         </p:txBody>
       </p:sp>
+      <p:pic>
+        <p:nvPicPr>
+          <p:cNvPr id="5" name="Content Placeholder 4"/>
+          <p:cNvPicPr>
+            <a:picLocks noGrp="1" noChangeAspect="1"/>
+          </p:cNvPicPr>
+          <p:nvPr>
+            <p:ph idx="1"/>
+          </p:nvPr>
+        </p:nvPicPr>
+        <p:blipFill rotWithShape="1">
+          <a:blip r:embed="rId2" cstate="print">
+            <a:extLst>
+              <a:ext uri="{28A0092B-C50C-407E-A947-70E740481C1C}">
+                <a14:useLocalDpi xmlns:a14="http://schemas.microsoft.com/office/drawing/2010/main" val="0"/>
+              </a:ext>
+            </a:extLst>
+          </a:blip>
+          <a:srcRect b="69432"/>
+          <a:stretch/>
+        </p:blipFill>
+        <p:spPr>
+          <a:xfrm>
+            <a:off x="1063749" y="1994601"/>
+            <a:ext cx="10080000" cy="4181636"/>
+          </a:xfrm>
+        </p:spPr>
+      </p:pic>
     </p:spTree>
     <p:extLst>
       <p:ext uri="{BB962C8B-B14F-4D97-AF65-F5344CB8AC3E}">
-        <p14:creationId xmlns:p14="http://schemas.microsoft.com/office/powerpoint/2010/main" val="4125165679"/>
+        <p14:creationId xmlns:p14="http://schemas.microsoft.com/office/powerpoint/2010/main" val="2173535377"/>
       </p:ext>
     </p:extLst>
   </p:cSld>
@@ -4553,22 +4528,21 @@
             <p:ph idx="1"/>
           </p:nvPr>
         </p:nvPicPr>
-        <p:blipFill>
-          <a:blip r:embed="rId2">
+        <p:blipFill rotWithShape="1">
+          <a:blip r:embed="rId2" cstate="print">
             <a:extLst>
               <a:ext uri="{28A0092B-C50C-407E-A947-70E740481C1C}">
                 <a14:useLocalDpi xmlns:a14="http://schemas.microsoft.com/office/drawing/2010/main" val="0"/>
               </a:ext>
             </a:extLst>
           </a:blip>
-          <a:stretch>
-            <a:fillRect/>
-          </a:stretch>
+          <a:srcRect t="30654" b="16268"/>
+          <a:stretch/>
         </p:blipFill>
         <p:spPr>
           <a:xfrm>
-            <a:off x="2503749" y="1414071"/>
-            <a:ext cx="7200000" cy="5400000"/>
+            <a:off x="2496000" y="1493816"/>
+            <a:ext cx="7200000" cy="5186443"/>
           </a:xfrm>
         </p:spPr>
       </p:pic>
@@ -4590,8 +4564,8 @@
         </p:nvSpPr>
         <p:spPr>
           <a:xfrm>
-            <a:off x="845949" y="190518"/>
-            <a:ext cx="10515600" cy="1440000"/>
+            <a:off x="0" y="190518"/>
+            <a:ext cx="12192000" cy="1440000"/>
           </a:xfrm>
         </p:spPr>
         <p:txBody>
@@ -4602,18 +4576,11 @@
           <a:p>
             <a:pPr algn="ctr"/>
             <a:r>
-              <a:rPr lang="en-GB" sz="3200" dirty="0">
-                <a:latin typeface="Arial" panose="020B0604020202020204" pitchFamily="34" charset="0"/>
-                <a:cs typeface="Arial" panose="020B0604020202020204" pitchFamily="34" charset="0"/>
-              </a:rPr>
-              <a:t>The predictive utility of fMRI scores </a:t>
-            </a:r>
-            <a:r>
               <a:rPr lang="en-GB" sz="3200" dirty="0" smtClean="0">
                 <a:latin typeface="Arial" panose="020B0604020202020204" pitchFamily="34" charset="0"/>
                 <a:cs typeface="Arial" panose="020B0604020202020204" pitchFamily="34" charset="0"/>
               </a:rPr>
-              <a:t>for</a:t>
+              <a:t>Chronological age is best predicted from structural MRI, but</a:t>
             </a:r>
             <a:br>
               <a:rPr lang="en-GB" sz="3200" dirty="0" smtClean="0">
@@ -4626,21 +4593,7 @@
                 <a:latin typeface="Arial" panose="020B0604020202020204" pitchFamily="34" charset="0"/>
                 <a:cs typeface="Arial" panose="020B0604020202020204" pitchFamily="34" charset="0"/>
               </a:rPr>
-              <a:t>memory </a:t>
-            </a:r>
-            <a:r>
-              <a:rPr lang="en-GB" sz="3200" dirty="0">
-                <a:latin typeface="Arial" panose="020B0604020202020204" pitchFamily="34" charset="0"/>
-                <a:cs typeface="Arial" panose="020B0604020202020204" pitchFamily="34" charset="0"/>
-              </a:rPr>
-              <a:t>performance is </a:t>
-            </a:r>
-            <a:r>
-              <a:rPr lang="en-GB" sz="3200" dirty="0" smtClean="0">
-                <a:latin typeface="Arial" panose="020B0604020202020204" pitchFamily="34" charset="0"/>
-                <a:cs typeface="Arial" panose="020B0604020202020204" pitchFamily="34" charset="0"/>
-              </a:rPr>
-              <a:t>still moderate.</a:t>
+              <a:t>memory performance is best predicted from functional MRI.</a:t>
             </a:r>
             <a:endParaRPr lang="en-GB" sz="3200" dirty="0">
               <a:latin typeface="Arial" panose="020B0604020202020204" pitchFamily="34" charset="0"/>
@@ -4681,633 +4634,6 @@
                 <a:cs typeface="Arial" panose="020B0604020202020204" pitchFamily="34" charset="0"/>
               </a:rPr>
               <a:t>11</a:t>
-            </a:fld>
-            <a:endParaRPr lang="en-DE" dirty="0">
-              <a:latin typeface="Arial" panose="020B0604020202020204" pitchFamily="34" charset="0"/>
-              <a:cs typeface="Arial" panose="020B0604020202020204" pitchFamily="34" charset="0"/>
-            </a:endParaRPr>
-          </a:p>
-        </p:txBody>
-      </p:sp>
-      <p:sp>
-        <p:nvSpPr>
-          <p:cNvPr id="9" name="TextBox 8"/>
-          <p:cNvSpPr txBox="1"/>
-          <p:nvPr/>
-        </p:nvSpPr>
-        <p:spPr>
-          <a:xfrm>
-            <a:off x="344106" y="6312350"/>
-            <a:ext cx="11520000" cy="276999"/>
-          </a:xfrm>
-          <a:prstGeom prst="rect">
-            <a:avLst/>
-          </a:prstGeom>
-          <a:noFill/>
-        </p:spPr>
-        <p:txBody>
-          <a:bodyPr wrap="square" rtlCol="0">
-            <a:spAutoFit/>
-          </a:bodyPr>
-          <a:lstStyle/>
-          <a:p>
-            <a:r>
-              <a:rPr lang="en-GB" sz="1200" dirty="0">
-                <a:latin typeface="Arial" panose="020B0604020202020204" pitchFamily="34" charset="0"/>
-                <a:cs typeface="Arial" panose="020B0604020202020204" pitchFamily="34" charset="0"/>
-              </a:rPr>
-              <a:t>Soch*, Richter* et al., </a:t>
-            </a:r>
-            <a:r>
-              <a:rPr lang="en-GB" sz="1200" dirty="0">
-                <a:latin typeface="Arial" panose="020B0604020202020204" pitchFamily="34" charset="0"/>
-                <a:cs typeface="Arial" panose="020B0604020202020204" pitchFamily="34" charset="0"/>
-              </a:rPr>
-              <a:t>in review, </a:t>
-            </a:r>
-            <a:r>
-              <a:rPr lang="en-GB" sz="1200" dirty="0">
-                <a:latin typeface="Arial" panose="020B0604020202020204" pitchFamily="34" charset="0"/>
-                <a:cs typeface="Arial" panose="020B0604020202020204" pitchFamily="34" charset="0"/>
-              </a:rPr>
-              <a:t>Fig. </a:t>
-            </a:r>
-            <a:r>
-              <a:rPr lang="en-GB" sz="1200" dirty="0" smtClean="0">
-                <a:latin typeface="Arial" panose="020B0604020202020204" pitchFamily="34" charset="0"/>
-                <a:cs typeface="Arial" panose="020B0604020202020204" pitchFamily="34" charset="0"/>
-              </a:rPr>
-              <a:t>6.</a:t>
-            </a:r>
-            <a:endParaRPr lang="en-GB" sz="1200" dirty="0">
-              <a:latin typeface="Arial" panose="020B0604020202020204" pitchFamily="34" charset="0"/>
-              <a:cs typeface="Arial" panose="020B0604020202020204" pitchFamily="34" charset="0"/>
-            </a:endParaRPr>
-          </a:p>
-        </p:txBody>
-      </p:sp>
-    </p:spTree>
-    <p:extLst>
-      <p:ext uri="{BB962C8B-B14F-4D97-AF65-F5344CB8AC3E}">
-        <p14:creationId xmlns:p14="http://schemas.microsoft.com/office/powerpoint/2010/main" val="1730661370"/>
-      </p:ext>
-    </p:extLst>
-  </p:cSld>
-  <p:clrMapOvr>
-    <a:masterClrMapping/>
-  </p:clrMapOvr>
-  <p:timing>
-    <p:tnLst>
-      <p:par>
-        <p:cTn id="1" dur="indefinite" restart="never" nodeType="tmRoot"/>
-      </p:par>
-    </p:tnLst>
-  </p:timing>
-</p:sld>
-</file>
-
-<file path=ppt/slides/slide2.xml><?xml version="1.0" encoding="utf-8"?>
-<p:sld xmlns:a="http://schemas.openxmlformats.org/drawingml/2006/main" xmlns:r="http://schemas.openxmlformats.org/officeDocument/2006/relationships" xmlns:p="http://schemas.openxmlformats.org/presentationml/2006/main">
-  <p:cSld>
-    <p:spTree>
-      <p:nvGrpSpPr>
-        <p:cNvPr id="1" name=""/>
-        <p:cNvGrpSpPr/>
-        <p:nvPr/>
-      </p:nvGrpSpPr>
-      <p:grpSpPr>
-        <a:xfrm>
-          <a:off x="0" y="0"/>
-          <a:ext cx="0" cy="0"/>
-          <a:chOff x="0" y="0"/>
-          <a:chExt cx="0" cy="0"/>
-        </a:xfrm>
-      </p:grpSpPr>
-      <p:pic>
-        <p:nvPicPr>
-          <p:cNvPr id="5" name="Content Placeholder 4"/>
-          <p:cNvPicPr>
-            <a:picLocks noGrp="1" noChangeAspect="1"/>
-          </p:cNvPicPr>
-          <p:nvPr>
-            <p:ph idx="1"/>
-          </p:nvPr>
-        </p:nvPicPr>
-        <p:blipFill rotWithShape="1">
-          <a:blip r:embed="rId2" cstate="hqprint">
-            <a:extLst>
-              <a:ext uri="{28A0092B-C50C-407E-A947-70E740481C1C}">
-                <a14:useLocalDpi xmlns:a14="http://schemas.microsoft.com/office/drawing/2010/main" val="0"/>
-              </a:ext>
-            </a:extLst>
-          </a:blip>
-          <a:srcRect t="4545" b="10505"/>
-          <a:stretch/>
-        </p:blipFill>
-        <p:spPr>
-          <a:xfrm>
-            <a:off x="3938173" y="1631304"/>
-            <a:ext cx="5760000" cy="4893156"/>
-          </a:xfrm>
-        </p:spPr>
-      </p:pic>
-      <p:sp>
-        <p:nvSpPr>
-          <p:cNvPr id="2" name="Title 1">
-            <a:extLst>
-              <a:ext uri="{FF2B5EF4-FFF2-40B4-BE49-F238E27FC236}">
-                <a16:creationId xmlns:a16="http://schemas.microsoft.com/office/drawing/2014/main" id="{ED585F68-7E9C-4C7D-98F4-A58CF1DAE152}"/>
-              </a:ext>
-            </a:extLst>
-          </p:cNvPr>
-          <p:cNvSpPr>
-            <a:spLocks noGrp="1"/>
-          </p:cNvSpPr>
-          <p:nvPr>
-            <p:ph type="title"/>
-          </p:nvPr>
-        </p:nvSpPr>
-        <p:spPr>
-          <a:xfrm>
-            <a:off x="0" y="190518"/>
-            <a:ext cx="12192000" cy="1440000"/>
-          </a:xfrm>
-        </p:spPr>
-        <p:txBody>
-          <a:bodyPr>
-            <a:normAutofit/>
-          </a:bodyPr>
-          <a:lstStyle/>
-          <a:p>
-            <a:pPr algn="ctr"/>
-            <a:r>
-              <a:rPr lang="en-GB" sz="3200" dirty="0" smtClean="0">
-                <a:latin typeface="Arial" panose="020B0604020202020204" pitchFamily="34" charset="0"/>
-                <a:cs typeface="Arial" panose="020B0604020202020204" pitchFamily="34" charset="0"/>
-              </a:rPr>
-              <a:t>We predicted chronological age and memory performance</a:t>
-            </a:r>
-            <a:br>
-              <a:rPr lang="en-GB" sz="3200" dirty="0" smtClean="0">
-                <a:latin typeface="Arial" panose="020B0604020202020204" pitchFamily="34" charset="0"/>
-                <a:cs typeface="Arial" panose="020B0604020202020204" pitchFamily="34" charset="0"/>
-              </a:rPr>
-            </a:br>
-            <a:r>
-              <a:rPr lang="en-GB" sz="3200" dirty="0" smtClean="0">
-                <a:latin typeface="Arial" panose="020B0604020202020204" pitchFamily="34" charset="0"/>
-                <a:cs typeface="Arial" panose="020B0604020202020204" pitchFamily="34" charset="0"/>
-              </a:rPr>
-              <a:t>from a number of source variables / feature sets.</a:t>
-            </a:r>
-            <a:endParaRPr lang="en-GB" sz="3200" dirty="0">
-              <a:latin typeface="Arial" panose="020B0604020202020204" pitchFamily="34" charset="0"/>
-              <a:cs typeface="Arial" panose="020B0604020202020204" pitchFamily="34" charset="0"/>
-            </a:endParaRPr>
-          </a:p>
-        </p:txBody>
-      </p:sp>
-      <p:sp>
-        <p:nvSpPr>
-          <p:cNvPr id="3" name="Slide Number Placeholder 2">
-            <a:extLst>
-              <a:ext uri="{FF2B5EF4-FFF2-40B4-BE49-F238E27FC236}">
-                <a16:creationId xmlns:a16="http://schemas.microsoft.com/office/drawing/2014/main" id="{46E057FF-AF20-4C11-838F-20365F70FC9F}"/>
-              </a:ext>
-            </a:extLst>
-          </p:cNvPr>
-          <p:cNvSpPr>
-            <a:spLocks noGrp="1"/>
-          </p:cNvSpPr>
-          <p:nvPr>
-            <p:ph type="sldNum" sz="quarter" idx="12"/>
-          </p:nvPr>
-        </p:nvSpPr>
-        <p:spPr>
-          <a:xfrm>
-            <a:off x="8610600" y="6319596"/>
-            <a:ext cx="2743200" cy="365125"/>
-          </a:xfrm>
-        </p:spPr>
-        <p:txBody>
-          <a:bodyPr/>
-          <a:lstStyle/>
-          <a:p>
-            <a:fld id="{01BB3CB5-E6C2-429F-B52F-5C30E86D8507}" type="slidenum">
-              <a:rPr lang="en-DE" smtClean="0">
-                <a:latin typeface="Arial" panose="020B0604020202020204" pitchFamily="34" charset="0"/>
-                <a:cs typeface="Arial" panose="020B0604020202020204" pitchFamily="34" charset="0"/>
-              </a:rPr>
-              <a:t>2</a:t>
-            </a:fld>
-            <a:endParaRPr lang="en-DE" dirty="0">
-              <a:latin typeface="Arial" panose="020B0604020202020204" pitchFamily="34" charset="0"/>
-              <a:cs typeface="Arial" panose="020B0604020202020204" pitchFamily="34" charset="0"/>
-            </a:endParaRPr>
-          </a:p>
-        </p:txBody>
-      </p:sp>
-      <p:sp>
-        <p:nvSpPr>
-          <p:cNvPr id="9" name="TextBox 8"/>
-          <p:cNvSpPr txBox="1"/>
-          <p:nvPr/>
-        </p:nvSpPr>
-        <p:spPr>
-          <a:xfrm>
-            <a:off x="344106" y="6312350"/>
-            <a:ext cx="11520000" cy="276999"/>
-          </a:xfrm>
-          <a:prstGeom prst="rect">
-            <a:avLst/>
-          </a:prstGeom>
-          <a:noFill/>
-        </p:spPr>
-        <p:txBody>
-          <a:bodyPr wrap="square" rtlCol="0">
-            <a:spAutoFit/>
-          </a:bodyPr>
-          <a:lstStyle/>
-          <a:p>
-            <a:r>
-              <a:rPr lang="en-GB" sz="1200" dirty="0">
-                <a:latin typeface="Arial" panose="020B0604020202020204" pitchFamily="34" charset="0"/>
-                <a:cs typeface="Arial" panose="020B0604020202020204" pitchFamily="34" charset="0"/>
-              </a:rPr>
-              <a:t>Soch*, Richter* et al., </a:t>
-            </a:r>
-            <a:r>
-              <a:rPr lang="en-GB" sz="1200" dirty="0" smtClean="0">
-                <a:latin typeface="Arial" panose="020B0604020202020204" pitchFamily="34" charset="0"/>
-                <a:cs typeface="Arial" panose="020B0604020202020204" pitchFamily="34" charset="0"/>
-              </a:rPr>
-              <a:t>in review, </a:t>
-            </a:r>
-            <a:r>
-              <a:rPr lang="en-GB" sz="1200" dirty="0" smtClean="0">
-                <a:latin typeface="Arial" panose="020B0604020202020204" pitchFamily="34" charset="0"/>
-                <a:cs typeface="Arial" panose="020B0604020202020204" pitchFamily="34" charset="0"/>
-              </a:rPr>
-              <a:t>Fig. 1.</a:t>
-            </a:r>
-            <a:endParaRPr lang="en-GB" sz="1200" dirty="0">
-              <a:latin typeface="Arial" panose="020B0604020202020204" pitchFamily="34" charset="0"/>
-              <a:cs typeface="Arial" panose="020B0604020202020204" pitchFamily="34" charset="0"/>
-            </a:endParaRPr>
-          </a:p>
-        </p:txBody>
-      </p:sp>
-    </p:spTree>
-    <p:extLst>
-      <p:ext uri="{BB962C8B-B14F-4D97-AF65-F5344CB8AC3E}">
-        <p14:creationId xmlns:p14="http://schemas.microsoft.com/office/powerpoint/2010/main" val="2742766750"/>
-      </p:ext>
-    </p:extLst>
-  </p:cSld>
-  <p:clrMapOvr>
-    <a:masterClrMapping/>
-  </p:clrMapOvr>
-  <p:timing>
-    <p:tnLst>
-      <p:par>
-        <p:cTn id="1" dur="indefinite" restart="never" nodeType="tmRoot"/>
-      </p:par>
-    </p:tnLst>
-  </p:timing>
-</p:sld>
-</file>
-
-<file path=ppt/slides/slide3.xml><?xml version="1.0" encoding="utf-8"?>
-<p:sld xmlns:a="http://schemas.openxmlformats.org/drawingml/2006/main" xmlns:r="http://schemas.openxmlformats.org/officeDocument/2006/relationships" xmlns:p="http://schemas.openxmlformats.org/presentationml/2006/main">
-  <p:cSld>
-    <p:spTree>
-      <p:nvGrpSpPr>
-        <p:cNvPr id="1" name=""/>
-        <p:cNvGrpSpPr/>
-        <p:nvPr/>
-      </p:nvGrpSpPr>
-      <p:grpSpPr>
-        <a:xfrm>
-          <a:off x="0" y="0"/>
-          <a:ext cx="0" cy="0"/>
-          <a:chOff x="0" y="0"/>
-          <a:chExt cx="0" cy="0"/>
-        </a:xfrm>
-      </p:grpSpPr>
-      <p:sp>
-        <p:nvSpPr>
-          <p:cNvPr id="2" name="Title 1">
-            <a:extLst>
-              <a:ext uri="{FF2B5EF4-FFF2-40B4-BE49-F238E27FC236}">
-                <a16:creationId xmlns:a16="http://schemas.microsoft.com/office/drawing/2014/main" id="{ED585F68-7E9C-4C7D-98F4-A58CF1DAE152}"/>
-              </a:ext>
-            </a:extLst>
-          </p:cNvPr>
-          <p:cNvSpPr>
-            <a:spLocks noGrp="1"/>
-          </p:cNvSpPr>
-          <p:nvPr>
-            <p:ph type="title"/>
-          </p:nvPr>
-        </p:nvSpPr>
-        <p:spPr>
-          <a:xfrm>
-            <a:off x="845949" y="190518"/>
-            <a:ext cx="10515600" cy="1440000"/>
-          </a:xfrm>
-        </p:spPr>
-        <p:txBody>
-          <a:bodyPr>
-            <a:normAutofit/>
-          </a:bodyPr>
-          <a:lstStyle/>
-          <a:p>
-            <a:pPr algn="ctr"/>
-            <a:r>
-              <a:rPr lang="en-GB" sz="3200" dirty="0" smtClean="0">
-                <a:latin typeface="Arial" panose="020B0604020202020204" pitchFamily="34" charset="0"/>
-                <a:cs typeface="Arial" panose="020B0604020202020204" pitchFamily="34" charset="0"/>
-              </a:rPr>
-              <a:t>Age group can be classified based on all these variables.</a:t>
-            </a:r>
-            <a:endParaRPr lang="en-GB" sz="3200" dirty="0">
-              <a:latin typeface="Arial" panose="020B0604020202020204" pitchFamily="34" charset="0"/>
-              <a:cs typeface="Arial" panose="020B0604020202020204" pitchFamily="34" charset="0"/>
-            </a:endParaRPr>
-          </a:p>
-        </p:txBody>
-      </p:sp>
-      <p:sp>
-        <p:nvSpPr>
-          <p:cNvPr id="3" name="Slide Number Placeholder 2">
-            <a:extLst>
-              <a:ext uri="{FF2B5EF4-FFF2-40B4-BE49-F238E27FC236}">
-                <a16:creationId xmlns:a16="http://schemas.microsoft.com/office/drawing/2014/main" id="{46E057FF-AF20-4C11-838F-20365F70FC9F}"/>
-              </a:ext>
-            </a:extLst>
-          </p:cNvPr>
-          <p:cNvSpPr>
-            <a:spLocks noGrp="1"/>
-          </p:cNvSpPr>
-          <p:nvPr>
-            <p:ph type="sldNum" sz="quarter" idx="12"/>
-          </p:nvPr>
-        </p:nvSpPr>
-        <p:spPr>
-          <a:xfrm>
-            <a:off x="8610600" y="6319596"/>
-            <a:ext cx="2743200" cy="365125"/>
-          </a:xfrm>
-        </p:spPr>
-        <p:txBody>
-          <a:bodyPr/>
-          <a:lstStyle/>
-          <a:p>
-            <a:fld id="{01BB3CB5-E6C2-429F-B52F-5C30E86D8507}" type="slidenum">
-              <a:rPr lang="en-DE" smtClean="0">
-                <a:latin typeface="Arial" panose="020B0604020202020204" pitchFamily="34" charset="0"/>
-                <a:cs typeface="Arial" panose="020B0604020202020204" pitchFamily="34" charset="0"/>
-              </a:rPr>
-              <a:t>3</a:t>
-            </a:fld>
-            <a:endParaRPr lang="en-DE" dirty="0">
-              <a:latin typeface="Arial" panose="020B0604020202020204" pitchFamily="34" charset="0"/>
-              <a:cs typeface="Arial" panose="020B0604020202020204" pitchFamily="34" charset="0"/>
-            </a:endParaRPr>
-          </a:p>
-        </p:txBody>
-      </p:sp>
-      <p:sp>
-        <p:nvSpPr>
-          <p:cNvPr id="9" name="TextBox 8"/>
-          <p:cNvSpPr txBox="1"/>
-          <p:nvPr/>
-        </p:nvSpPr>
-        <p:spPr>
-          <a:xfrm>
-            <a:off x="344106" y="6312350"/>
-            <a:ext cx="11520000" cy="276999"/>
-          </a:xfrm>
-          <a:prstGeom prst="rect">
-            <a:avLst/>
-          </a:prstGeom>
-          <a:noFill/>
-        </p:spPr>
-        <p:txBody>
-          <a:bodyPr wrap="square" rtlCol="0">
-            <a:spAutoFit/>
-          </a:bodyPr>
-          <a:lstStyle/>
-          <a:p>
-            <a:r>
-              <a:rPr lang="en-GB" sz="1200" dirty="0" smtClean="0">
-                <a:latin typeface="Arial" panose="020B0604020202020204" pitchFamily="34" charset="0"/>
-                <a:cs typeface="Arial" panose="020B0604020202020204" pitchFamily="34" charset="0"/>
-              </a:rPr>
-              <a:t>Soch et al., OHBM, 2022, </a:t>
-            </a:r>
-            <a:r>
-              <a:rPr lang="en-GB" sz="1200" dirty="0">
-                <a:latin typeface="Arial" panose="020B0604020202020204" pitchFamily="34" charset="0"/>
-                <a:cs typeface="Arial" panose="020B0604020202020204" pitchFamily="34" charset="0"/>
-              </a:rPr>
-              <a:t>Fig. </a:t>
-            </a:r>
-            <a:r>
-              <a:rPr lang="en-GB" sz="1200" dirty="0" smtClean="0">
-                <a:latin typeface="Arial" panose="020B0604020202020204" pitchFamily="34" charset="0"/>
-                <a:cs typeface="Arial" panose="020B0604020202020204" pitchFamily="34" charset="0"/>
-              </a:rPr>
-              <a:t>1A.</a:t>
-            </a:r>
-            <a:endParaRPr lang="en-GB" sz="1200" dirty="0">
-              <a:latin typeface="Arial" panose="020B0604020202020204" pitchFamily="34" charset="0"/>
-              <a:cs typeface="Arial" panose="020B0604020202020204" pitchFamily="34" charset="0"/>
-            </a:endParaRPr>
-          </a:p>
-        </p:txBody>
-      </p:sp>
-      <p:pic>
-        <p:nvPicPr>
-          <p:cNvPr id="5" name="Content Placeholder 4"/>
-          <p:cNvPicPr>
-            <a:picLocks noGrp="1" noChangeAspect="1"/>
-          </p:cNvPicPr>
-          <p:nvPr>
-            <p:ph idx="1"/>
-          </p:nvPr>
-        </p:nvPicPr>
-        <p:blipFill rotWithShape="1">
-          <a:blip r:embed="rId2" cstate="print">
-            <a:extLst>
-              <a:ext uri="{28A0092B-C50C-407E-A947-70E740481C1C}">
-                <a14:useLocalDpi xmlns:a14="http://schemas.microsoft.com/office/drawing/2010/main" val="0"/>
-              </a:ext>
-            </a:extLst>
-          </a:blip>
-          <a:srcRect b="69432"/>
-          <a:stretch/>
-        </p:blipFill>
-        <p:spPr>
-          <a:xfrm>
-            <a:off x="1063749" y="1994601"/>
-            <a:ext cx="10080000" cy="4181636"/>
-          </a:xfrm>
-        </p:spPr>
-      </p:pic>
-    </p:spTree>
-    <p:extLst>
-      <p:ext uri="{BB962C8B-B14F-4D97-AF65-F5344CB8AC3E}">
-        <p14:creationId xmlns:p14="http://schemas.microsoft.com/office/powerpoint/2010/main" val="2173535377"/>
-      </p:ext>
-    </p:extLst>
-  </p:cSld>
-  <p:clrMapOvr>
-    <a:masterClrMapping/>
-  </p:clrMapOvr>
-  <p:timing>
-    <p:tnLst>
-      <p:par>
-        <p:cTn id="1" dur="indefinite" restart="never" nodeType="tmRoot"/>
-      </p:par>
-    </p:tnLst>
-  </p:timing>
-</p:sld>
-</file>
-
-<file path=ppt/slides/slide4.xml><?xml version="1.0" encoding="utf-8"?>
-<p:sld xmlns:a="http://schemas.openxmlformats.org/drawingml/2006/main" xmlns:r="http://schemas.openxmlformats.org/officeDocument/2006/relationships" xmlns:p="http://schemas.openxmlformats.org/presentationml/2006/main">
-  <p:cSld>
-    <p:spTree>
-      <p:nvGrpSpPr>
-        <p:cNvPr id="1" name=""/>
-        <p:cNvGrpSpPr/>
-        <p:nvPr/>
-      </p:nvGrpSpPr>
-      <p:grpSpPr>
-        <a:xfrm>
-          <a:off x="0" y="0"/>
-          <a:ext cx="0" cy="0"/>
-          <a:chOff x="0" y="0"/>
-          <a:chExt cx="0" cy="0"/>
-        </a:xfrm>
-      </p:grpSpPr>
-      <p:pic>
-        <p:nvPicPr>
-          <p:cNvPr id="6" name="Content Placeholder 5"/>
-          <p:cNvPicPr>
-            <a:picLocks noGrp="1" noChangeAspect="1"/>
-          </p:cNvPicPr>
-          <p:nvPr>
-            <p:ph idx="1"/>
-          </p:nvPr>
-        </p:nvPicPr>
-        <p:blipFill rotWithShape="1">
-          <a:blip r:embed="rId2" cstate="print">
-            <a:extLst>
-              <a:ext uri="{28A0092B-C50C-407E-A947-70E740481C1C}">
-                <a14:useLocalDpi xmlns:a14="http://schemas.microsoft.com/office/drawing/2010/main" val="0"/>
-              </a:ext>
-            </a:extLst>
-          </a:blip>
-          <a:srcRect t="30654" b="16268"/>
-          <a:stretch/>
-        </p:blipFill>
-        <p:spPr>
-          <a:xfrm>
-            <a:off x="2496000" y="1493816"/>
-            <a:ext cx="7200000" cy="5186443"/>
-          </a:xfrm>
-        </p:spPr>
-      </p:pic>
-      <p:sp>
-        <p:nvSpPr>
-          <p:cNvPr id="2" name="Title 1">
-            <a:extLst>
-              <a:ext uri="{FF2B5EF4-FFF2-40B4-BE49-F238E27FC236}">
-                <a16:creationId xmlns:a16="http://schemas.microsoft.com/office/drawing/2014/main" id="{ED585F68-7E9C-4C7D-98F4-A58CF1DAE152}"/>
-              </a:ext>
-            </a:extLst>
-          </p:cNvPr>
-          <p:cNvSpPr>
-            <a:spLocks noGrp="1"/>
-          </p:cNvSpPr>
-          <p:nvPr>
-            <p:ph type="title"/>
-          </p:nvPr>
-        </p:nvSpPr>
-        <p:spPr>
-          <a:xfrm>
-            <a:off x="0" y="190518"/>
-            <a:ext cx="12192000" cy="1440000"/>
-          </a:xfrm>
-        </p:spPr>
-        <p:txBody>
-          <a:bodyPr>
-            <a:normAutofit/>
-          </a:bodyPr>
-          <a:lstStyle/>
-          <a:p>
-            <a:pPr algn="ctr"/>
-            <a:r>
-              <a:rPr lang="en-GB" sz="3200" dirty="0" smtClean="0">
-                <a:latin typeface="Arial" panose="020B0604020202020204" pitchFamily="34" charset="0"/>
-                <a:cs typeface="Arial" panose="020B0604020202020204" pitchFamily="34" charset="0"/>
-              </a:rPr>
-              <a:t>Chronological age is best predicted from structural MRI, but</a:t>
-            </a:r>
-            <a:br>
-              <a:rPr lang="en-GB" sz="3200" dirty="0" smtClean="0">
-                <a:latin typeface="Arial" panose="020B0604020202020204" pitchFamily="34" charset="0"/>
-                <a:cs typeface="Arial" panose="020B0604020202020204" pitchFamily="34" charset="0"/>
-              </a:rPr>
-            </a:br>
-            <a:r>
-              <a:rPr lang="en-GB" sz="3200" dirty="0" smtClean="0">
-                <a:latin typeface="Arial" panose="020B0604020202020204" pitchFamily="34" charset="0"/>
-                <a:cs typeface="Arial" panose="020B0604020202020204" pitchFamily="34" charset="0"/>
-              </a:rPr>
-              <a:t>memory performance is best predicted from functional MRI.</a:t>
-            </a:r>
-            <a:endParaRPr lang="en-GB" sz="3200" dirty="0">
-              <a:latin typeface="Arial" panose="020B0604020202020204" pitchFamily="34" charset="0"/>
-              <a:cs typeface="Arial" panose="020B0604020202020204" pitchFamily="34" charset="0"/>
-            </a:endParaRPr>
-          </a:p>
-        </p:txBody>
-      </p:sp>
-      <p:sp>
-        <p:nvSpPr>
-          <p:cNvPr id="3" name="Slide Number Placeholder 2">
-            <a:extLst>
-              <a:ext uri="{FF2B5EF4-FFF2-40B4-BE49-F238E27FC236}">
-                <a16:creationId xmlns:a16="http://schemas.microsoft.com/office/drawing/2014/main" id="{46E057FF-AF20-4C11-838F-20365F70FC9F}"/>
-              </a:ext>
-            </a:extLst>
-          </p:cNvPr>
-          <p:cNvSpPr>
-            <a:spLocks noGrp="1"/>
-          </p:cNvSpPr>
-          <p:nvPr>
-            <p:ph type="sldNum" sz="quarter" idx="12"/>
-          </p:nvPr>
-        </p:nvSpPr>
-        <p:spPr>
-          <a:xfrm>
-            <a:off x="8610600" y="6319596"/>
-            <a:ext cx="2743200" cy="365125"/>
-          </a:xfrm>
-        </p:spPr>
-        <p:txBody>
-          <a:bodyPr/>
-          <a:lstStyle/>
-          <a:p>
-            <a:fld id="{01BB3CB5-E6C2-429F-B52F-5C30E86D8507}" type="slidenum">
-              <a:rPr lang="en-DE" smtClean="0">
-                <a:latin typeface="Arial" panose="020B0604020202020204" pitchFamily="34" charset="0"/>
-                <a:cs typeface="Arial" panose="020B0604020202020204" pitchFamily="34" charset="0"/>
-              </a:rPr>
-              <a:t>4</a:t>
             </a:fld>
             <a:endParaRPr lang="en-DE" dirty="0">
               <a:latin typeface="Arial" panose="020B0604020202020204" pitchFamily="34" charset="0"/>
@@ -5414,6 +4740,35 @@
           </a:p>
         </p:txBody>
       </p:sp>
+      <p:pic>
+        <p:nvPicPr>
+          <p:cNvPr id="8" name="Content Placeholder 4"/>
+          <p:cNvPicPr>
+            <a:picLocks noChangeAspect="1"/>
+          </p:cNvPicPr>
+          <p:nvPr/>
+        </p:nvPicPr>
+        <p:blipFill rotWithShape="1">
+          <a:blip r:embed="rId2" cstate="print">
+            <a:extLst>
+              <a:ext uri="{28A0092B-C50C-407E-A947-70E740481C1C}">
+                <a14:useLocalDpi xmlns:a14="http://schemas.microsoft.com/office/drawing/2010/main" val="0"/>
+              </a:ext>
+            </a:extLst>
+          </a:blip>
+          <a:srcRect l="12922" t="5373" r="72999" b="90039"/>
+          <a:stretch/>
+        </p:blipFill>
+        <p:spPr>
+          <a:xfrm>
+            <a:off x="9717165" y="3702048"/>
+            <a:ext cx="1419224" cy="627593"/>
+          </a:xfrm>
+          <a:prstGeom prst="rect">
+            <a:avLst/>
+          </a:prstGeom>
+        </p:spPr>
+      </p:pic>
     </p:spTree>
     <p:extLst>
       <p:ext uri="{BB962C8B-B14F-4D97-AF65-F5344CB8AC3E}">
@@ -5477,6 +4832,51 @@
                       </p:childTnLst>
                     </p:cTn>
                   </p:par>
+                  <p:par>
+                    <p:cTn id="7" fill="hold">
+                      <p:stCondLst>
+                        <p:cond delay="indefinite"/>
+                      </p:stCondLst>
+                      <p:childTnLst>
+                        <p:par>
+                          <p:cTn id="8" fill="hold">
+                            <p:stCondLst>
+                              <p:cond delay="0"/>
+                            </p:stCondLst>
+                            <p:childTnLst>
+                              <p:par>
+                                <p:cTn id="9" presetID="1" presetClass="entr" presetSubtype="0" fill="hold" nodeType="clickEffect">
+                                  <p:stCondLst>
+                                    <p:cond delay="0"/>
+                                  </p:stCondLst>
+                                  <p:childTnLst>
+                                    <p:set>
+                                      <p:cBhvr>
+                                        <p:cTn id="10" dur="1" fill="hold">
+                                          <p:stCondLst>
+                                            <p:cond delay="0"/>
+                                          </p:stCondLst>
+                                        </p:cTn>
+                                        <p:tgtEl>
+                                          <p:spTgt spid="8"/>
+                                        </p:tgtEl>
+                                        <p:attrNameLst>
+                                          <p:attrName>style.visibility</p:attrName>
+                                        </p:attrNameLst>
+                                      </p:cBhvr>
+                                      <p:to>
+                                        <p:strVal val="visible"/>
+                                      </p:to>
+                                    </p:set>
+                                  </p:childTnLst>
+                                </p:cTn>
+                              </p:par>
+                            </p:childTnLst>
+                          </p:cTn>
+                        </p:par>
+                      </p:childTnLst>
+                    </p:cTn>
+                  </p:par>
                 </p:childTnLst>
               </p:cTn>
               <p:prevCondLst>
@@ -5505,7 +4905,7 @@
 </p:sld>
 </file>
 
-<file path=ppt/slides/slide5.xml><?xml version="1.0" encoding="utf-8"?>
+<file path=ppt/slides/slide12.xml><?xml version="1.0" encoding="utf-8"?>
 <p:sld xmlns:a="http://schemas.openxmlformats.org/drawingml/2006/main" xmlns:r="http://schemas.openxmlformats.org/officeDocument/2006/relationships" xmlns:p="http://schemas.openxmlformats.org/presentationml/2006/main">
   <p:cSld>
     <p:spTree>
@@ -5609,7 +5009,7 @@
                 <a:latin typeface="Arial" panose="020B0604020202020204" pitchFamily="34" charset="0"/>
                 <a:cs typeface="Arial" panose="020B0604020202020204" pitchFamily="34" charset="0"/>
               </a:rPr>
-              <a:t>5</a:t>
+              <a:t>12</a:t>
             </a:fld>
             <a:endParaRPr lang="en-DE" dirty="0">
               <a:latin typeface="Arial" panose="020B0604020202020204" pitchFamily="34" charset="0"/>
@@ -5645,21 +5045,7 @@
                 <a:latin typeface="Arial" panose="020B0604020202020204" pitchFamily="34" charset="0"/>
                 <a:cs typeface="Arial" panose="020B0604020202020204" pitchFamily="34" charset="0"/>
               </a:rPr>
-              <a:t>Soch*, Richter* et al., </a:t>
-            </a:r>
-            <a:r>
-              <a:rPr lang="en-GB" sz="1200" dirty="0">
-                <a:latin typeface="Arial" panose="020B0604020202020204" pitchFamily="34" charset="0"/>
-                <a:cs typeface="Arial" panose="020B0604020202020204" pitchFamily="34" charset="0"/>
-              </a:rPr>
-              <a:t>in review, </a:t>
-            </a:r>
-            <a:r>
-              <a:rPr lang="en-GB" sz="1200" dirty="0">
-                <a:latin typeface="Arial" panose="020B0604020202020204" pitchFamily="34" charset="0"/>
-                <a:cs typeface="Arial" panose="020B0604020202020204" pitchFamily="34" charset="0"/>
-              </a:rPr>
-              <a:t>Fig. </a:t>
+              <a:t>Soch*, Richter* et al., in review, Fig. </a:t>
             </a:r>
             <a:r>
               <a:rPr lang="en-GB" sz="1200" dirty="0" smtClean="0">
@@ -5723,7 +5109,7 @@
 </p:sld>
 </file>
 
-<file path=ppt/slides/slide6.xml><?xml version="1.0" encoding="utf-8"?>
+<file path=ppt/slides/slide13.xml><?xml version="1.0" encoding="utf-8"?>
 <p:sld xmlns:a="http://schemas.openxmlformats.org/drawingml/2006/main" xmlns:r="http://schemas.openxmlformats.org/officeDocument/2006/relationships" xmlns:p="http://schemas.openxmlformats.org/presentationml/2006/main">
   <p:cSld>
     <p:spTree>
@@ -5856,7 +5242,7 @@
                 <a:latin typeface="Arial" panose="020B0604020202020204" pitchFamily="34" charset="0"/>
                 <a:cs typeface="Arial" panose="020B0604020202020204" pitchFamily="34" charset="0"/>
               </a:rPr>
-              <a:t>6</a:t>
+              <a:t>13</a:t>
             </a:fld>
             <a:endParaRPr lang="en-DE" dirty="0">
               <a:latin typeface="Arial" panose="020B0604020202020204" pitchFamily="34" charset="0"/>
@@ -5892,21 +5278,7 @@
                 <a:latin typeface="Arial" panose="020B0604020202020204" pitchFamily="34" charset="0"/>
                 <a:cs typeface="Arial" panose="020B0604020202020204" pitchFamily="34" charset="0"/>
               </a:rPr>
-              <a:t>Soch*, Richter* et al., </a:t>
-            </a:r>
-            <a:r>
-              <a:rPr lang="en-GB" sz="1200" dirty="0">
-                <a:latin typeface="Arial" panose="020B0604020202020204" pitchFamily="34" charset="0"/>
-                <a:cs typeface="Arial" panose="020B0604020202020204" pitchFamily="34" charset="0"/>
-              </a:rPr>
-              <a:t>in review, </a:t>
-            </a:r>
-            <a:r>
-              <a:rPr lang="en-GB" sz="1200" dirty="0">
-                <a:latin typeface="Arial" panose="020B0604020202020204" pitchFamily="34" charset="0"/>
-                <a:cs typeface="Arial" panose="020B0604020202020204" pitchFamily="34" charset="0"/>
-              </a:rPr>
-              <a:t>Fig. </a:t>
+              <a:t>Soch*, Richter* et al., in review, Fig. </a:t>
             </a:r>
             <a:r>
               <a:rPr lang="en-GB" sz="1200" dirty="0" smtClean="0">
@@ -5942,7 +5314,7 @@
 </p:sld>
 </file>
 
-<file path=ppt/slides/slide7.xml><?xml version="1.0" encoding="utf-8"?>
+<file path=ppt/slides/slide14.xml><?xml version="1.0" encoding="utf-8"?>
 <p:sld xmlns:a="http://schemas.openxmlformats.org/drawingml/2006/main" xmlns:r="http://schemas.openxmlformats.org/officeDocument/2006/relationships" xmlns:p="http://schemas.openxmlformats.org/presentationml/2006/main">
   <p:cSld>
     <p:spTree>
@@ -6031,7 +5403,7 @@
                 <a:latin typeface="Arial" panose="020B0604020202020204" pitchFamily="34" charset="0"/>
                 <a:cs typeface="Arial" panose="020B0604020202020204" pitchFamily="34" charset="0"/>
               </a:rPr>
-              <a:t>7</a:t>
+              <a:t>14</a:t>
             </a:fld>
             <a:endParaRPr lang="en-DE" dirty="0">
               <a:latin typeface="Arial" panose="020B0604020202020204" pitchFamily="34" charset="0"/>
@@ -6102,8 +5474,38 @@
                 <a:latin typeface="Arial" panose="020B0604020202020204" pitchFamily="34" charset="0"/>
                 <a:cs typeface="Arial" panose="020B0604020202020204" pitchFamily="34" charset="0"/>
               </a:rPr>
-              <a:t>Single-value fMRI scores outperform whole-brain fMRI contrasts in predicting (independent) memory performance.</a:t>
-            </a:r>
+              <a:t>Single-value fMRI scores outperform whole-brain fMRI contrasts in predicting (independent) memory performance</a:t>
+            </a:r>
+            <a:r>
+              <a:rPr lang="en-GB" dirty="0" smtClean="0">
+                <a:latin typeface="Arial" panose="020B0604020202020204" pitchFamily="34" charset="0"/>
+                <a:cs typeface="Arial" panose="020B0604020202020204" pitchFamily="34" charset="0"/>
+              </a:rPr>
+              <a:t>.</a:t>
+            </a:r>
+          </a:p>
+          <a:p>
+            <a:pPr marL="446088" indent="-446088">
+              <a:lnSpc>
+                <a:spcPct val="140000"/>
+              </a:lnSpc>
+              <a:spcBef>
+                <a:spcPts val="0"/>
+              </a:spcBef>
+              <a:buFont typeface="Arial" panose="020B0604020202020204" pitchFamily="34" charset="0"/>
+              <a:buChar char="●"/>
+            </a:pPr>
+            <a:r>
+              <a:rPr lang="en-GB" dirty="0" smtClean="0">
+                <a:latin typeface="Arial" panose="020B0604020202020204" pitchFamily="34" charset="0"/>
+                <a:cs typeface="Arial" panose="020B0604020202020204" pitchFamily="34" charset="0"/>
+              </a:rPr>
+              <a:t>Successful aging in memory is more likely due to efficient cognitive reserve than preserved brain maintenance.</a:t>
+            </a:r>
+            <a:endParaRPr lang="en-GB" dirty="0" smtClean="0">
+              <a:latin typeface="Arial" panose="020B0604020202020204" pitchFamily="34" charset="0"/>
+              <a:cs typeface="Arial" panose="020B0604020202020204" pitchFamily="34" charset="0"/>
+            </a:endParaRPr>
           </a:p>
         </p:txBody>
       </p:sp>
@@ -6223,6 +5625,55 @@
                       </p:childTnLst>
                     </p:cTn>
                   </p:par>
+                  <p:par>
+                    <p:cTn id="11" fill="hold">
+                      <p:stCondLst>
+                        <p:cond delay="indefinite"/>
+                      </p:stCondLst>
+                      <p:childTnLst>
+                        <p:par>
+                          <p:cTn id="12" fill="hold">
+                            <p:stCondLst>
+                              <p:cond delay="0"/>
+                            </p:stCondLst>
+                            <p:childTnLst>
+                              <p:par>
+                                <p:cTn id="13" presetID="1" presetClass="entr" presetSubtype="0" fill="hold" nodeType="clickEffect">
+                                  <p:stCondLst>
+                                    <p:cond delay="0"/>
+                                  </p:stCondLst>
+                                  <p:childTnLst>
+                                    <p:set>
+                                      <p:cBhvr>
+                                        <p:cTn id="14" dur="1" fill="hold">
+                                          <p:stCondLst>
+                                            <p:cond delay="0"/>
+                                          </p:stCondLst>
+                                        </p:cTn>
+                                        <p:tgtEl>
+                                          <p:spTgt spid="36">
+                                            <p:txEl>
+                                              <p:pRg st="2" end="2"/>
+                                            </p:txEl>
+                                          </p:spTgt>
+                                        </p:tgtEl>
+                                        <p:attrNameLst>
+                                          <p:attrName>style.visibility</p:attrName>
+                                        </p:attrNameLst>
+                                      </p:cBhvr>
+                                      <p:to>
+                                        <p:strVal val="visible"/>
+                                      </p:to>
+                                    </p:set>
+                                  </p:childTnLst>
+                                </p:cTn>
+                              </p:par>
+                            </p:childTnLst>
+                          </p:cTn>
+                        </p:par>
+                      </p:childTnLst>
+                    </p:cTn>
+                  </p:par>
                 </p:childTnLst>
               </p:cTn>
               <p:prevCondLst>
@@ -6248,7 +5699,7 @@
 </p:sld>
 </file>
 
-<file path=ppt/slides/slide8.xml><?xml version="1.0" encoding="utf-8"?>
+<file path=ppt/slides/slide15.xml><?xml version="1.0" encoding="utf-8"?>
 <p:sld xmlns:a="http://schemas.openxmlformats.org/drawingml/2006/main" xmlns:r="http://schemas.openxmlformats.org/officeDocument/2006/relationships" xmlns:p="http://schemas.openxmlformats.org/presentationml/2006/main">
   <p:cSld>
     <p:spTree>
@@ -6379,7 +5830,7 @@
                 <a:cs typeface="Arial" panose="020B0604020202020204" pitchFamily="34" charset="0"/>
               </a:rPr>
               <a:pPr/>
-              <a:t>8</a:t>
+              <a:t>15</a:t>
             </a:fld>
             <a:endParaRPr lang="de-DE" dirty="0">
               <a:latin typeface="Arial" panose="020B0604020202020204" pitchFamily="34" charset="0"/>
@@ -6487,6 +5938,4820 @@
 </p:sld>
 </file>
 
+<file path=ppt/slides/slide16.xml><?xml version="1.0" encoding="utf-8"?>
+<p:sld xmlns:a="http://schemas.openxmlformats.org/drawingml/2006/main" xmlns:r="http://schemas.openxmlformats.org/officeDocument/2006/relationships" xmlns:p="http://schemas.openxmlformats.org/presentationml/2006/main">
+  <p:cSld>
+    <p:spTree>
+      <p:nvGrpSpPr>
+        <p:cNvPr id="1" name=""/>
+        <p:cNvGrpSpPr/>
+        <p:nvPr/>
+      </p:nvGrpSpPr>
+      <p:grpSpPr>
+        <a:xfrm>
+          <a:off x="0" y="0"/>
+          <a:ext cx="0" cy="0"/>
+          <a:chOff x="0" y="0"/>
+          <a:chExt cx="0" cy="0"/>
+        </a:xfrm>
+      </p:grpSpPr>
+      <p:pic>
+        <p:nvPicPr>
+          <p:cNvPr id="5" name="Picture 4"/>
+          <p:cNvPicPr>
+            <a:picLocks noChangeAspect="1"/>
+          </p:cNvPicPr>
+          <p:nvPr/>
+        </p:nvPicPr>
+        <p:blipFill>
+          <a:blip r:embed="rId2"/>
+          <a:stretch>
+            <a:fillRect/>
+          </a:stretch>
+        </p:blipFill>
+        <p:spPr>
+          <a:xfrm>
+            <a:off x="-21240" y="156100"/>
+            <a:ext cx="12240000" cy="6296855"/>
+          </a:xfrm>
+          <a:prstGeom prst="rect">
+            <a:avLst/>
+          </a:prstGeom>
+        </p:spPr>
+      </p:pic>
+      <p:sp>
+        <p:nvSpPr>
+          <p:cNvPr id="2" name="Slide Number Placeholder 1"/>
+          <p:cNvSpPr>
+            <a:spLocks noGrp="1"/>
+          </p:cNvSpPr>
+          <p:nvPr>
+            <p:ph type="sldNum" sz="quarter" idx="12"/>
+          </p:nvPr>
+        </p:nvSpPr>
+        <p:spPr/>
+        <p:txBody>
+          <a:bodyPr/>
+          <a:lstStyle/>
+          <a:p>
+            <a:fld id="{01BB3CB5-E6C2-429F-B52F-5C30E86D8507}" type="slidenum">
+              <a:rPr lang="en-DE" smtClean="0"/>
+              <a:t>16</a:t>
+            </a:fld>
+            <a:endParaRPr lang="en-DE"/>
+          </a:p>
+        </p:txBody>
+      </p:sp>
+      <p:sp>
+        <p:nvSpPr>
+          <p:cNvPr id="4" name="TextBox 3"/>
+          <p:cNvSpPr txBox="1"/>
+          <p:nvPr/>
+        </p:nvSpPr>
+        <p:spPr>
+          <a:xfrm>
+            <a:off x="8974836" y="24387"/>
+            <a:ext cx="2880000" cy="523220"/>
+          </a:xfrm>
+          <a:prstGeom prst="rect">
+            <a:avLst/>
+          </a:prstGeom>
+          <a:noFill/>
+        </p:spPr>
+        <p:txBody>
+          <a:bodyPr wrap="square" rtlCol="0">
+            <a:spAutoFit/>
+          </a:bodyPr>
+          <a:lstStyle/>
+          <a:p>
+            <a:pPr algn="r"/>
+            <a:r>
+              <a:rPr lang="en-GB" sz="2800" dirty="0" smtClean="0">
+                <a:solidFill>
+                  <a:srgbClr val="FF0000"/>
+                </a:solidFill>
+                <a:latin typeface="Arial" panose="020B0604020202020204" pitchFamily="34" charset="0"/>
+                <a:cs typeface="Arial" panose="020B0604020202020204" pitchFamily="34" charset="0"/>
+              </a:rPr>
+              <a:t>Poster MT738</a:t>
+            </a:r>
+            <a:endParaRPr lang="en-GB" sz="2800" dirty="0">
+              <a:solidFill>
+                <a:srgbClr val="FF0000"/>
+              </a:solidFill>
+              <a:latin typeface="Arial" panose="020B0604020202020204" pitchFamily="34" charset="0"/>
+              <a:cs typeface="Arial" panose="020B0604020202020204" pitchFamily="34" charset="0"/>
+            </a:endParaRPr>
+          </a:p>
+        </p:txBody>
+      </p:sp>
+    </p:spTree>
+    <p:extLst>
+      <p:ext uri="{BB962C8B-B14F-4D97-AF65-F5344CB8AC3E}">
+        <p14:creationId xmlns:p14="http://schemas.microsoft.com/office/powerpoint/2010/main" val="3622541811"/>
+      </p:ext>
+    </p:extLst>
+  </p:cSld>
+  <p:clrMapOvr>
+    <a:masterClrMapping/>
+  </p:clrMapOvr>
+  <p:timing>
+    <p:tnLst>
+      <p:par>
+        <p:cTn id="1" dur="indefinite" restart="never" nodeType="tmRoot">
+          <p:childTnLst>
+            <p:seq concurrent="1" nextAc="seek">
+              <p:cTn id="2" dur="indefinite" nodeType="mainSeq">
+                <p:childTnLst>
+                  <p:par>
+                    <p:cTn id="3" fill="hold">
+                      <p:stCondLst>
+                        <p:cond delay="indefinite"/>
+                      </p:stCondLst>
+                      <p:childTnLst>
+                        <p:par>
+                          <p:cTn id="4" fill="hold">
+                            <p:stCondLst>
+                              <p:cond delay="0"/>
+                            </p:stCondLst>
+                            <p:childTnLst>
+                              <p:par>
+                                <p:cTn id="5" presetID="1" presetClass="entr" presetSubtype="0" fill="hold" grpId="0" nodeType="clickEffect">
+                                  <p:stCondLst>
+                                    <p:cond delay="0"/>
+                                  </p:stCondLst>
+                                  <p:childTnLst>
+                                    <p:set>
+                                      <p:cBhvr>
+                                        <p:cTn id="6" dur="1" fill="hold">
+                                          <p:stCondLst>
+                                            <p:cond delay="0"/>
+                                          </p:stCondLst>
+                                        </p:cTn>
+                                        <p:tgtEl>
+                                          <p:spTgt spid="4"/>
+                                        </p:tgtEl>
+                                        <p:attrNameLst>
+                                          <p:attrName>style.visibility</p:attrName>
+                                        </p:attrNameLst>
+                                      </p:cBhvr>
+                                      <p:to>
+                                        <p:strVal val="visible"/>
+                                      </p:to>
+                                    </p:set>
+                                  </p:childTnLst>
+                                </p:cTn>
+                              </p:par>
+                            </p:childTnLst>
+                          </p:cTn>
+                        </p:par>
+                      </p:childTnLst>
+                    </p:cTn>
+                  </p:par>
+                </p:childTnLst>
+              </p:cTn>
+              <p:prevCondLst>
+                <p:cond evt="onPrev" delay="0">
+                  <p:tgtEl>
+                    <p:sldTgt/>
+                  </p:tgtEl>
+                </p:cond>
+              </p:prevCondLst>
+              <p:nextCondLst>
+                <p:cond evt="onNext" delay="0">
+                  <p:tgtEl>
+                    <p:sldTgt/>
+                  </p:tgtEl>
+                </p:cond>
+              </p:nextCondLst>
+            </p:seq>
+          </p:childTnLst>
+        </p:cTn>
+      </p:par>
+    </p:tnLst>
+    <p:bldLst>
+      <p:bldP spid="4" grpId="0"/>
+    </p:bldLst>
+  </p:timing>
+</p:sld>
+</file>
+
+<file path=ppt/slides/slide17.xml><?xml version="1.0" encoding="utf-8"?>
+<p:sld xmlns:a="http://schemas.openxmlformats.org/drawingml/2006/main" xmlns:r="http://schemas.openxmlformats.org/officeDocument/2006/relationships" xmlns:p="http://schemas.openxmlformats.org/presentationml/2006/main">
+  <p:cSld>
+    <p:spTree>
+      <p:nvGrpSpPr>
+        <p:cNvPr id="1" name=""/>
+        <p:cNvGrpSpPr/>
+        <p:nvPr/>
+      </p:nvGrpSpPr>
+      <p:grpSpPr>
+        <a:xfrm>
+          <a:off x="0" y="0"/>
+          <a:ext cx="0" cy="0"/>
+          <a:chOff x="0" y="0"/>
+          <a:chExt cx="0" cy="0"/>
+        </a:xfrm>
+      </p:grpSpPr>
+      <p:sp>
+        <p:nvSpPr>
+          <p:cNvPr id="2" name="Title 1">
+            <a:extLst>
+              <a:ext uri="{FF2B5EF4-FFF2-40B4-BE49-F238E27FC236}">
+                <a16:creationId xmlns:a16="http://schemas.microsoft.com/office/drawing/2014/main" id="{ED585F68-7E9C-4C7D-98F4-A58CF1DAE152}"/>
+              </a:ext>
+            </a:extLst>
+          </p:cNvPr>
+          <p:cNvSpPr>
+            <a:spLocks noGrp="1"/>
+          </p:cNvSpPr>
+          <p:nvPr>
+            <p:ph type="title"/>
+          </p:nvPr>
+        </p:nvSpPr>
+        <p:spPr>
+          <a:xfrm>
+            <a:off x="838200" y="190518"/>
+            <a:ext cx="10515600" cy="1440000"/>
+          </a:xfrm>
+        </p:spPr>
+        <p:txBody>
+          <a:bodyPr/>
+          <a:lstStyle/>
+          <a:p>
+            <a:pPr algn="ctr"/>
+            <a:r>
+              <a:rPr lang="en-GB" dirty="0" smtClean="0">
+                <a:latin typeface="Arial" panose="020B0604020202020204" pitchFamily="34" charset="0"/>
+                <a:cs typeface="Arial" panose="020B0604020202020204" pitchFamily="34" charset="0"/>
+              </a:rPr>
+              <a:t>More</a:t>
+            </a:r>
+            <a:r>
+              <a:rPr lang="en-GB" dirty="0" smtClean="0">
+                <a:latin typeface="Arial" panose="020B0604020202020204" pitchFamily="34" charset="0"/>
+                <a:cs typeface="Arial" panose="020B0604020202020204" pitchFamily="34" charset="0"/>
+              </a:rPr>
+              <a:t> </a:t>
+            </a:r>
+            <a:r>
+              <a:rPr lang="en-GB" dirty="0" smtClean="0">
+                <a:latin typeface="Arial" panose="020B0604020202020204" pitchFamily="34" charset="0"/>
+                <a:cs typeface="Arial" panose="020B0604020202020204" pitchFamily="34" charset="0"/>
+              </a:rPr>
+              <a:t>Posters</a:t>
+            </a:r>
+            <a:endParaRPr lang="en-DE" dirty="0">
+              <a:latin typeface="Arial" panose="020B0604020202020204" pitchFamily="34" charset="0"/>
+              <a:cs typeface="Arial" panose="020B0604020202020204" pitchFamily="34" charset="0"/>
+            </a:endParaRPr>
+          </a:p>
+        </p:txBody>
+      </p:sp>
+      <p:sp>
+        <p:nvSpPr>
+          <p:cNvPr id="3" name="Slide Number Placeholder 2">
+            <a:extLst>
+              <a:ext uri="{FF2B5EF4-FFF2-40B4-BE49-F238E27FC236}">
+                <a16:creationId xmlns:a16="http://schemas.microsoft.com/office/drawing/2014/main" id="{46E057FF-AF20-4C11-838F-20365F70FC9F}"/>
+              </a:ext>
+            </a:extLst>
+          </p:cNvPr>
+          <p:cNvSpPr>
+            <a:spLocks noGrp="1"/>
+          </p:cNvSpPr>
+          <p:nvPr>
+            <p:ph type="sldNum" sz="quarter" idx="12"/>
+          </p:nvPr>
+        </p:nvSpPr>
+        <p:spPr>
+          <a:xfrm>
+            <a:off x="8610600" y="6315001"/>
+            <a:ext cx="2743200" cy="365125"/>
+          </a:xfrm>
+        </p:spPr>
+        <p:txBody>
+          <a:bodyPr/>
+          <a:lstStyle/>
+          <a:p>
+            <a:fld id="{01BB3CB5-E6C2-429F-B52F-5C30E86D8507}" type="slidenum">
+              <a:rPr lang="en-DE" smtClean="0">
+                <a:latin typeface="Arial" panose="020B0604020202020204" pitchFamily="34" charset="0"/>
+                <a:cs typeface="Arial" panose="020B0604020202020204" pitchFamily="34" charset="0"/>
+              </a:rPr>
+              <a:t>17</a:t>
+            </a:fld>
+            <a:endParaRPr lang="en-DE" dirty="0">
+              <a:latin typeface="Arial" panose="020B0604020202020204" pitchFamily="34" charset="0"/>
+              <a:cs typeface="Arial" panose="020B0604020202020204" pitchFamily="34" charset="0"/>
+            </a:endParaRPr>
+          </a:p>
+        </p:txBody>
+      </p:sp>
+      <p:sp>
+        <p:nvSpPr>
+          <p:cNvPr id="36" name="Content Placeholder 2">
+            <a:extLst>
+              <a:ext uri="{FF2B5EF4-FFF2-40B4-BE49-F238E27FC236}">
+                <a16:creationId xmlns:a16="http://schemas.microsoft.com/office/drawing/2014/main" id="{7C690D99-B707-4C23-8EB2-9A8D96619D73}"/>
+              </a:ext>
+            </a:extLst>
+          </p:cNvPr>
+          <p:cNvSpPr>
+            <a:spLocks noGrp="1"/>
+          </p:cNvSpPr>
+          <p:nvPr>
+            <p:ph idx="1"/>
+          </p:nvPr>
+        </p:nvSpPr>
+        <p:spPr>
+          <a:xfrm>
+            <a:off x="842795" y="1632635"/>
+            <a:ext cx="10515600" cy="4680000"/>
+          </a:xfrm>
+        </p:spPr>
+        <p:txBody>
+          <a:bodyPr>
+            <a:normAutofit/>
+          </a:bodyPr>
+          <a:lstStyle/>
+          <a:p>
+            <a:pPr marL="446088" indent="-446088">
+              <a:lnSpc>
+                <a:spcPct val="140000"/>
+              </a:lnSpc>
+              <a:spcBef>
+                <a:spcPts val="0"/>
+              </a:spcBef>
+              <a:buFont typeface="Arial" panose="020B0604020202020204" pitchFamily="34" charset="0"/>
+              <a:buChar char="●"/>
+            </a:pPr>
+            <a:r>
+              <a:rPr lang="en-GB" b="1" dirty="0" smtClean="0">
+                <a:latin typeface="Arial" panose="020B0604020202020204" pitchFamily="34" charset="0"/>
+                <a:cs typeface="Arial" panose="020B0604020202020204" pitchFamily="34" charset="0"/>
+              </a:rPr>
+              <a:t>MT736</a:t>
+            </a:r>
+            <a:r>
+              <a:rPr lang="en-GB" b="1" dirty="0">
+                <a:latin typeface="Arial" panose="020B0604020202020204" pitchFamily="34" charset="0"/>
+                <a:cs typeface="Arial" panose="020B0604020202020204" pitchFamily="34" charset="0"/>
+              </a:rPr>
+              <a:t>:</a:t>
+            </a:r>
+            <a:r>
+              <a:rPr lang="en-GB" dirty="0">
+                <a:latin typeface="Arial" panose="020B0604020202020204" pitchFamily="34" charset="0"/>
+                <a:cs typeface="Arial" panose="020B0604020202020204" pitchFamily="34" charset="0"/>
+              </a:rPr>
+              <a:t> Age-dependent involvement of </a:t>
+            </a:r>
+            <a:r>
+              <a:rPr lang="en-GB" dirty="0" smtClean="0">
+                <a:latin typeface="Arial" panose="020B0604020202020204" pitchFamily="34" charset="0"/>
+                <a:cs typeface="Arial" panose="020B0604020202020204" pitchFamily="34" charset="0"/>
+              </a:rPr>
+              <a:t>DMN structures </a:t>
+            </a:r>
+            <a:r>
+              <a:rPr lang="en-GB" dirty="0">
+                <a:latin typeface="Arial" panose="020B0604020202020204" pitchFamily="34" charset="0"/>
+                <a:cs typeface="Arial" panose="020B0604020202020204" pitchFamily="34" charset="0"/>
+              </a:rPr>
+              <a:t>in episodic long-term memory </a:t>
+            </a:r>
+            <a:r>
+              <a:rPr lang="en-GB" dirty="0" smtClean="0">
+                <a:latin typeface="Arial" panose="020B0604020202020204" pitchFamily="34" charset="0"/>
+                <a:cs typeface="Arial" panose="020B0604020202020204" pitchFamily="34" charset="0"/>
+              </a:rPr>
+              <a:t>formation (</a:t>
+            </a:r>
+            <a:r>
+              <a:rPr lang="en-GB" i="1" dirty="0" smtClean="0">
+                <a:latin typeface="Arial" panose="020B0604020202020204" pitchFamily="34" charset="0"/>
+                <a:cs typeface="Arial" panose="020B0604020202020204" pitchFamily="34" charset="0"/>
+              </a:rPr>
+              <a:t>Jasmin </a:t>
+            </a:r>
+            <a:r>
+              <a:rPr lang="en-GB" i="1" dirty="0" err="1" smtClean="0">
+                <a:latin typeface="Arial" panose="020B0604020202020204" pitchFamily="34" charset="0"/>
+                <a:cs typeface="Arial" panose="020B0604020202020204" pitchFamily="34" charset="0"/>
+              </a:rPr>
+              <a:t>Kizilirmak</a:t>
+            </a:r>
+            <a:r>
+              <a:rPr lang="en-GB" dirty="0" smtClean="0">
+                <a:latin typeface="Arial" panose="020B0604020202020204" pitchFamily="34" charset="0"/>
+                <a:cs typeface="Arial" panose="020B0604020202020204" pitchFamily="34" charset="0"/>
+              </a:rPr>
+              <a:t>)</a:t>
+            </a:r>
+          </a:p>
+          <a:p>
+            <a:pPr marL="446088" indent="-446088">
+              <a:lnSpc>
+                <a:spcPct val="140000"/>
+              </a:lnSpc>
+              <a:spcBef>
+                <a:spcPts val="0"/>
+              </a:spcBef>
+              <a:buFont typeface="Arial" panose="020B0604020202020204" pitchFamily="34" charset="0"/>
+              <a:buChar char="●"/>
+            </a:pPr>
+            <a:r>
+              <a:rPr lang="en-GB" b="1" dirty="0" smtClean="0">
+                <a:latin typeface="Arial" panose="020B0604020202020204" pitchFamily="34" charset="0"/>
+                <a:cs typeface="Arial" panose="020B0604020202020204" pitchFamily="34" charset="0"/>
+              </a:rPr>
+              <a:t>MT790</a:t>
+            </a:r>
+            <a:r>
+              <a:rPr lang="en-GB" b="1" dirty="0">
+                <a:latin typeface="Arial" panose="020B0604020202020204" pitchFamily="34" charset="0"/>
+                <a:cs typeface="Arial" panose="020B0604020202020204" pitchFamily="34" charset="0"/>
+              </a:rPr>
+              <a:t>:</a:t>
+            </a:r>
+            <a:r>
+              <a:rPr lang="en-GB" dirty="0">
+                <a:latin typeface="Arial" panose="020B0604020202020204" pitchFamily="34" charset="0"/>
+                <a:cs typeface="Arial" panose="020B0604020202020204" pitchFamily="34" charset="0"/>
+              </a:rPr>
+              <a:t> Construct validity of single-value scores reflecting memory-related fMRI </a:t>
+            </a:r>
+            <a:r>
+              <a:rPr lang="en-GB" dirty="0" smtClean="0">
+                <a:latin typeface="Arial" panose="020B0604020202020204" pitchFamily="34" charset="0"/>
+                <a:cs typeface="Arial" panose="020B0604020202020204" pitchFamily="34" charset="0"/>
+              </a:rPr>
+              <a:t>activity (</a:t>
+            </a:r>
+            <a:r>
+              <a:rPr lang="en-GB" i="1" dirty="0" err="1" smtClean="0">
+                <a:latin typeface="Arial" panose="020B0604020202020204" pitchFamily="34" charset="0"/>
+                <a:cs typeface="Arial" panose="020B0604020202020204" pitchFamily="34" charset="0"/>
+              </a:rPr>
+              <a:t>Anni</a:t>
+            </a:r>
+            <a:r>
+              <a:rPr lang="en-GB" i="1" dirty="0" smtClean="0">
+                <a:latin typeface="Arial" panose="020B0604020202020204" pitchFamily="34" charset="0"/>
+                <a:cs typeface="Arial" panose="020B0604020202020204" pitchFamily="34" charset="0"/>
+              </a:rPr>
+              <a:t> Richter</a:t>
+            </a:r>
+            <a:r>
+              <a:rPr lang="en-GB" dirty="0" smtClean="0">
+                <a:latin typeface="Arial" panose="020B0604020202020204" pitchFamily="34" charset="0"/>
+                <a:cs typeface="Arial" panose="020B0604020202020204" pitchFamily="34" charset="0"/>
+              </a:rPr>
+              <a:t>)</a:t>
+            </a:r>
+          </a:p>
+          <a:p>
+            <a:pPr marL="446088" indent="-446088">
+              <a:lnSpc>
+                <a:spcPct val="140000"/>
+              </a:lnSpc>
+              <a:spcBef>
+                <a:spcPts val="0"/>
+              </a:spcBef>
+              <a:buFont typeface="Arial" panose="020B0604020202020204" pitchFamily="34" charset="0"/>
+              <a:buChar char="●"/>
+            </a:pPr>
+            <a:r>
+              <a:rPr lang="en-GB" b="1" dirty="0" smtClean="0">
+                <a:latin typeface="Arial" panose="020B0604020202020204" pitchFamily="34" charset="0"/>
+                <a:cs typeface="Arial" panose="020B0604020202020204" pitchFamily="34" charset="0"/>
+              </a:rPr>
+              <a:t>WTh594:</a:t>
+            </a:r>
+            <a:r>
+              <a:rPr lang="en-GB" dirty="0" smtClean="0">
+                <a:latin typeface="Arial" panose="020B0604020202020204" pitchFamily="34" charset="0"/>
+                <a:cs typeface="Arial" panose="020B0604020202020204" pitchFamily="34" charset="0"/>
+              </a:rPr>
+              <a:t> </a:t>
+            </a:r>
+            <a:r>
+              <a:rPr lang="en-GB" dirty="0">
+                <a:latin typeface="Arial" panose="020B0604020202020204" pitchFamily="34" charset="0"/>
+                <a:cs typeface="Arial" panose="020B0604020202020204" pitchFamily="34" charset="0"/>
+              </a:rPr>
+              <a:t>Searchlight-based trial-wise fMRI decoding in the presence of trial-by-trial </a:t>
+            </a:r>
+            <a:r>
+              <a:rPr lang="en-GB" dirty="0" smtClean="0">
+                <a:latin typeface="Arial" panose="020B0604020202020204" pitchFamily="34" charset="0"/>
+                <a:cs typeface="Arial" panose="020B0604020202020204" pitchFamily="34" charset="0"/>
+              </a:rPr>
+              <a:t>correlations (</a:t>
+            </a:r>
+            <a:r>
+              <a:rPr lang="en-GB" i="1" dirty="0" smtClean="0">
+                <a:latin typeface="Arial" panose="020B0604020202020204" pitchFamily="34" charset="0"/>
+                <a:cs typeface="Arial" panose="020B0604020202020204" pitchFamily="34" charset="0"/>
+              </a:rPr>
+              <a:t>Joram Soch</a:t>
+            </a:r>
+            <a:r>
+              <a:rPr lang="en-GB" dirty="0" smtClean="0">
+                <a:latin typeface="Arial" panose="020B0604020202020204" pitchFamily="34" charset="0"/>
+                <a:cs typeface="Arial" panose="020B0604020202020204" pitchFamily="34" charset="0"/>
+              </a:rPr>
+              <a:t>)</a:t>
+            </a:r>
+            <a:endParaRPr lang="en-GB" dirty="0" smtClean="0">
+              <a:latin typeface="Arial" panose="020B0604020202020204" pitchFamily="34" charset="0"/>
+              <a:cs typeface="Arial" panose="020B0604020202020204" pitchFamily="34" charset="0"/>
+            </a:endParaRPr>
+          </a:p>
+        </p:txBody>
+      </p:sp>
+    </p:spTree>
+    <p:extLst>
+      <p:ext uri="{BB962C8B-B14F-4D97-AF65-F5344CB8AC3E}">
+        <p14:creationId xmlns:p14="http://schemas.microsoft.com/office/powerpoint/2010/main" val="184686469"/>
+      </p:ext>
+    </p:extLst>
+  </p:cSld>
+  <p:clrMapOvr>
+    <a:masterClrMapping/>
+  </p:clrMapOvr>
+  <p:timing>
+    <p:tnLst>
+      <p:par>
+        <p:cTn id="1" dur="indefinite" restart="never" nodeType="tmRoot"/>
+      </p:par>
+    </p:tnLst>
+  </p:timing>
+</p:sld>
+</file>
+
+<file path=ppt/slides/slide18.xml><?xml version="1.0" encoding="utf-8"?>
+<p:sld xmlns:a="http://schemas.openxmlformats.org/drawingml/2006/main" xmlns:r="http://schemas.openxmlformats.org/officeDocument/2006/relationships" xmlns:p="http://schemas.openxmlformats.org/presentationml/2006/main">
+  <p:cSld>
+    <p:spTree>
+      <p:nvGrpSpPr>
+        <p:cNvPr id="1" name=""/>
+        <p:cNvGrpSpPr/>
+        <p:nvPr/>
+      </p:nvGrpSpPr>
+      <p:grpSpPr>
+        <a:xfrm>
+          <a:off x="0" y="0"/>
+          <a:ext cx="0" cy="0"/>
+          <a:chOff x="0" y="0"/>
+          <a:chExt cx="0" cy="0"/>
+        </a:xfrm>
+      </p:grpSpPr>
+      <p:sp>
+        <p:nvSpPr>
+          <p:cNvPr id="3" name="Text Placeholder 2"/>
+          <p:cNvSpPr>
+            <a:spLocks noGrp="1"/>
+          </p:cNvSpPr>
+          <p:nvPr>
+            <p:ph type="body" idx="1"/>
+          </p:nvPr>
+        </p:nvSpPr>
+        <p:spPr>
+          <a:xfrm>
+            <a:off x="1784156" y="3440721"/>
+            <a:ext cx="3600000" cy="1260000"/>
+          </a:xfrm>
+        </p:spPr>
+        <p:txBody>
+          <a:bodyPr>
+            <a:normAutofit/>
+          </a:bodyPr>
+          <a:lstStyle/>
+          <a:p>
+            <a:pPr>
+              <a:lnSpc>
+                <a:spcPct val="100000"/>
+              </a:lnSpc>
+              <a:spcBef>
+                <a:spcPts val="0"/>
+              </a:spcBef>
+            </a:pPr>
+            <a:r>
+              <a:rPr lang="de-DE" sz="3600" b="1" dirty="0">
+                <a:solidFill>
+                  <a:schemeClr val="bg1">
+                    <a:lumMod val="75000"/>
+                  </a:schemeClr>
+                </a:solidFill>
+                <a:latin typeface="Arial" panose="020B0604020202020204" pitchFamily="34" charset="0"/>
+                <a:cs typeface="Arial" panose="020B0604020202020204" pitchFamily="34" charset="0"/>
+              </a:rPr>
+              <a:t>THANK YOU</a:t>
+            </a:r>
+            <a:r>
+              <a:rPr lang="de-DE" sz="3600" b="1" dirty="0" smtClean="0">
+                <a:solidFill>
+                  <a:schemeClr val="bg1">
+                    <a:lumMod val="75000"/>
+                  </a:schemeClr>
+                </a:solidFill>
+                <a:latin typeface="Arial" panose="020B0604020202020204" pitchFamily="34" charset="0"/>
+                <a:cs typeface="Arial" panose="020B0604020202020204" pitchFamily="34" charset="0"/>
+              </a:rPr>
+              <a:t>!</a:t>
+            </a:r>
+          </a:p>
+          <a:p>
+            <a:pPr>
+              <a:lnSpc>
+                <a:spcPct val="100000"/>
+              </a:lnSpc>
+              <a:spcBef>
+                <a:spcPts val="0"/>
+              </a:spcBef>
+            </a:pPr>
+            <a:r>
+              <a:rPr lang="de-DE" sz="3600" b="1" dirty="0" smtClean="0">
+                <a:solidFill>
+                  <a:schemeClr val="bg1">
+                    <a:lumMod val="75000"/>
+                  </a:schemeClr>
+                </a:solidFill>
+                <a:latin typeface="Arial" panose="020B0604020202020204" pitchFamily="34" charset="0"/>
+                <a:cs typeface="Arial" panose="020B0604020202020204" pitchFamily="34" charset="0"/>
+              </a:rPr>
+              <a:t>QUESTIONS?</a:t>
+            </a:r>
+            <a:endParaRPr lang="de-DE" sz="3600" b="1" dirty="0">
+              <a:solidFill>
+                <a:schemeClr val="bg1">
+                  <a:lumMod val="75000"/>
+                </a:schemeClr>
+              </a:solidFill>
+              <a:latin typeface="Arial" panose="020B0604020202020204" pitchFamily="34" charset="0"/>
+              <a:cs typeface="Arial" panose="020B0604020202020204" pitchFamily="34" charset="0"/>
+            </a:endParaRPr>
+          </a:p>
+        </p:txBody>
+      </p:sp>
+      <p:sp>
+        <p:nvSpPr>
+          <p:cNvPr id="5" name="Slide Number Placeholder 4"/>
+          <p:cNvSpPr>
+            <a:spLocks noGrp="1"/>
+          </p:cNvSpPr>
+          <p:nvPr>
+            <p:ph type="sldNum" sz="quarter" idx="12"/>
+          </p:nvPr>
+        </p:nvSpPr>
+        <p:spPr>
+          <a:xfrm>
+            <a:off x="8610600" y="6315001"/>
+            <a:ext cx="2743200" cy="365125"/>
+          </a:xfrm>
+        </p:spPr>
+        <p:txBody>
+          <a:bodyPr/>
+          <a:lstStyle/>
+          <a:p>
+            <a:fld id="{FEE20DD0-B907-475B-84C5-B8080E478A4F}" type="slidenum">
+              <a:rPr lang="de-DE" smtClean="0">
+                <a:latin typeface="Arial" panose="020B0604020202020204" pitchFamily="34" charset="0"/>
+                <a:cs typeface="Arial" panose="020B0604020202020204" pitchFamily="34" charset="0"/>
+              </a:rPr>
+              <a:pPr/>
+              <a:t>18</a:t>
+            </a:fld>
+            <a:endParaRPr lang="de-DE" dirty="0">
+              <a:latin typeface="Arial" panose="020B0604020202020204" pitchFamily="34" charset="0"/>
+              <a:cs typeface="Arial" panose="020B0604020202020204" pitchFamily="34" charset="0"/>
+            </a:endParaRPr>
+          </a:p>
+        </p:txBody>
+      </p:sp>
+      <p:pic>
+        <p:nvPicPr>
+          <p:cNvPr id="9218" name="Picture 2" descr="http://newtoneyecarecenter.com/wp-content/uploads/2013/08/Alternative-To-Brain-Implants-1.jpg"/>
+          <p:cNvPicPr>
+            <a:picLocks noChangeAspect="1" noChangeArrowheads="1"/>
+          </p:cNvPicPr>
+          <p:nvPr/>
+        </p:nvPicPr>
+        <p:blipFill>
+          <a:blip r:embed="rId2">
+            <a:extLst>
+              <a:ext uri="{28A0092B-C50C-407E-A947-70E740481C1C}">
+                <a14:useLocalDpi xmlns:a14="http://schemas.microsoft.com/office/drawing/2010/main" val="0"/>
+              </a:ext>
+            </a:extLst>
+          </a:blip>
+          <a:srcRect/>
+          <a:stretch>
+            <a:fillRect/>
+          </a:stretch>
+        </p:blipFill>
+        <p:spPr bwMode="auto">
+          <a:xfrm>
+            <a:off x="6812877" y="1277645"/>
+            <a:ext cx="3600000" cy="3452560"/>
+          </a:xfrm>
+          <a:prstGeom prst="rect">
+            <a:avLst/>
+          </a:prstGeom>
+          <a:noFill/>
+          <a:extLst>
+            <a:ext uri="{909E8E84-426E-40DD-AFC4-6F175D3DCCD1}">
+              <a14:hiddenFill xmlns:a14="http://schemas.microsoft.com/office/drawing/2010/main">
+                <a:solidFill>
+                  <a:srgbClr val="FFFFFF"/>
+                </a:solidFill>
+              </a14:hiddenFill>
+            </a:ext>
+          </a:extLst>
+        </p:spPr>
+      </p:pic>
+      <p:sp>
+        <p:nvSpPr>
+          <p:cNvPr id="6" name="TextBox 5">
+            <a:extLst>
+              <a:ext uri="{FF2B5EF4-FFF2-40B4-BE49-F238E27FC236}">
+                <a16:creationId xmlns:a16="http://schemas.microsoft.com/office/drawing/2014/main" id="{1F9037AC-8AB4-4AF6-87AF-9AEC8BFED628}"/>
+              </a:ext>
+            </a:extLst>
+          </p:cNvPr>
+          <p:cNvSpPr txBox="1"/>
+          <p:nvPr/>
+        </p:nvSpPr>
+        <p:spPr>
+          <a:xfrm>
+            <a:off x="1784155" y="5131112"/>
+            <a:ext cx="3600000" cy="461665"/>
+          </a:xfrm>
+          <a:prstGeom prst="rect">
+            <a:avLst/>
+          </a:prstGeom>
+          <a:noFill/>
+        </p:spPr>
+        <p:txBody>
+          <a:bodyPr wrap="square" rtlCol="0">
+            <a:spAutoFit/>
+          </a:bodyPr>
+          <a:lstStyle/>
+          <a:p>
+            <a:r>
+              <a:rPr lang="de-DE" sz="2400" dirty="0" smtClean="0">
+                <a:latin typeface="Arial" panose="020B0604020202020204" pitchFamily="34" charset="0"/>
+                <a:cs typeface="Arial" panose="020B0604020202020204" pitchFamily="34" charset="0"/>
+              </a:rPr>
+              <a:t>Joram.Soch@DZNE.de</a:t>
+            </a:r>
+          </a:p>
+        </p:txBody>
+      </p:sp>
+    </p:spTree>
+    <p:extLst>
+      <p:ext uri="{BB962C8B-B14F-4D97-AF65-F5344CB8AC3E}">
+        <p14:creationId xmlns:p14="http://schemas.microsoft.com/office/powerpoint/2010/main" val="4155802437"/>
+      </p:ext>
+    </p:extLst>
+  </p:cSld>
+  <p:clrMapOvr>
+    <a:masterClrMapping/>
+  </p:clrMapOvr>
+  <p:timing>
+    <p:tnLst>
+      <p:par>
+        <p:cTn id="1" dur="indefinite" restart="never" nodeType="tmRoot"/>
+      </p:par>
+    </p:tnLst>
+  </p:timing>
+</p:sld>
+</file>
+
+<file path=ppt/slides/slide19.xml><?xml version="1.0" encoding="utf-8"?>
+<p:sld xmlns:a="http://schemas.openxmlformats.org/drawingml/2006/main" xmlns:r="http://schemas.openxmlformats.org/officeDocument/2006/relationships" xmlns:p="http://schemas.openxmlformats.org/presentationml/2006/main">
+  <p:cSld>
+    <p:spTree>
+      <p:nvGrpSpPr>
+        <p:cNvPr id="1" name=""/>
+        <p:cNvGrpSpPr/>
+        <p:nvPr/>
+      </p:nvGrpSpPr>
+      <p:grpSpPr>
+        <a:xfrm>
+          <a:off x="0" y="0"/>
+          <a:ext cx="0" cy="0"/>
+          <a:chOff x="0" y="0"/>
+          <a:chExt cx="0" cy="0"/>
+        </a:xfrm>
+      </p:grpSpPr>
+      <p:sp>
+        <p:nvSpPr>
+          <p:cNvPr id="2" name="Title 1">
+            <a:extLst>
+              <a:ext uri="{FF2B5EF4-FFF2-40B4-BE49-F238E27FC236}">
+                <a16:creationId xmlns:a16="http://schemas.microsoft.com/office/drawing/2014/main" id="{0FEE5D6A-2EF8-4E83-9F52-586176BBAF61}"/>
+              </a:ext>
+            </a:extLst>
+          </p:cNvPr>
+          <p:cNvSpPr>
+            <a:spLocks noGrp="1"/>
+          </p:cNvSpPr>
+          <p:nvPr>
+            <p:ph type="title"/>
+          </p:nvPr>
+        </p:nvSpPr>
+        <p:spPr/>
+        <p:txBody>
+          <a:bodyPr/>
+          <a:lstStyle/>
+          <a:p>
+            <a:r>
+              <a:rPr lang="en-GB" dirty="0" smtClean="0">
+                <a:latin typeface="Arial" panose="020B0604020202020204" pitchFamily="34" charset="0"/>
+                <a:cs typeface="Arial" panose="020B0604020202020204" pitchFamily="34" charset="0"/>
+              </a:rPr>
+              <a:t>Appendix</a:t>
+            </a:r>
+            <a:endParaRPr lang="en-DE" dirty="0">
+              <a:latin typeface="Arial" panose="020B0604020202020204" pitchFamily="34" charset="0"/>
+              <a:cs typeface="Arial" panose="020B0604020202020204" pitchFamily="34" charset="0"/>
+            </a:endParaRPr>
+          </a:p>
+        </p:txBody>
+      </p:sp>
+      <p:sp>
+        <p:nvSpPr>
+          <p:cNvPr id="3" name="Text Placeholder 2">
+            <a:extLst>
+              <a:ext uri="{FF2B5EF4-FFF2-40B4-BE49-F238E27FC236}">
+                <a16:creationId xmlns:a16="http://schemas.microsoft.com/office/drawing/2014/main" id="{C8F3E7FB-1741-4DCC-B193-DD268B540D49}"/>
+              </a:ext>
+            </a:extLst>
+          </p:cNvPr>
+          <p:cNvSpPr>
+            <a:spLocks noGrp="1"/>
+          </p:cNvSpPr>
+          <p:nvPr>
+            <p:ph type="body" idx="1"/>
+          </p:nvPr>
+        </p:nvSpPr>
+        <p:spPr/>
+        <p:txBody>
+          <a:bodyPr/>
+          <a:lstStyle/>
+          <a:p>
+            <a:endParaRPr lang="en-DE" dirty="0">
+              <a:latin typeface="Arial" panose="020B0604020202020204" pitchFamily="34" charset="0"/>
+              <a:cs typeface="Arial" panose="020B0604020202020204" pitchFamily="34" charset="0"/>
+            </a:endParaRPr>
+          </a:p>
+        </p:txBody>
+      </p:sp>
+      <p:sp>
+        <p:nvSpPr>
+          <p:cNvPr id="4" name="Slide Number Placeholder 3">
+            <a:extLst>
+              <a:ext uri="{FF2B5EF4-FFF2-40B4-BE49-F238E27FC236}">
+                <a16:creationId xmlns:a16="http://schemas.microsoft.com/office/drawing/2014/main" id="{EEB514EA-80FB-4A49-995F-6DD9CCA9F9F7}"/>
+              </a:ext>
+            </a:extLst>
+          </p:cNvPr>
+          <p:cNvSpPr>
+            <a:spLocks noGrp="1"/>
+          </p:cNvSpPr>
+          <p:nvPr>
+            <p:ph type="sldNum" sz="quarter" idx="12"/>
+          </p:nvPr>
+        </p:nvSpPr>
+        <p:spPr>
+          <a:xfrm>
+            <a:off x="8610600" y="6319596"/>
+            <a:ext cx="2743200" cy="365125"/>
+          </a:xfrm>
+        </p:spPr>
+        <p:txBody>
+          <a:bodyPr/>
+          <a:lstStyle/>
+          <a:p>
+            <a:fld id="{01BB3CB5-E6C2-429F-B52F-5C30E86D8507}" type="slidenum">
+              <a:rPr lang="en-DE" smtClean="0">
+                <a:latin typeface="Arial" panose="020B0604020202020204" pitchFamily="34" charset="0"/>
+                <a:cs typeface="Arial" panose="020B0604020202020204" pitchFamily="34" charset="0"/>
+              </a:rPr>
+              <a:t>19</a:t>
+            </a:fld>
+            <a:endParaRPr lang="en-DE" dirty="0">
+              <a:latin typeface="Arial" panose="020B0604020202020204" pitchFamily="34" charset="0"/>
+              <a:cs typeface="Arial" panose="020B0604020202020204" pitchFamily="34" charset="0"/>
+            </a:endParaRPr>
+          </a:p>
+        </p:txBody>
+      </p:sp>
+    </p:spTree>
+    <p:extLst>
+      <p:ext uri="{BB962C8B-B14F-4D97-AF65-F5344CB8AC3E}">
+        <p14:creationId xmlns:p14="http://schemas.microsoft.com/office/powerpoint/2010/main" val="1255054536"/>
+      </p:ext>
+    </p:extLst>
+  </p:cSld>
+  <p:clrMapOvr>
+    <a:masterClrMapping/>
+  </p:clrMapOvr>
+  <p:timing>
+    <p:tnLst>
+      <p:par>
+        <p:cTn id="1" dur="indefinite" restart="never" nodeType="tmRoot"/>
+      </p:par>
+    </p:tnLst>
+  </p:timing>
+</p:sld>
+</file>
+
+<file path=ppt/slides/slide2.xml><?xml version="1.0" encoding="utf-8"?>
+<p:sld xmlns:a="http://schemas.openxmlformats.org/drawingml/2006/main" xmlns:r="http://schemas.openxmlformats.org/officeDocument/2006/relationships" xmlns:p="http://schemas.openxmlformats.org/presentationml/2006/main">
+  <p:cSld>
+    <p:spTree>
+      <p:nvGrpSpPr>
+        <p:cNvPr id="1" name=""/>
+        <p:cNvGrpSpPr/>
+        <p:nvPr/>
+      </p:nvGrpSpPr>
+      <p:grpSpPr>
+        <a:xfrm>
+          <a:off x="0" y="0"/>
+          <a:ext cx="0" cy="0"/>
+          <a:chOff x="0" y="0"/>
+          <a:chExt cx="0" cy="0"/>
+        </a:xfrm>
+      </p:grpSpPr>
+      <p:sp>
+        <p:nvSpPr>
+          <p:cNvPr id="2" name="Title 1">
+            <a:extLst>
+              <a:ext uri="{FF2B5EF4-FFF2-40B4-BE49-F238E27FC236}">
+                <a16:creationId xmlns:a16="http://schemas.microsoft.com/office/drawing/2014/main" id="{ED585F68-7E9C-4C7D-98F4-A58CF1DAE152}"/>
+              </a:ext>
+            </a:extLst>
+          </p:cNvPr>
+          <p:cNvSpPr>
+            <a:spLocks noGrp="1"/>
+          </p:cNvSpPr>
+          <p:nvPr>
+            <p:ph type="title"/>
+          </p:nvPr>
+        </p:nvSpPr>
+        <p:spPr>
+          <a:xfrm>
+            <a:off x="0" y="190518"/>
+            <a:ext cx="12192000" cy="1440000"/>
+          </a:xfrm>
+        </p:spPr>
+        <p:txBody>
+          <a:bodyPr>
+            <a:normAutofit/>
+          </a:bodyPr>
+          <a:lstStyle/>
+          <a:p>
+            <a:pPr algn="ctr"/>
+            <a:r>
+              <a:rPr lang="en-GB" sz="3200" dirty="0" smtClean="0">
+                <a:latin typeface="Arial" panose="020B0604020202020204" pitchFamily="34" charset="0"/>
+                <a:cs typeface="Arial" panose="020B0604020202020204" pitchFamily="34" charset="0"/>
+              </a:rPr>
+              <a:t>Although cognitive performance declines with increasing age,</a:t>
+            </a:r>
+            <a:br>
+              <a:rPr lang="en-GB" sz="3200" dirty="0" smtClean="0">
+                <a:latin typeface="Arial" panose="020B0604020202020204" pitchFamily="34" charset="0"/>
+                <a:cs typeface="Arial" panose="020B0604020202020204" pitchFamily="34" charset="0"/>
+              </a:rPr>
+            </a:br>
+            <a:r>
+              <a:rPr lang="en-GB" sz="3200" dirty="0" smtClean="0">
+                <a:latin typeface="Arial" panose="020B0604020202020204" pitchFamily="34" charset="0"/>
+                <a:cs typeface="Arial" panose="020B0604020202020204" pitchFamily="34" charset="0"/>
+              </a:rPr>
+              <a:t>some older adults show memory comparable to young subjects.</a:t>
+            </a:r>
+            <a:endParaRPr lang="en-GB" sz="3200" dirty="0">
+              <a:latin typeface="Arial" panose="020B0604020202020204" pitchFamily="34" charset="0"/>
+              <a:cs typeface="Arial" panose="020B0604020202020204" pitchFamily="34" charset="0"/>
+            </a:endParaRPr>
+          </a:p>
+        </p:txBody>
+      </p:sp>
+      <p:sp>
+        <p:nvSpPr>
+          <p:cNvPr id="3" name="Slide Number Placeholder 2">
+            <a:extLst>
+              <a:ext uri="{FF2B5EF4-FFF2-40B4-BE49-F238E27FC236}">
+                <a16:creationId xmlns:a16="http://schemas.microsoft.com/office/drawing/2014/main" id="{46E057FF-AF20-4C11-838F-20365F70FC9F}"/>
+              </a:ext>
+            </a:extLst>
+          </p:cNvPr>
+          <p:cNvSpPr>
+            <a:spLocks noGrp="1"/>
+          </p:cNvSpPr>
+          <p:nvPr>
+            <p:ph type="sldNum" sz="quarter" idx="12"/>
+          </p:nvPr>
+        </p:nvSpPr>
+        <p:spPr>
+          <a:xfrm>
+            <a:off x="8610600" y="6319596"/>
+            <a:ext cx="2743200" cy="365125"/>
+          </a:xfrm>
+        </p:spPr>
+        <p:txBody>
+          <a:bodyPr/>
+          <a:lstStyle/>
+          <a:p>
+            <a:fld id="{01BB3CB5-E6C2-429F-B52F-5C30E86D8507}" type="slidenum">
+              <a:rPr lang="en-DE" smtClean="0">
+                <a:latin typeface="Arial" panose="020B0604020202020204" pitchFamily="34" charset="0"/>
+                <a:cs typeface="Arial" panose="020B0604020202020204" pitchFamily="34" charset="0"/>
+              </a:rPr>
+              <a:t>2</a:t>
+            </a:fld>
+            <a:endParaRPr lang="en-DE" dirty="0">
+              <a:latin typeface="Arial" panose="020B0604020202020204" pitchFamily="34" charset="0"/>
+              <a:cs typeface="Arial" panose="020B0604020202020204" pitchFamily="34" charset="0"/>
+            </a:endParaRPr>
+          </a:p>
+        </p:txBody>
+      </p:sp>
+      <p:pic>
+        <p:nvPicPr>
+          <p:cNvPr id="5" name="Content Placeholder 4"/>
+          <p:cNvPicPr>
+            <a:picLocks noGrp="1" noChangeAspect="1"/>
+          </p:cNvPicPr>
+          <p:nvPr>
+            <p:ph idx="1"/>
+          </p:nvPr>
+        </p:nvPicPr>
+        <p:blipFill>
+          <a:blip r:embed="rId2"/>
+          <a:stretch>
+            <a:fillRect/>
+          </a:stretch>
+        </p:blipFill>
+        <p:spPr>
+          <a:xfrm>
+            <a:off x="1304106" y="1269629"/>
+            <a:ext cx="9600000" cy="5400000"/>
+          </a:xfrm>
+          <a:prstGeom prst="rect">
+            <a:avLst/>
+          </a:prstGeom>
+        </p:spPr>
+      </p:pic>
+      <p:sp>
+        <p:nvSpPr>
+          <p:cNvPr id="6" name="TextBox 5"/>
+          <p:cNvSpPr txBox="1"/>
+          <p:nvPr/>
+        </p:nvSpPr>
+        <p:spPr>
+          <a:xfrm>
+            <a:off x="344106" y="6312350"/>
+            <a:ext cx="11520000" cy="461665"/>
+          </a:xfrm>
+          <a:prstGeom prst="rect">
+            <a:avLst/>
+          </a:prstGeom>
+          <a:noFill/>
+        </p:spPr>
+        <p:txBody>
+          <a:bodyPr wrap="square" rtlCol="0">
+            <a:spAutoFit/>
+          </a:bodyPr>
+          <a:lstStyle/>
+          <a:p>
+            <a:r>
+              <a:rPr lang="fr-FR" sz="1200" dirty="0" err="1" smtClean="0">
+                <a:latin typeface="Arial" panose="020B0604020202020204" pitchFamily="34" charset="0"/>
+                <a:cs typeface="Arial" panose="020B0604020202020204" pitchFamily="34" charset="0"/>
+              </a:rPr>
+              <a:t>Cabeza</a:t>
+            </a:r>
+            <a:r>
+              <a:rPr lang="fr-FR" sz="1200" dirty="0" smtClean="0">
+                <a:latin typeface="Arial" panose="020B0604020202020204" pitchFamily="34" charset="0"/>
+                <a:cs typeface="Arial" panose="020B0604020202020204" pitchFamily="34" charset="0"/>
+              </a:rPr>
+              <a:t> </a:t>
+            </a:r>
+            <a:r>
+              <a:rPr lang="fr-FR" sz="1200" dirty="0">
+                <a:latin typeface="Arial" panose="020B0604020202020204" pitchFamily="34" charset="0"/>
+                <a:cs typeface="Arial" panose="020B0604020202020204" pitchFamily="34" charset="0"/>
+              </a:rPr>
+              <a:t>et al., </a:t>
+            </a:r>
+            <a:r>
+              <a:rPr lang="fr-FR" sz="1200" dirty="0" err="1">
+                <a:latin typeface="Arial" panose="020B0604020202020204" pitchFamily="34" charset="0"/>
+                <a:cs typeface="Arial" panose="020B0604020202020204" pitchFamily="34" charset="0"/>
+              </a:rPr>
+              <a:t>NatRevNeurosci</a:t>
+            </a:r>
+            <a:r>
+              <a:rPr lang="fr-FR" sz="1200" dirty="0">
+                <a:latin typeface="Arial" panose="020B0604020202020204" pitchFamily="34" charset="0"/>
+                <a:cs typeface="Arial" panose="020B0604020202020204" pitchFamily="34" charset="0"/>
+              </a:rPr>
+              <a:t>, </a:t>
+            </a:r>
+            <a:r>
+              <a:rPr lang="fr-FR" sz="1200" dirty="0" smtClean="0">
+                <a:latin typeface="Arial" panose="020B0604020202020204" pitchFamily="34" charset="0"/>
+                <a:cs typeface="Arial" panose="020B0604020202020204" pitchFamily="34" charset="0"/>
+              </a:rPr>
+              <a:t>2018;</a:t>
+            </a:r>
+          </a:p>
+          <a:p>
+            <a:r>
+              <a:rPr lang="fr-FR" sz="1200" dirty="0" err="1" smtClean="0">
+                <a:latin typeface="Arial" panose="020B0604020202020204" pitchFamily="34" charset="0"/>
+                <a:cs typeface="Arial" panose="020B0604020202020204" pitchFamily="34" charset="0"/>
+              </a:rPr>
+              <a:t>Nyberg</a:t>
+            </a:r>
+            <a:r>
+              <a:rPr lang="fr-FR" sz="1200" dirty="0" smtClean="0">
+                <a:latin typeface="Arial" panose="020B0604020202020204" pitchFamily="34" charset="0"/>
+                <a:cs typeface="Arial" panose="020B0604020202020204" pitchFamily="34" charset="0"/>
+              </a:rPr>
+              <a:t> </a:t>
+            </a:r>
+            <a:r>
+              <a:rPr lang="fr-FR" sz="1200" dirty="0">
+                <a:latin typeface="Arial" panose="020B0604020202020204" pitchFamily="34" charset="0"/>
+                <a:cs typeface="Arial" panose="020B0604020202020204" pitchFamily="34" charset="0"/>
+              </a:rPr>
+              <a:t>&amp; </a:t>
+            </a:r>
+            <a:r>
+              <a:rPr lang="fr-FR" sz="1200" dirty="0" err="1">
+                <a:latin typeface="Arial" panose="020B0604020202020204" pitchFamily="34" charset="0"/>
+                <a:cs typeface="Arial" panose="020B0604020202020204" pitchFamily="34" charset="0"/>
+              </a:rPr>
+              <a:t>Pudas</a:t>
+            </a:r>
+            <a:r>
+              <a:rPr lang="fr-FR" sz="1200" dirty="0">
+                <a:latin typeface="Arial" panose="020B0604020202020204" pitchFamily="34" charset="0"/>
+                <a:cs typeface="Arial" panose="020B0604020202020204" pitchFamily="34" charset="0"/>
+              </a:rPr>
+              <a:t>, </a:t>
+            </a:r>
+            <a:r>
+              <a:rPr lang="fr-FR" sz="1200" dirty="0" err="1">
+                <a:latin typeface="Arial" panose="020B0604020202020204" pitchFamily="34" charset="0"/>
+                <a:cs typeface="Arial" panose="020B0604020202020204" pitchFamily="34" charset="0"/>
+              </a:rPr>
+              <a:t>AnnRevPsych</a:t>
+            </a:r>
+            <a:r>
+              <a:rPr lang="fr-FR" sz="1200" dirty="0">
+                <a:latin typeface="Arial" panose="020B0604020202020204" pitchFamily="34" charset="0"/>
+                <a:cs typeface="Arial" panose="020B0604020202020204" pitchFamily="34" charset="0"/>
+              </a:rPr>
+              <a:t>, </a:t>
+            </a:r>
+            <a:r>
+              <a:rPr lang="fr-FR" sz="1200" dirty="0" smtClean="0">
+                <a:latin typeface="Arial" panose="020B0604020202020204" pitchFamily="34" charset="0"/>
+                <a:cs typeface="Arial" panose="020B0604020202020204" pitchFamily="34" charset="0"/>
+              </a:rPr>
+              <a:t>2019.</a:t>
+            </a:r>
+            <a:endParaRPr lang="en-GB" sz="1200" dirty="0">
+              <a:latin typeface="Arial" panose="020B0604020202020204" pitchFamily="34" charset="0"/>
+              <a:cs typeface="Arial" panose="020B0604020202020204" pitchFamily="34" charset="0"/>
+            </a:endParaRPr>
+          </a:p>
+        </p:txBody>
+      </p:sp>
+      <p:sp>
+        <p:nvSpPr>
+          <p:cNvPr id="7" name="Oval 6"/>
+          <p:cNvSpPr/>
+          <p:nvPr/>
+        </p:nvSpPr>
+        <p:spPr>
+          <a:xfrm>
+            <a:off x="6449865" y="2805647"/>
+            <a:ext cx="2792266" cy="1235555"/>
+          </a:xfrm>
+          <a:prstGeom prst="ellipse">
+            <a:avLst/>
+          </a:prstGeom>
+          <a:noFill/>
+          <a:ln w="38100" cap="sq">
+            <a:solidFill>
+              <a:srgbClr val="00B050"/>
+            </a:solidFill>
+          </a:ln>
+        </p:spPr>
+        <p:style>
+          <a:lnRef idx="2">
+            <a:schemeClr val="accent1">
+              <a:shade val="50000"/>
+            </a:schemeClr>
+          </a:lnRef>
+          <a:fillRef idx="1">
+            <a:schemeClr val="accent1"/>
+          </a:fillRef>
+          <a:effectRef idx="0">
+            <a:schemeClr val="accent1"/>
+          </a:effectRef>
+          <a:fontRef idx="minor">
+            <a:schemeClr val="lt1"/>
+          </a:fontRef>
+        </p:style>
+        <p:txBody>
+          <a:bodyPr rtlCol="0" anchor="ctr"/>
+          <a:lstStyle/>
+          <a:p>
+            <a:pPr algn="ctr"/>
+            <a:endParaRPr lang="en-GB"/>
+          </a:p>
+        </p:txBody>
+      </p:sp>
+      <p:sp>
+        <p:nvSpPr>
+          <p:cNvPr id="8" name="TextBox 7"/>
+          <p:cNvSpPr txBox="1"/>
+          <p:nvPr/>
+        </p:nvSpPr>
+        <p:spPr>
+          <a:xfrm>
+            <a:off x="7549731" y="2367256"/>
+            <a:ext cx="2160000" cy="338554"/>
+          </a:xfrm>
+          <a:prstGeom prst="rect">
+            <a:avLst/>
+          </a:prstGeom>
+          <a:noFill/>
+        </p:spPr>
+        <p:txBody>
+          <a:bodyPr wrap="square" rtlCol="0">
+            <a:spAutoFit/>
+          </a:bodyPr>
+          <a:lstStyle/>
+          <a:p>
+            <a:pPr algn="ctr"/>
+            <a:r>
+              <a:rPr lang="en-GB" sz="1600" dirty="0" smtClean="0">
+                <a:solidFill>
+                  <a:srgbClr val="00B050"/>
+                </a:solidFill>
+                <a:latin typeface="Arial" panose="020B0604020202020204" pitchFamily="34" charset="0"/>
+                <a:cs typeface="Arial" panose="020B0604020202020204" pitchFamily="34" charset="0"/>
+              </a:rPr>
+              <a:t>“successful agers”</a:t>
+            </a:r>
+            <a:endParaRPr lang="en-GB" sz="1600" dirty="0">
+              <a:solidFill>
+                <a:srgbClr val="00B050"/>
+              </a:solidFill>
+              <a:latin typeface="Arial" panose="020B0604020202020204" pitchFamily="34" charset="0"/>
+              <a:cs typeface="Arial" panose="020B0604020202020204" pitchFamily="34" charset="0"/>
+            </a:endParaRPr>
+          </a:p>
+        </p:txBody>
+      </p:sp>
+    </p:spTree>
+    <p:extLst>
+      <p:ext uri="{BB962C8B-B14F-4D97-AF65-F5344CB8AC3E}">
+        <p14:creationId xmlns:p14="http://schemas.microsoft.com/office/powerpoint/2010/main" val="1876320779"/>
+      </p:ext>
+    </p:extLst>
+  </p:cSld>
+  <p:clrMapOvr>
+    <a:masterClrMapping/>
+  </p:clrMapOvr>
+  <p:timing>
+    <p:tnLst>
+      <p:par>
+        <p:cTn id="1" dur="indefinite" restart="never" nodeType="tmRoot">
+          <p:childTnLst>
+            <p:seq concurrent="1" nextAc="seek">
+              <p:cTn id="2" dur="indefinite" nodeType="mainSeq">
+                <p:childTnLst>
+                  <p:par>
+                    <p:cTn id="3" fill="hold">
+                      <p:stCondLst>
+                        <p:cond delay="indefinite"/>
+                      </p:stCondLst>
+                      <p:childTnLst>
+                        <p:par>
+                          <p:cTn id="4" fill="hold">
+                            <p:stCondLst>
+                              <p:cond delay="0"/>
+                            </p:stCondLst>
+                            <p:childTnLst>
+                              <p:par>
+                                <p:cTn id="5" presetID="1" presetClass="entr" presetSubtype="0" fill="hold" grpId="0" nodeType="clickEffect">
+                                  <p:stCondLst>
+                                    <p:cond delay="0"/>
+                                  </p:stCondLst>
+                                  <p:childTnLst>
+                                    <p:set>
+                                      <p:cBhvr>
+                                        <p:cTn id="6" dur="1" fill="hold">
+                                          <p:stCondLst>
+                                            <p:cond delay="0"/>
+                                          </p:stCondLst>
+                                        </p:cTn>
+                                        <p:tgtEl>
+                                          <p:spTgt spid="7"/>
+                                        </p:tgtEl>
+                                        <p:attrNameLst>
+                                          <p:attrName>style.visibility</p:attrName>
+                                        </p:attrNameLst>
+                                      </p:cBhvr>
+                                      <p:to>
+                                        <p:strVal val="visible"/>
+                                      </p:to>
+                                    </p:set>
+                                  </p:childTnLst>
+                                </p:cTn>
+                              </p:par>
+                              <p:par>
+                                <p:cTn id="7" presetID="1" presetClass="entr" presetSubtype="0" fill="hold" grpId="0" nodeType="withEffect">
+                                  <p:stCondLst>
+                                    <p:cond delay="0"/>
+                                  </p:stCondLst>
+                                  <p:childTnLst>
+                                    <p:set>
+                                      <p:cBhvr>
+                                        <p:cTn id="8" dur="1" fill="hold">
+                                          <p:stCondLst>
+                                            <p:cond delay="0"/>
+                                          </p:stCondLst>
+                                        </p:cTn>
+                                        <p:tgtEl>
+                                          <p:spTgt spid="8"/>
+                                        </p:tgtEl>
+                                        <p:attrNameLst>
+                                          <p:attrName>style.visibility</p:attrName>
+                                        </p:attrNameLst>
+                                      </p:cBhvr>
+                                      <p:to>
+                                        <p:strVal val="visible"/>
+                                      </p:to>
+                                    </p:set>
+                                  </p:childTnLst>
+                                </p:cTn>
+                              </p:par>
+                            </p:childTnLst>
+                          </p:cTn>
+                        </p:par>
+                      </p:childTnLst>
+                    </p:cTn>
+                  </p:par>
+                </p:childTnLst>
+              </p:cTn>
+              <p:prevCondLst>
+                <p:cond evt="onPrev" delay="0">
+                  <p:tgtEl>
+                    <p:sldTgt/>
+                  </p:tgtEl>
+                </p:cond>
+              </p:prevCondLst>
+              <p:nextCondLst>
+                <p:cond evt="onNext" delay="0">
+                  <p:tgtEl>
+                    <p:sldTgt/>
+                  </p:tgtEl>
+                </p:cond>
+              </p:nextCondLst>
+            </p:seq>
+          </p:childTnLst>
+        </p:cTn>
+      </p:par>
+    </p:tnLst>
+    <p:bldLst>
+      <p:bldP spid="7" grpId="0" animBg="1"/>
+      <p:bldP spid="8" grpId="0"/>
+    </p:bldLst>
+  </p:timing>
+</p:sld>
+</file>
+
+<file path=ppt/slides/slide20.xml><?xml version="1.0" encoding="utf-8"?>
+<p:sld xmlns:a="http://schemas.openxmlformats.org/drawingml/2006/main" xmlns:r="http://schemas.openxmlformats.org/officeDocument/2006/relationships" xmlns:p="http://schemas.openxmlformats.org/presentationml/2006/main">
+  <p:cSld>
+    <p:spTree>
+      <p:nvGrpSpPr>
+        <p:cNvPr id="1" name=""/>
+        <p:cNvGrpSpPr/>
+        <p:nvPr/>
+      </p:nvGrpSpPr>
+      <p:grpSpPr>
+        <a:xfrm>
+          <a:off x="0" y="0"/>
+          <a:ext cx="0" cy="0"/>
+          <a:chOff x="0" y="0"/>
+          <a:chExt cx="0" cy="0"/>
+        </a:xfrm>
+      </p:grpSpPr>
+      <p:pic>
+        <p:nvPicPr>
+          <p:cNvPr id="6" name="Content Placeholder 5"/>
+          <p:cNvPicPr>
+            <a:picLocks noGrp="1" noChangeAspect="1"/>
+          </p:cNvPicPr>
+          <p:nvPr>
+            <p:ph idx="1"/>
+          </p:nvPr>
+        </p:nvPicPr>
+        <p:blipFill>
+          <a:blip r:embed="rId2">
+            <a:extLst>
+              <a:ext uri="{28A0092B-C50C-407E-A947-70E740481C1C}">
+                <a14:useLocalDpi xmlns:a14="http://schemas.microsoft.com/office/drawing/2010/main" val="0"/>
+              </a:ext>
+            </a:extLst>
+          </a:blip>
+          <a:stretch>
+            <a:fillRect/>
+          </a:stretch>
+        </p:blipFill>
+        <p:spPr>
+          <a:xfrm>
+            <a:off x="2496000" y="1421287"/>
+            <a:ext cx="7200000" cy="5400000"/>
+          </a:xfrm>
+        </p:spPr>
+      </p:pic>
+      <p:sp>
+        <p:nvSpPr>
+          <p:cNvPr id="2" name="Title 1">
+            <a:extLst>
+              <a:ext uri="{FF2B5EF4-FFF2-40B4-BE49-F238E27FC236}">
+                <a16:creationId xmlns:a16="http://schemas.microsoft.com/office/drawing/2014/main" id="{ED585F68-7E9C-4C7D-98F4-A58CF1DAE152}"/>
+              </a:ext>
+            </a:extLst>
+          </p:cNvPr>
+          <p:cNvSpPr>
+            <a:spLocks noGrp="1"/>
+          </p:cNvSpPr>
+          <p:nvPr>
+            <p:ph type="title"/>
+          </p:nvPr>
+        </p:nvSpPr>
+        <p:spPr>
+          <a:xfrm>
+            <a:off x="0" y="190518"/>
+            <a:ext cx="12192000" cy="1440000"/>
+          </a:xfrm>
+        </p:spPr>
+        <p:txBody>
+          <a:bodyPr>
+            <a:normAutofit/>
+          </a:bodyPr>
+          <a:lstStyle/>
+          <a:p>
+            <a:pPr algn="ctr"/>
+            <a:r>
+              <a:rPr lang="en-GB" sz="3200" dirty="0">
+                <a:latin typeface="Arial" panose="020B0604020202020204" pitchFamily="34" charset="0"/>
+                <a:cs typeface="Arial" panose="020B0604020202020204" pitchFamily="34" charset="0"/>
+              </a:rPr>
+              <a:t>Single-value fMRI scores outperform whole-brain </a:t>
+            </a:r>
+            <a:r>
+              <a:rPr lang="en-GB" sz="3200" dirty="0" smtClean="0">
+                <a:latin typeface="Arial" panose="020B0604020202020204" pitchFamily="34" charset="0"/>
+                <a:cs typeface="Arial" panose="020B0604020202020204" pitchFamily="34" charset="0"/>
+              </a:rPr>
+              <a:t>fMRI</a:t>
+            </a:r>
+            <a:br>
+              <a:rPr lang="en-GB" sz="3200" dirty="0" smtClean="0">
+                <a:latin typeface="Arial" panose="020B0604020202020204" pitchFamily="34" charset="0"/>
+                <a:cs typeface="Arial" panose="020B0604020202020204" pitchFamily="34" charset="0"/>
+              </a:rPr>
+            </a:br>
+            <a:r>
+              <a:rPr lang="en-GB" sz="3200" dirty="0" smtClean="0">
+                <a:latin typeface="Arial" panose="020B0604020202020204" pitchFamily="34" charset="0"/>
+                <a:cs typeface="Arial" panose="020B0604020202020204" pitchFamily="34" charset="0"/>
+              </a:rPr>
+              <a:t>contrasts </a:t>
+            </a:r>
+            <a:r>
+              <a:rPr lang="en-GB" sz="3200" dirty="0">
+                <a:latin typeface="Arial" panose="020B0604020202020204" pitchFamily="34" charset="0"/>
+                <a:cs typeface="Arial" panose="020B0604020202020204" pitchFamily="34" charset="0"/>
+              </a:rPr>
+              <a:t>in predicting independent memory performance.</a:t>
+            </a:r>
+          </a:p>
+        </p:txBody>
+      </p:sp>
+      <p:sp>
+        <p:nvSpPr>
+          <p:cNvPr id="3" name="Slide Number Placeholder 2">
+            <a:extLst>
+              <a:ext uri="{FF2B5EF4-FFF2-40B4-BE49-F238E27FC236}">
+                <a16:creationId xmlns:a16="http://schemas.microsoft.com/office/drawing/2014/main" id="{46E057FF-AF20-4C11-838F-20365F70FC9F}"/>
+              </a:ext>
+            </a:extLst>
+          </p:cNvPr>
+          <p:cNvSpPr>
+            <a:spLocks noGrp="1"/>
+          </p:cNvSpPr>
+          <p:nvPr>
+            <p:ph type="sldNum" sz="quarter" idx="12"/>
+          </p:nvPr>
+        </p:nvSpPr>
+        <p:spPr>
+          <a:xfrm>
+            <a:off x="8610600" y="6319596"/>
+            <a:ext cx="2743200" cy="365125"/>
+          </a:xfrm>
+        </p:spPr>
+        <p:txBody>
+          <a:bodyPr/>
+          <a:lstStyle/>
+          <a:p>
+            <a:fld id="{01BB3CB5-E6C2-429F-B52F-5C30E86D8507}" type="slidenum">
+              <a:rPr lang="en-DE" smtClean="0">
+                <a:latin typeface="Arial" panose="020B0604020202020204" pitchFamily="34" charset="0"/>
+                <a:cs typeface="Arial" panose="020B0604020202020204" pitchFamily="34" charset="0"/>
+              </a:rPr>
+              <a:t>20</a:t>
+            </a:fld>
+            <a:endParaRPr lang="en-DE" dirty="0">
+              <a:latin typeface="Arial" panose="020B0604020202020204" pitchFamily="34" charset="0"/>
+              <a:cs typeface="Arial" panose="020B0604020202020204" pitchFamily="34" charset="0"/>
+            </a:endParaRPr>
+          </a:p>
+        </p:txBody>
+      </p:sp>
+      <p:sp>
+        <p:nvSpPr>
+          <p:cNvPr id="9" name="TextBox 8"/>
+          <p:cNvSpPr txBox="1"/>
+          <p:nvPr/>
+        </p:nvSpPr>
+        <p:spPr>
+          <a:xfrm>
+            <a:off x="344106" y="6312350"/>
+            <a:ext cx="11520000" cy="276999"/>
+          </a:xfrm>
+          <a:prstGeom prst="rect">
+            <a:avLst/>
+          </a:prstGeom>
+          <a:noFill/>
+        </p:spPr>
+        <p:txBody>
+          <a:bodyPr wrap="square" rtlCol="0">
+            <a:spAutoFit/>
+          </a:bodyPr>
+          <a:lstStyle/>
+          <a:p>
+            <a:r>
+              <a:rPr lang="en-GB" sz="1200" dirty="0">
+                <a:latin typeface="Arial" panose="020B0604020202020204" pitchFamily="34" charset="0"/>
+                <a:cs typeface="Arial" panose="020B0604020202020204" pitchFamily="34" charset="0"/>
+              </a:rPr>
+              <a:t>Soch*, Richter* et al., in review, Fig. </a:t>
+            </a:r>
+            <a:r>
+              <a:rPr lang="en-GB" sz="1200" dirty="0" smtClean="0">
+                <a:latin typeface="Arial" panose="020B0604020202020204" pitchFamily="34" charset="0"/>
+                <a:cs typeface="Arial" panose="020B0604020202020204" pitchFamily="34" charset="0"/>
+              </a:rPr>
+              <a:t>4.</a:t>
+            </a:r>
+            <a:endParaRPr lang="en-GB" sz="1200" dirty="0">
+              <a:latin typeface="Arial" panose="020B0604020202020204" pitchFamily="34" charset="0"/>
+              <a:cs typeface="Arial" panose="020B0604020202020204" pitchFamily="34" charset="0"/>
+            </a:endParaRPr>
+          </a:p>
+        </p:txBody>
+      </p:sp>
+    </p:spTree>
+    <p:extLst>
+      <p:ext uri="{BB962C8B-B14F-4D97-AF65-F5344CB8AC3E}">
+        <p14:creationId xmlns:p14="http://schemas.microsoft.com/office/powerpoint/2010/main" val="631776744"/>
+      </p:ext>
+    </p:extLst>
+  </p:cSld>
+  <p:clrMapOvr>
+    <a:masterClrMapping/>
+  </p:clrMapOvr>
+  <p:timing>
+    <p:tnLst>
+      <p:par>
+        <p:cTn id="1" dur="indefinite" restart="never" nodeType="tmRoot"/>
+      </p:par>
+    </p:tnLst>
+  </p:timing>
+</p:sld>
+</file>
+
+<file path=ppt/slides/slide21.xml><?xml version="1.0" encoding="utf-8"?>
+<p:sld xmlns:a="http://schemas.openxmlformats.org/drawingml/2006/main" xmlns:r="http://schemas.openxmlformats.org/officeDocument/2006/relationships" xmlns:p="http://schemas.openxmlformats.org/presentationml/2006/main">
+  <p:cSld>
+    <p:spTree>
+      <p:nvGrpSpPr>
+        <p:cNvPr id="1" name=""/>
+        <p:cNvGrpSpPr/>
+        <p:nvPr/>
+      </p:nvGrpSpPr>
+      <p:grpSpPr>
+        <a:xfrm>
+          <a:off x="0" y="0"/>
+          <a:ext cx="0" cy="0"/>
+          <a:chOff x="0" y="0"/>
+          <a:chExt cx="0" cy="0"/>
+        </a:xfrm>
+      </p:grpSpPr>
+      <p:pic>
+        <p:nvPicPr>
+          <p:cNvPr id="6" name="Content Placeholder 5"/>
+          <p:cNvPicPr>
+            <a:picLocks noGrp="1" noChangeAspect="1"/>
+          </p:cNvPicPr>
+          <p:nvPr>
+            <p:ph idx="1"/>
+          </p:nvPr>
+        </p:nvPicPr>
+        <p:blipFill>
+          <a:blip r:embed="rId2">
+            <a:extLst>
+              <a:ext uri="{28A0092B-C50C-407E-A947-70E740481C1C}">
+                <a14:useLocalDpi xmlns:a14="http://schemas.microsoft.com/office/drawing/2010/main" val="0"/>
+              </a:ext>
+            </a:extLst>
+          </a:blip>
+          <a:stretch>
+            <a:fillRect/>
+          </a:stretch>
+        </p:blipFill>
+        <p:spPr>
+          <a:xfrm>
+            <a:off x="2503749" y="1414071"/>
+            <a:ext cx="7200000" cy="5400000"/>
+          </a:xfrm>
+        </p:spPr>
+      </p:pic>
+      <p:sp>
+        <p:nvSpPr>
+          <p:cNvPr id="2" name="Title 1">
+            <a:extLst>
+              <a:ext uri="{FF2B5EF4-FFF2-40B4-BE49-F238E27FC236}">
+                <a16:creationId xmlns:a16="http://schemas.microsoft.com/office/drawing/2014/main" id="{ED585F68-7E9C-4C7D-98F4-A58CF1DAE152}"/>
+              </a:ext>
+            </a:extLst>
+          </p:cNvPr>
+          <p:cNvSpPr>
+            <a:spLocks noGrp="1"/>
+          </p:cNvSpPr>
+          <p:nvPr>
+            <p:ph type="title"/>
+          </p:nvPr>
+        </p:nvSpPr>
+        <p:spPr>
+          <a:xfrm>
+            <a:off x="845949" y="190518"/>
+            <a:ext cx="10515600" cy="1440000"/>
+          </a:xfrm>
+        </p:spPr>
+        <p:txBody>
+          <a:bodyPr>
+            <a:normAutofit/>
+          </a:bodyPr>
+          <a:lstStyle/>
+          <a:p>
+            <a:pPr algn="ctr"/>
+            <a:r>
+              <a:rPr lang="en-GB" sz="3200" dirty="0">
+                <a:latin typeface="Arial" panose="020B0604020202020204" pitchFamily="34" charset="0"/>
+                <a:cs typeface="Arial" panose="020B0604020202020204" pitchFamily="34" charset="0"/>
+              </a:rPr>
+              <a:t>The predictive utility of fMRI scores </a:t>
+            </a:r>
+            <a:r>
+              <a:rPr lang="en-GB" sz="3200" dirty="0" smtClean="0">
+                <a:latin typeface="Arial" panose="020B0604020202020204" pitchFamily="34" charset="0"/>
+                <a:cs typeface="Arial" panose="020B0604020202020204" pitchFamily="34" charset="0"/>
+              </a:rPr>
+              <a:t>for</a:t>
+            </a:r>
+            <a:br>
+              <a:rPr lang="en-GB" sz="3200" dirty="0" smtClean="0">
+                <a:latin typeface="Arial" panose="020B0604020202020204" pitchFamily="34" charset="0"/>
+                <a:cs typeface="Arial" panose="020B0604020202020204" pitchFamily="34" charset="0"/>
+              </a:rPr>
+            </a:br>
+            <a:r>
+              <a:rPr lang="en-GB" sz="3200" dirty="0" smtClean="0">
+                <a:latin typeface="Arial" panose="020B0604020202020204" pitchFamily="34" charset="0"/>
+                <a:cs typeface="Arial" panose="020B0604020202020204" pitchFamily="34" charset="0"/>
+              </a:rPr>
+              <a:t>memory </a:t>
+            </a:r>
+            <a:r>
+              <a:rPr lang="en-GB" sz="3200" dirty="0">
+                <a:latin typeface="Arial" panose="020B0604020202020204" pitchFamily="34" charset="0"/>
+                <a:cs typeface="Arial" panose="020B0604020202020204" pitchFamily="34" charset="0"/>
+              </a:rPr>
+              <a:t>performance is </a:t>
+            </a:r>
+            <a:r>
+              <a:rPr lang="en-GB" sz="3200" dirty="0" smtClean="0">
+                <a:latin typeface="Arial" panose="020B0604020202020204" pitchFamily="34" charset="0"/>
+                <a:cs typeface="Arial" panose="020B0604020202020204" pitchFamily="34" charset="0"/>
+              </a:rPr>
+              <a:t>still moderate.</a:t>
+            </a:r>
+            <a:endParaRPr lang="en-GB" sz="3200" dirty="0">
+              <a:latin typeface="Arial" panose="020B0604020202020204" pitchFamily="34" charset="0"/>
+              <a:cs typeface="Arial" panose="020B0604020202020204" pitchFamily="34" charset="0"/>
+            </a:endParaRPr>
+          </a:p>
+        </p:txBody>
+      </p:sp>
+      <p:sp>
+        <p:nvSpPr>
+          <p:cNvPr id="3" name="Slide Number Placeholder 2">
+            <a:extLst>
+              <a:ext uri="{FF2B5EF4-FFF2-40B4-BE49-F238E27FC236}">
+                <a16:creationId xmlns:a16="http://schemas.microsoft.com/office/drawing/2014/main" id="{46E057FF-AF20-4C11-838F-20365F70FC9F}"/>
+              </a:ext>
+            </a:extLst>
+          </p:cNvPr>
+          <p:cNvSpPr>
+            <a:spLocks noGrp="1"/>
+          </p:cNvSpPr>
+          <p:nvPr>
+            <p:ph type="sldNum" sz="quarter" idx="12"/>
+          </p:nvPr>
+        </p:nvSpPr>
+        <p:spPr>
+          <a:xfrm>
+            <a:off x="8610600" y="6319596"/>
+            <a:ext cx="2743200" cy="365125"/>
+          </a:xfrm>
+        </p:spPr>
+        <p:txBody>
+          <a:bodyPr/>
+          <a:lstStyle/>
+          <a:p>
+            <a:fld id="{01BB3CB5-E6C2-429F-B52F-5C30E86D8507}" type="slidenum">
+              <a:rPr lang="en-DE" smtClean="0">
+                <a:latin typeface="Arial" panose="020B0604020202020204" pitchFamily="34" charset="0"/>
+                <a:cs typeface="Arial" panose="020B0604020202020204" pitchFamily="34" charset="0"/>
+              </a:rPr>
+              <a:t>21</a:t>
+            </a:fld>
+            <a:endParaRPr lang="en-DE" dirty="0">
+              <a:latin typeface="Arial" panose="020B0604020202020204" pitchFamily="34" charset="0"/>
+              <a:cs typeface="Arial" panose="020B0604020202020204" pitchFamily="34" charset="0"/>
+            </a:endParaRPr>
+          </a:p>
+        </p:txBody>
+      </p:sp>
+      <p:sp>
+        <p:nvSpPr>
+          <p:cNvPr id="9" name="TextBox 8"/>
+          <p:cNvSpPr txBox="1"/>
+          <p:nvPr/>
+        </p:nvSpPr>
+        <p:spPr>
+          <a:xfrm>
+            <a:off x="344106" y="6312350"/>
+            <a:ext cx="11520000" cy="276999"/>
+          </a:xfrm>
+          <a:prstGeom prst="rect">
+            <a:avLst/>
+          </a:prstGeom>
+          <a:noFill/>
+        </p:spPr>
+        <p:txBody>
+          <a:bodyPr wrap="square" rtlCol="0">
+            <a:spAutoFit/>
+          </a:bodyPr>
+          <a:lstStyle/>
+          <a:p>
+            <a:r>
+              <a:rPr lang="en-GB" sz="1200" dirty="0">
+                <a:latin typeface="Arial" panose="020B0604020202020204" pitchFamily="34" charset="0"/>
+                <a:cs typeface="Arial" panose="020B0604020202020204" pitchFamily="34" charset="0"/>
+              </a:rPr>
+              <a:t>Soch*, Richter* et al., in review, Fig. </a:t>
+            </a:r>
+            <a:r>
+              <a:rPr lang="en-GB" sz="1200" dirty="0" smtClean="0">
+                <a:latin typeface="Arial" panose="020B0604020202020204" pitchFamily="34" charset="0"/>
+                <a:cs typeface="Arial" panose="020B0604020202020204" pitchFamily="34" charset="0"/>
+              </a:rPr>
+              <a:t>6.</a:t>
+            </a:r>
+            <a:endParaRPr lang="en-GB" sz="1200" dirty="0">
+              <a:latin typeface="Arial" panose="020B0604020202020204" pitchFamily="34" charset="0"/>
+              <a:cs typeface="Arial" panose="020B0604020202020204" pitchFamily="34" charset="0"/>
+            </a:endParaRPr>
+          </a:p>
+        </p:txBody>
+      </p:sp>
+    </p:spTree>
+    <p:extLst>
+      <p:ext uri="{BB962C8B-B14F-4D97-AF65-F5344CB8AC3E}">
+        <p14:creationId xmlns:p14="http://schemas.microsoft.com/office/powerpoint/2010/main" val="1730661370"/>
+      </p:ext>
+    </p:extLst>
+  </p:cSld>
+  <p:clrMapOvr>
+    <a:masterClrMapping/>
+  </p:clrMapOvr>
+  <p:timing>
+    <p:tnLst>
+      <p:par>
+        <p:cTn id="1" dur="indefinite" restart="never" nodeType="tmRoot"/>
+      </p:par>
+    </p:tnLst>
+  </p:timing>
+</p:sld>
+</file>
+
+<file path=ppt/slides/slide3.xml><?xml version="1.0" encoding="utf-8"?>
+<p:sld xmlns:a="http://schemas.openxmlformats.org/drawingml/2006/main" xmlns:r="http://schemas.openxmlformats.org/officeDocument/2006/relationships" xmlns:p="http://schemas.openxmlformats.org/presentationml/2006/main">
+  <p:cSld>
+    <p:spTree>
+      <p:nvGrpSpPr>
+        <p:cNvPr id="1" name=""/>
+        <p:cNvGrpSpPr/>
+        <p:nvPr/>
+      </p:nvGrpSpPr>
+      <p:grpSpPr>
+        <a:xfrm>
+          <a:off x="0" y="0"/>
+          <a:ext cx="0" cy="0"/>
+          <a:chOff x="0" y="0"/>
+          <a:chExt cx="0" cy="0"/>
+        </a:xfrm>
+      </p:grpSpPr>
+      <p:pic>
+        <p:nvPicPr>
+          <p:cNvPr id="15" name="Content Placeholder 14"/>
+          <p:cNvPicPr>
+            <a:picLocks noGrp="1" noChangeAspect="1"/>
+          </p:cNvPicPr>
+          <p:nvPr>
+            <p:ph idx="1"/>
+          </p:nvPr>
+        </p:nvPicPr>
+        <p:blipFill>
+          <a:blip r:embed="rId2"/>
+          <a:stretch>
+            <a:fillRect/>
+          </a:stretch>
+        </p:blipFill>
+        <p:spPr>
+          <a:xfrm>
+            <a:off x="1286265" y="1284721"/>
+            <a:ext cx="9600000" cy="5400000"/>
+          </a:xfrm>
+          <a:prstGeom prst="rect">
+            <a:avLst/>
+          </a:prstGeom>
+        </p:spPr>
+      </p:pic>
+      <p:sp>
+        <p:nvSpPr>
+          <p:cNvPr id="2" name="Title 1">
+            <a:extLst>
+              <a:ext uri="{FF2B5EF4-FFF2-40B4-BE49-F238E27FC236}">
+                <a16:creationId xmlns:a16="http://schemas.microsoft.com/office/drawing/2014/main" id="{ED585F68-7E9C-4C7D-98F4-A58CF1DAE152}"/>
+              </a:ext>
+            </a:extLst>
+          </p:cNvPr>
+          <p:cNvSpPr>
+            <a:spLocks noGrp="1"/>
+          </p:cNvSpPr>
+          <p:nvPr>
+            <p:ph type="title"/>
+          </p:nvPr>
+        </p:nvSpPr>
+        <p:spPr>
+          <a:xfrm>
+            <a:off x="0" y="190518"/>
+            <a:ext cx="12192000" cy="1440000"/>
+          </a:xfrm>
+        </p:spPr>
+        <p:txBody>
+          <a:bodyPr>
+            <a:normAutofit/>
+          </a:bodyPr>
+          <a:lstStyle/>
+          <a:p>
+            <a:pPr algn="ctr"/>
+            <a:r>
+              <a:rPr lang="en-GB" sz="3200" dirty="0">
+                <a:latin typeface="Arial" panose="020B0604020202020204" pitchFamily="34" charset="0"/>
+                <a:cs typeface="Arial" panose="020B0604020202020204" pitchFamily="34" charset="0"/>
+              </a:rPr>
+              <a:t>It is an open question whether this is due to</a:t>
+            </a:r>
+            <a:br>
+              <a:rPr lang="en-GB" sz="3200" dirty="0">
+                <a:latin typeface="Arial" panose="020B0604020202020204" pitchFamily="34" charset="0"/>
+                <a:cs typeface="Arial" panose="020B0604020202020204" pitchFamily="34" charset="0"/>
+              </a:rPr>
+            </a:br>
+            <a:r>
+              <a:rPr lang="en-GB" sz="3200" dirty="0">
+                <a:latin typeface="Arial" panose="020B0604020202020204" pitchFamily="34" charset="0"/>
+                <a:cs typeface="Arial" panose="020B0604020202020204" pitchFamily="34" charset="0"/>
+              </a:rPr>
+              <a:t>preserved structure or functional compensation.</a:t>
+            </a:r>
+          </a:p>
+        </p:txBody>
+      </p:sp>
+      <p:sp>
+        <p:nvSpPr>
+          <p:cNvPr id="3" name="Slide Number Placeholder 2">
+            <a:extLst>
+              <a:ext uri="{FF2B5EF4-FFF2-40B4-BE49-F238E27FC236}">
+                <a16:creationId xmlns:a16="http://schemas.microsoft.com/office/drawing/2014/main" id="{46E057FF-AF20-4C11-838F-20365F70FC9F}"/>
+              </a:ext>
+            </a:extLst>
+          </p:cNvPr>
+          <p:cNvSpPr>
+            <a:spLocks noGrp="1"/>
+          </p:cNvSpPr>
+          <p:nvPr>
+            <p:ph type="sldNum" sz="quarter" idx="12"/>
+          </p:nvPr>
+        </p:nvSpPr>
+        <p:spPr>
+          <a:xfrm>
+            <a:off x="8610600" y="6319596"/>
+            <a:ext cx="2743200" cy="365125"/>
+          </a:xfrm>
+        </p:spPr>
+        <p:txBody>
+          <a:bodyPr/>
+          <a:lstStyle/>
+          <a:p>
+            <a:fld id="{01BB3CB5-E6C2-429F-B52F-5C30E86D8507}" type="slidenum">
+              <a:rPr lang="en-DE" smtClean="0">
+                <a:latin typeface="Arial" panose="020B0604020202020204" pitchFamily="34" charset="0"/>
+                <a:cs typeface="Arial" panose="020B0604020202020204" pitchFamily="34" charset="0"/>
+              </a:rPr>
+              <a:t>3</a:t>
+            </a:fld>
+            <a:endParaRPr lang="en-DE" dirty="0">
+              <a:latin typeface="Arial" panose="020B0604020202020204" pitchFamily="34" charset="0"/>
+              <a:cs typeface="Arial" panose="020B0604020202020204" pitchFamily="34" charset="0"/>
+            </a:endParaRPr>
+          </a:p>
+        </p:txBody>
+      </p:sp>
+      <p:sp>
+        <p:nvSpPr>
+          <p:cNvPr id="6" name="TextBox 5"/>
+          <p:cNvSpPr txBox="1"/>
+          <p:nvPr/>
+        </p:nvSpPr>
+        <p:spPr>
+          <a:xfrm>
+            <a:off x="344106" y="6312350"/>
+            <a:ext cx="11520000" cy="276999"/>
+          </a:xfrm>
+          <a:prstGeom prst="rect">
+            <a:avLst/>
+          </a:prstGeom>
+          <a:noFill/>
+        </p:spPr>
+        <p:txBody>
+          <a:bodyPr wrap="square" rtlCol="0">
+            <a:spAutoFit/>
+          </a:bodyPr>
+          <a:lstStyle/>
+          <a:p>
+            <a:r>
+              <a:rPr lang="fr-FR" sz="1200" dirty="0" err="1">
+                <a:latin typeface="Arial" panose="020B0604020202020204" pitchFamily="34" charset="0"/>
+                <a:cs typeface="Arial" panose="020B0604020202020204" pitchFamily="34" charset="0"/>
+              </a:rPr>
+              <a:t>Cabeza</a:t>
+            </a:r>
+            <a:r>
+              <a:rPr lang="fr-FR" sz="1200" dirty="0">
+                <a:latin typeface="Arial" panose="020B0604020202020204" pitchFamily="34" charset="0"/>
+                <a:cs typeface="Arial" panose="020B0604020202020204" pitchFamily="34" charset="0"/>
+              </a:rPr>
+              <a:t> et al., OUP, 2004; </a:t>
+            </a:r>
+            <a:r>
+              <a:rPr lang="fr-FR" sz="1200" dirty="0" err="1">
+                <a:latin typeface="Arial" panose="020B0604020202020204" pitchFamily="34" charset="0"/>
+                <a:cs typeface="Arial" panose="020B0604020202020204" pitchFamily="34" charset="0"/>
+              </a:rPr>
+              <a:t>Nyberg</a:t>
+            </a:r>
+            <a:r>
+              <a:rPr lang="fr-FR" sz="1200" dirty="0">
+                <a:latin typeface="Arial" panose="020B0604020202020204" pitchFamily="34" charset="0"/>
+                <a:cs typeface="Arial" panose="020B0604020202020204" pitchFamily="34" charset="0"/>
+              </a:rPr>
+              <a:t> et al., TICS, 2012; </a:t>
+            </a:r>
+            <a:r>
+              <a:rPr lang="fr-FR" sz="1200" dirty="0" err="1">
+                <a:latin typeface="Arial" panose="020B0604020202020204" pitchFamily="34" charset="0"/>
+                <a:cs typeface="Arial" panose="020B0604020202020204" pitchFamily="34" charset="0"/>
+              </a:rPr>
+              <a:t>Cabeza</a:t>
+            </a:r>
+            <a:r>
+              <a:rPr lang="fr-FR" sz="1200" dirty="0">
+                <a:latin typeface="Arial" panose="020B0604020202020204" pitchFamily="34" charset="0"/>
+                <a:cs typeface="Arial" panose="020B0604020202020204" pitchFamily="34" charset="0"/>
+              </a:rPr>
+              <a:t> et al., </a:t>
+            </a:r>
+            <a:r>
+              <a:rPr lang="fr-FR" sz="1200" dirty="0" err="1">
+                <a:latin typeface="Arial" panose="020B0604020202020204" pitchFamily="34" charset="0"/>
+                <a:cs typeface="Arial" panose="020B0604020202020204" pitchFamily="34" charset="0"/>
+              </a:rPr>
+              <a:t>NatRevNeurosci</a:t>
+            </a:r>
+            <a:r>
+              <a:rPr lang="fr-FR" sz="1200" dirty="0">
+                <a:latin typeface="Arial" panose="020B0604020202020204" pitchFamily="34" charset="0"/>
+                <a:cs typeface="Arial" panose="020B0604020202020204" pitchFamily="34" charset="0"/>
+              </a:rPr>
+              <a:t>, 2018; </a:t>
+            </a:r>
+            <a:r>
+              <a:rPr lang="fr-FR" sz="1200" dirty="0" err="1">
+                <a:latin typeface="Arial" panose="020B0604020202020204" pitchFamily="34" charset="0"/>
+                <a:cs typeface="Arial" panose="020B0604020202020204" pitchFamily="34" charset="0"/>
+              </a:rPr>
+              <a:t>Nyberg</a:t>
+            </a:r>
+            <a:r>
+              <a:rPr lang="fr-FR" sz="1200" dirty="0">
+                <a:latin typeface="Arial" panose="020B0604020202020204" pitchFamily="34" charset="0"/>
+                <a:cs typeface="Arial" panose="020B0604020202020204" pitchFamily="34" charset="0"/>
+              </a:rPr>
+              <a:t> &amp; </a:t>
+            </a:r>
+            <a:r>
+              <a:rPr lang="fr-FR" sz="1200" dirty="0" err="1">
+                <a:latin typeface="Arial" panose="020B0604020202020204" pitchFamily="34" charset="0"/>
+                <a:cs typeface="Arial" panose="020B0604020202020204" pitchFamily="34" charset="0"/>
+              </a:rPr>
+              <a:t>Pudas</a:t>
+            </a:r>
+            <a:r>
+              <a:rPr lang="fr-FR" sz="1200" dirty="0">
+                <a:latin typeface="Arial" panose="020B0604020202020204" pitchFamily="34" charset="0"/>
+                <a:cs typeface="Arial" panose="020B0604020202020204" pitchFamily="34" charset="0"/>
+              </a:rPr>
+              <a:t>, </a:t>
+            </a:r>
+            <a:r>
+              <a:rPr lang="fr-FR" sz="1200" dirty="0" err="1">
+                <a:latin typeface="Arial" panose="020B0604020202020204" pitchFamily="34" charset="0"/>
+                <a:cs typeface="Arial" panose="020B0604020202020204" pitchFamily="34" charset="0"/>
+              </a:rPr>
+              <a:t>AnnRevPsych</a:t>
+            </a:r>
+            <a:r>
+              <a:rPr lang="fr-FR" sz="1200" dirty="0">
+                <a:latin typeface="Arial" panose="020B0604020202020204" pitchFamily="34" charset="0"/>
+                <a:cs typeface="Arial" panose="020B0604020202020204" pitchFamily="34" charset="0"/>
+              </a:rPr>
+              <a:t>, </a:t>
+            </a:r>
+            <a:r>
+              <a:rPr lang="fr-FR" sz="1200" dirty="0" smtClean="0">
+                <a:latin typeface="Arial" panose="020B0604020202020204" pitchFamily="34" charset="0"/>
+                <a:cs typeface="Arial" panose="020B0604020202020204" pitchFamily="34" charset="0"/>
+              </a:rPr>
+              <a:t>2019.</a:t>
+            </a:r>
+            <a:endParaRPr lang="en-GB" sz="1200" dirty="0">
+              <a:latin typeface="Arial" panose="020B0604020202020204" pitchFamily="34" charset="0"/>
+              <a:cs typeface="Arial" panose="020B0604020202020204" pitchFamily="34" charset="0"/>
+            </a:endParaRPr>
+          </a:p>
+        </p:txBody>
+      </p:sp>
+      <p:sp>
+        <p:nvSpPr>
+          <p:cNvPr id="7" name="Oval 6"/>
+          <p:cNvSpPr/>
+          <p:nvPr/>
+        </p:nvSpPr>
+        <p:spPr>
+          <a:xfrm>
+            <a:off x="6449865" y="2805647"/>
+            <a:ext cx="2792266" cy="1235555"/>
+          </a:xfrm>
+          <a:prstGeom prst="ellipse">
+            <a:avLst/>
+          </a:prstGeom>
+          <a:noFill/>
+          <a:ln w="38100" cap="sq">
+            <a:solidFill>
+              <a:srgbClr val="00B050"/>
+            </a:solidFill>
+          </a:ln>
+        </p:spPr>
+        <p:style>
+          <a:lnRef idx="2">
+            <a:schemeClr val="accent1">
+              <a:shade val="50000"/>
+            </a:schemeClr>
+          </a:lnRef>
+          <a:fillRef idx="1">
+            <a:schemeClr val="accent1"/>
+          </a:fillRef>
+          <a:effectRef idx="0">
+            <a:schemeClr val="accent1"/>
+          </a:effectRef>
+          <a:fontRef idx="minor">
+            <a:schemeClr val="lt1"/>
+          </a:fontRef>
+        </p:style>
+        <p:txBody>
+          <a:bodyPr rtlCol="0" anchor="ctr"/>
+          <a:lstStyle/>
+          <a:p>
+            <a:pPr algn="ctr"/>
+            <a:endParaRPr lang="en-GB"/>
+          </a:p>
+        </p:txBody>
+      </p:sp>
+      <p:sp>
+        <p:nvSpPr>
+          <p:cNvPr id="8" name="TextBox 7"/>
+          <p:cNvSpPr txBox="1"/>
+          <p:nvPr/>
+        </p:nvSpPr>
+        <p:spPr>
+          <a:xfrm>
+            <a:off x="7549731" y="2367256"/>
+            <a:ext cx="2160000" cy="338554"/>
+          </a:xfrm>
+          <a:prstGeom prst="rect">
+            <a:avLst/>
+          </a:prstGeom>
+          <a:noFill/>
+        </p:spPr>
+        <p:txBody>
+          <a:bodyPr wrap="square" rtlCol="0">
+            <a:spAutoFit/>
+          </a:bodyPr>
+          <a:lstStyle/>
+          <a:p>
+            <a:pPr algn="ctr"/>
+            <a:r>
+              <a:rPr lang="en-GB" sz="1600" dirty="0" smtClean="0">
+                <a:solidFill>
+                  <a:srgbClr val="00B050"/>
+                </a:solidFill>
+                <a:latin typeface="Arial" panose="020B0604020202020204" pitchFamily="34" charset="0"/>
+                <a:cs typeface="Arial" panose="020B0604020202020204" pitchFamily="34" charset="0"/>
+              </a:rPr>
+              <a:t>“successful agers”</a:t>
+            </a:r>
+            <a:endParaRPr lang="en-GB" sz="1600" dirty="0">
+              <a:solidFill>
+                <a:srgbClr val="00B050"/>
+              </a:solidFill>
+              <a:latin typeface="Arial" panose="020B0604020202020204" pitchFamily="34" charset="0"/>
+              <a:cs typeface="Arial" panose="020B0604020202020204" pitchFamily="34" charset="0"/>
+            </a:endParaRPr>
+          </a:p>
+        </p:txBody>
+      </p:sp>
+      <p:sp>
+        <p:nvSpPr>
+          <p:cNvPr id="4" name="Rectangle 3"/>
+          <p:cNvSpPr/>
+          <p:nvPr/>
+        </p:nvSpPr>
+        <p:spPr>
+          <a:xfrm>
+            <a:off x="2622767" y="1748511"/>
+            <a:ext cx="3235108" cy="4224082"/>
+          </a:xfrm>
+          <a:prstGeom prst="rect">
+            <a:avLst/>
+          </a:prstGeom>
+          <a:solidFill>
+            <a:schemeClr val="bg1"/>
+          </a:solidFill>
+          <a:ln>
+            <a:noFill/>
+          </a:ln>
+        </p:spPr>
+        <p:style>
+          <a:lnRef idx="2">
+            <a:schemeClr val="accent1">
+              <a:shade val="50000"/>
+            </a:schemeClr>
+          </a:lnRef>
+          <a:fillRef idx="1">
+            <a:schemeClr val="accent1"/>
+          </a:fillRef>
+          <a:effectRef idx="0">
+            <a:schemeClr val="accent1"/>
+          </a:effectRef>
+          <a:fontRef idx="minor">
+            <a:schemeClr val="lt1"/>
+          </a:fontRef>
+        </p:style>
+        <p:txBody>
+          <a:bodyPr rtlCol="0" anchor="ctr"/>
+          <a:lstStyle/>
+          <a:p>
+            <a:pPr algn="ctr"/>
+            <a:endParaRPr lang="en-GB"/>
+          </a:p>
+        </p:txBody>
+      </p:sp>
+      <p:pic>
+        <p:nvPicPr>
+          <p:cNvPr id="9" name="Picture 8"/>
+          <p:cNvPicPr>
+            <a:picLocks noChangeAspect="1"/>
+          </p:cNvPicPr>
+          <p:nvPr/>
+        </p:nvPicPr>
+        <p:blipFill rotWithShape="1">
+          <a:blip r:embed="rId3"/>
+          <a:srcRect t="15030" b="6484"/>
+          <a:stretch/>
+        </p:blipFill>
+        <p:spPr>
+          <a:xfrm>
+            <a:off x="4125359" y="4159261"/>
+            <a:ext cx="1068391" cy="1116000"/>
+          </a:xfrm>
+          <a:prstGeom prst="rect">
+            <a:avLst/>
+          </a:prstGeom>
+        </p:spPr>
+      </p:pic>
+      <p:pic>
+        <p:nvPicPr>
+          <p:cNvPr id="10" name="Picture 9"/>
+          <p:cNvPicPr>
+            <a:picLocks noChangeAspect="1"/>
+          </p:cNvPicPr>
+          <p:nvPr/>
+        </p:nvPicPr>
+        <p:blipFill rotWithShape="1">
+          <a:blip r:embed="rId4"/>
+          <a:srcRect l="7249" t="2557" r="7216" b="3491"/>
+          <a:stretch/>
+        </p:blipFill>
+        <p:spPr>
+          <a:xfrm>
+            <a:off x="4120123" y="2712424"/>
+            <a:ext cx="1071057" cy="1116000"/>
+          </a:xfrm>
+          <a:prstGeom prst="rect">
+            <a:avLst/>
+          </a:prstGeom>
+        </p:spPr>
+      </p:pic>
+      <p:cxnSp>
+        <p:nvCxnSpPr>
+          <p:cNvPr id="12" name="Straight Arrow Connector 11"/>
+          <p:cNvCxnSpPr/>
+          <p:nvPr/>
+        </p:nvCxnSpPr>
+        <p:spPr>
+          <a:xfrm flipV="1">
+            <a:off x="5263376" y="3653141"/>
+            <a:ext cx="1186489" cy="1039292"/>
+          </a:xfrm>
+          <a:prstGeom prst="straightConnector1">
+            <a:avLst/>
+          </a:prstGeom>
+          <a:ln w="34925" cap="sq">
+            <a:solidFill>
+              <a:schemeClr val="bg1">
+                <a:lumMod val="50000"/>
+              </a:schemeClr>
+            </a:solidFill>
+            <a:tailEnd type="triangle" w="lg" len="lg"/>
+          </a:ln>
+        </p:spPr>
+        <p:style>
+          <a:lnRef idx="1">
+            <a:schemeClr val="accent1"/>
+          </a:lnRef>
+          <a:fillRef idx="0">
+            <a:schemeClr val="accent1"/>
+          </a:fillRef>
+          <a:effectRef idx="0">
+            <a:schemeClr val="accent1"/>
+          </a:effectRef>
+          <a:fontRef idx="minor">
+            <a:schemeClr val="tx1"/>
+          </a:fontRef>
+        </p:style>
+      </p:cxnSp>
+      <p:sp>
+        <p:nvSpPr>
+          <p:cNvPr id="13" name="TextBox 12"/>
+          <p:cNvSpPr txBox="1"/>
+          <p:nvPr/>
+        </p:nvSpPr>
+        <p:spPr>
+          <a:xfrm>
+            <a:off x="2314423" y="2947258"/>
+            <a:ext cx="1800000" cy="646331"/>
+          </a:xfrm>
+          <a:prstGeom prst="rect">
+            <a:avLst/>
+          </a:prstGeom>
+          <a:noFill/>
+        </p:spPr>
+        <p:txBody>
+          <a:bodyPr wrap="square" rtlCol="0">
+            <a:spAutoFit/>
+          </a:bodyPr>
+          <a:lstStyle/>
+          <a:p>
+            <a:pPr algn="ctr"/>
+            <a:r>
+              <a:rPr lang="en-GB" dirty="0">
+                <a:latin typeface="Arial" panose="020B0604020202020204" pitchFamily="34" charset="0"/>
+                <a:cs typeface="Arial" panose="020B0604020202020204" pitchFamily="34" charset="0"/>
+              </a:rPr>
+              <a:t>b</a:t>
+            </a:r>
+            <a:r>
+              <a:rPr lang="en-GB" dirty="0" smtClean="0">
+                <a:latin typeface="Arial" panose="020B0604020202020204" pitchFamily="34" charset="0"/>
+                <a:cs typeface="Arial" panose="020B0604020202020204" pitchFamily="34" charset="0"/>
+              </a:rPr>
+              <a:t>rain maintenance</a:t>
+            </a:r>
+          </a:p>
+        </p:txBody>
+      </p:sp>
+      <p:sp>
+        <p:nvSpPr>
+          <p:cNvPr id="14" name="TextBox 13"/>
+          <p:cNvSpPr txBox="1"/>
+          <p:nvPr/>
+        </p:nvSpPr>
+        <p:spPr>
+          <a:xfrm>
+            <a:off x="2314423" y="4394095"/>
+            <a:ext cx="1800000" cy="646331"/>
+          </a:xfrm>
+          <a:prstGeom prst="rect">
+            <a:avLst/>
+          </a:prstGeom>
+          <a:noFill/>
+        </p:spPr>
+        <p:txBody>
+          <a:bodyPr wrap="square" rtlCol="0">
+            <a:spAutoFit/>
+          </a:bodyPr>
+          <a:lstStyle/>
+          <a:p>
+            <a:pPr algn="ctr"/>
+            <a:r>
+              <a:rPr lang="en-GB" dirty="0" smtClean="0">
+                <a:latin typeface="Arial" panose="020B0604020202020204" pitchFamily="34" charset="0"/>
+                <a:cs typeface="Arial" panose="020B0604020202020204" pitchFamily="34" charset="0"/>
+              </a:rPr>
+              <a:t>cognitive</a:t>
+            </a:r>
+          </a:p>
+          <a:p>
+            <a:pPr algn="ctr"/>
+            <a:r>
+              <a:rPr lang="en-GB" dirty="0" smtClean="0">
+                <a:latin typeface="Arial" panose="020B0604020202020204" pitchFamily="34" charset="0"/>
+                <a:cs typeface="Arial" panose="020B0604020202020204" pitchFamily="34" charset="0"/>
+              </a:rPr>
+              <a:t>reserve</a:t>
+            </a:r>
+          </a:p>
+        </p:txBody>
+      </p:sp>
+      <p:cxnSp>
+        <p:nvCxnSpPr>
+          <p:cNvPr id="18" name="Straight Arrow Connector 17"/>
+          <p:cNvCxnSpPr/>
+          <p:nvPr/>
+        </p:nvCxnSpPr>
+        <p:spPr>
+          <a:xfrm>
+            <a:off x="5263376" y="3296300"/>
+            <a:ext cx="1132964" cy="0"/>
+          </a:xfrm>
+          <a:prstGeom prst="straightConnector1">
+            <a:avLst/>
+          </a:prstGeom>
+          <a:ln w="34925" cap="sq">
+            <a:solidFill>
+              <a:schemeClr val="bg1">
+                <a:lumMod val="50000"/>
+              </a:schemeClr>
+            </a:solidFill>
+            <a:tailEnd type="triangle" w="lg" len="lg"/>
+          </a:ln>
+        </p:spPr>
+        <p:style>
+          <a:lnRef idx="1">
+            <a:schemeClr val="accent1"/>
+          </a:lnRef>
+          <a:fillRef idx="0">
+            <a:schemeClr val="accent1"/>
+          </a:fillRef>
+          <a:effectRef idx="0">
+            <a:schemeClr val="accent1"/>
+          </a:effectRef>
+          <a:fontRef idx="minor">
+            <a:schemeClr val="tx1"/>
+          </a:fontRef>
+        </p:style>
+      </p:cxnSp>
+    </p:spTree>
+    <p:extLst>
+      <p:ext uri="{BB962C8B-B14F-4D97-AF65-F5344CB8AC3E}">
+        <p14:creationId xmlns:p14="http://schemas.microsoft.com/office/powerpoint/2010/main" val="2803917977"/>
+      </p:ext>
+    </p:extLst>
+  </p:cSld>
+  <p:clrMapOvr>
+    <a:masterClrMapping/>
+  </p:clrMapOvr>
+  <p:timing>
+    <p:tnLst>
+      <p:par>
+        <p:cTn id="1" dur="indefinite" restart="never" nodeType="tmRoot">
+          <p:childTnLst>
+            <p:seq concurrent="1" nextAc="seek">
+              <p:cTn id="2" dur="indefinite" nodeType="mainSeq">
+                <p:childTnLst>
+                  <p:par>
+                    <p:cTn id="3" fill="hold">
+                      <p:stCondLst>
+                        <p:cond delay="indefinite"/>
+                      </p:stCondLst>
+                      <p:childTnLst>
+                        <p:par>
+                          <p:cTn id="4" fill="hold">
+                            <p:stCondLst>
+                              <p:cond delay="0"/>
+                            </p:stCondLst>
+                            <p:childTnLst>
+                              <p:par>
+                                <p:cTn id="5" presetID="1" presetClass="entr" presetSubtype="0" fill="hold" nodeType="clickEffect">
+                                  <p:stCondLst>
+                                    <p:cond delay="0"/>
+                                  </p:stCondLst>
+                                  <p:childTnLst>
+                                    <p:set>
+                                      <p:cBhvr>
+                                        <p:cTn id="6" dur="1" fill="hold">
+                                          <p:stCondLst>
+                                            <p:cond delay="0"/>
+                                          </p:stCondLst>
+                                        </p:cTn>
+                                        <p:tgtEl>
+                                          <p:spTgt spid="10"/>
+                                        </p:tgtEl>
+                                        <p:attrNameLst>
+                                          <p:attrName>style.visibility</p:attrName>
+                                        </p:attrNameLst>
+                                      </p:cBhvr>
+                                      <p:to>
+                                        <p:strVal val="visible"/>
+                                      </p:to>
+                                    </p:set>
+                                  </p:childTnLst>
+                                </p:cTn>
+                              </p:par>
+                              <p:par>
+                                <p:cTn id="7" presetID="1" presetClass="entr" presetSubtype="0" fill="hold" nodeType="withEffect">
+                                  <p:stCondLst>
+                                    <p:cond delay="0"/>
+                                  </p:stCondLst>
+                                  <p:childTnLst>
+                                    <p:set>
+                                      <p:cBhvr>
+                                        <p:cTn id="8" dur="1" fill="hold">
+                                          <p:stCondLst>
+                                            <p:cond delay="0"/>
+                                          </p:stCondLst>
+                                        </p:cTn>
+                                        <p:tgtEl>
+                                          <p:spTgt spid="18"/>
+                                        </p:tgtEl>
+                                        <p:attrNameLst>
+                                          <p:attrName>style.visibility</p:attrName>
+                                        </p:attrNameLst>
+                                      </p:cBhvr>
+                                      <p:to>
+                                        <p:strVal val="visible"/>
+                                      </p:to>
+                                    </p:set>
+                                  </p:childTnLst>
+                                </p:cTn>
+                              </p:par>
+                            </p:childTnLst>
+                          </p:cTn>
+                        </p:par>
+                      </p:childTnLst>
+                    </p:cTn>
+                  </p:par>
+                  <p:par>
+                    <p:cTn id="9" fill="hold">
+                      <p:stCondLst>
+                        <p:cond delay="indefinite"/>
+                      </p:stCondLst>
+                      <p:childTnLst>
+                        <p:par>
+                          <p:cTn id="10" fill="hold">
+                            <p:stCondLst>
+                              <p:cond delay="0"/>
+                            </p:stCondLst>
+                            <p:childTnLst>
+                              <p:par>
+                                <p:cTn id="11" presetID="1" presetClass="entr" presetSubtype="0" fill="hold" grpId="0" nodeType="clickEffect">
+                                  <p:stCondLst>
+                                    <p:cond delay="0"/>
+                                  </p:stCondLst>
+                                  <p:childTnLst>
+                                    <p:set>
+                                      <p:cBhvr>
+                                        <p:cTn id="12" dur="1" fill="hold">
+                                          <p:stCondLst>
+                                            <p:cond delay="0"/>
+                                          </p:stCondLst>
+                                        </p:cTn>
+                                        <p:tgtEl>
+                                          <p:spTgt spid="13"/>
+                                        </p:tgtEl>
+                                        <p:attrNameLst>
+                                          <p:attrName>style.visibility</p:attrName>
+                                        </p:attrNameLst>
+                                      </p:cBhvr>
+                                      <p:to>
+                                        <p:strVal val="visible"/>
+                                      </p:to>
+                                    </p:set>
+                                  </p:childTnLst>
+                                </p:cTn>
+                              </p:par>
+                            </p:childTnLst>
+                          </p:cTn>
+                        </p:par>
+                      </p:childTnLst>
+                    </p:cTn>
+                  </p:par>
+                  <p:par>
+                    <p:cTn id="13" fill="hold">
+                      <p:stCondLst>
+                        <p:cond delay="indefinite"/>
+                      </p:stCondLst>
+                      <p:childTnLst>
+                        <p:par>
+                          <p:cTn id="14" fill="hold">
+                            <p:stCondLst>
+                              <p:cond delay="0"/>
+                            </p:stCondLst>
+                            <p:childTnLst>
+                              <p:par>
+                                <p:cTn id="15" presetID="1" presetClass="entr" presetSubtype="0" fill="hold" nodeType="clickEffect">
+                                  <p:stCondLst>
+                                    <p:cond delay="0"/>
+                                  </p:stCondLst>
+                                  <p:childTnLst>
+                                    <p:set>
+                                      <p:cBhvr>
+                                        <p:cTn id="16" dur="1" fill="hold">
+                                          <p:stCondLst>
+                                            <p:cond delay="0"/>
+                                          </p:stCondLst>
+                                        </p:cTn>
+                                        <p:tgtEl>
+                                          <p:spTgt spid="9"/>
+                                        </p:tgtEl>
+                                        <p:attrNameLst>
+                                          <p:attrName>style.visibility</p:attrName>
+                                        </p:attrNameLst>
+                                      </p:cBhvr>
+                                      <p:to>
+                                        <p:strVal val="visible"/>
+                                      </p:to>
+                                    </p:set>
+                                  </p:childTnLst>
+                                </p:cTn>
+                              </p:par>
+                              <p:par>
+                                <p:cTn id="17" presetID="1" presetClass="entr" presetSubtype="0" fill="hold" nodeType="withEffect">
+                                  <p:stCondLst>
+                                    <p:cond delay="0"/>
+                                  </p:stCondLst>
+                                  <p:childTnLst>
+                                    <p:set>
+                                      <p:cBhvr>
+                                        <p:cTn id="18" dur="1" fill="hold">
+                                          <p:stCondLst>
+                                            <p:cond delay="0"/>
+                                          </p:stCondLst>
+                                        </p:cTn>
+                                        <p:tgtEl>
+                                          <p:spTgt spid="12"/>
+                                        </p:tgtEl>
+                                        <p:attrNameLst>
+                                          <p:attrName>style.visibility</p:attrName>
+                                        </p:attrNameLst>
+                                      </p:cBhvr>
+                                      <p:to>
+                                        <p:strVal val="visible"/>
+                                      </p:to>
+                                    </p:set>
+                                  </p:childTnLst>
+                                </p:cTn>
+                              </p:par>
+                            </p:childTnLst>
+                          </p:cTn>
+                        </p:par>
+                      </p:childTnLst>
+                    </p:cTn>
+                  </p:par>
+                  <p:par>
+                    <p:cTn id="19" fill="hold">
+                      <p:stCondLst>
+                        <p:cond delay="indefinite"/>
+                      </p:stCondLst>
+                      <p:childTnLst>
+                        <p:par>
+                          <p:cTn id="20" fill="hold">
+                            <p:stCondLst>
+                              <p:cond delay="0"/>
+                            </p:stCondLst>
+                            <p:childTnLst>
+                              <p:par>
+                                <p:cTn id="21" presetID="1" presetClass="entr" presetSubtype="0" fill="hold" grpId="0" nodeType="clickEffect">
+                                  <p:stCondLst>
+                                    <p:cond delay="0"/>
+                                  </p:stCondLst>
+                                  <p:childTnLst>
+                                    <p:set>
+                                      <p:cBhvr>
+                                        <p:cTn id="22" dur="1" fill="hold">
+                                          <p:stCondLst>
+                                            <p:cond delay="0"/>
+                                          </p:stCondLst>
+                                        </p:cTn>
+                                        <p:tgtEl>
+                                          <p:spTgt spid="14"/>
+                                        </p:tgtEl>
+                                        <p:attrNameLst>
+                                          <p:attrName>style.visibility</p:attrName>
+                                        </p:attrNameLst>
+                                      </p:cBhvr>
+                                      <p:to>
+                                        <p:strVal val="visible"/>
+                                      </p:to>
+                                    </p:set>
+                                  </p:childTnLst>
+                                </p:cTn>
+                              </p:par>
+                            </p:childTnLst>
+                          </p:cTn>
+                        </p:par>
+                      </p:childTnLst>
+                    </p:cTn>
+                  </p:par>
+                </p:childTnLst>
+              </p:cTn>
+              <p:prevCondLst>
+                <p:cond evt="onPrev" delay="0">
+                  <p:tgtEl>
+                    <p:sldTgt/>
+                  </p:tgtEl>
+                </p:cond>
+              </p:prevCondLst>
+              <p:nextCondLst>
+                <p:cond evt="onNext" delay="0">
+                  <p:tgtEl>
+                    <p:sldTgt/>
+                  </p:tgtEl>
+                </p:cond>
+              </p:nextCondLst>
+            </p:seq>
+          </p:childTnLst>
+        </p:cTn>
+      </p:par>
+    </p:tnLst>
+    <p:bldLst>
+      <p:bldP spid="13" grpId="0"/>
+      <p:bldP spid="14" grpId="0"/>
+    </p:bldLst>
+  </p:timing>
+</p:sld>
+</file>
+
+<file path=ppt/slides/slide4.xml><?xml version="1.0" encoding="utf-8"?>
+<p:sld xmlns:a="http://schemas.openxmlformats.org/drawingml/2006/main" xmlns:r="http://schemas.openxmlformats.org/officeDocument/2006/relationships" xmlns:p="http://schemas.openxmlformats.org/presentationml/2006/main">
+  <p:cSld>
+    <p:spTree>
+      <p:nvGrpSpPr>
+        <p:cNvPr id="1" name=""/>
+        <p:cNvGrpSpPr/>
+        <p:nvPr/>
+      </p:nvGrpSpPr>
+      <p:grpSpPr>
+        <a:xfrm>
+          <a:off x="0" y="0"/>
+          <a:ext cx="0" cy="0"/>
+          <a:chOff x="0" y="0"/>
+          <a:chExt cx="0" cy="0"/>
+        </a:xfrm>
+      </p:grpSpPr>
+      <p:graphicFrame>
+        <p:nvGraphicFramePr>
+          <p:cNvPr id="16" name="Content Placeholder 15"/>
+          <p:cNvGraphicFramePr>
+            <a:graphicFrameLocks noGrp="1"/>
+          </p:cNvGraphicFramePr>
+          <p:nvPr>
+            <p:ph idx="1"/>
+            <p:extLst>
+              <p:ext uri="{D42A27DB-BD31-4B8C-83A1-F6EECF244321}">
+                <p14:modId xmlns:p14="http://schemas.microsoft.com/office/powerpoint/2010/main" val="931616063"/>
+              </p:ext>
+            </p:extLst>
+          </p:nvPr>
+        </p:nvGraphicFramePr>
+        <p:xfrm>
+          <a:off x="2132105" y="1998298"/>
+          <a:ext cx="8280000" cy="3420000"/>
+        </p:xfrm>
+        <a:graphic>
+          <a:graphicData uri="http://schemas.openxmlformats.org/drawingml/2006/table">
+            <a:tbl>
+              <a:tblPr firstRow="1" bandRow="1">
+                <a:tableStyleId>{5940675A-B579-460E-94D1-54222C63F5DA}</a:tableStyleId>
+              </a:tblPr>
+              <a:tblGrid>
+                <a:gridCol w="3240000">
+                  <a:extLst>
+                    <a:ext uri="{9D8B030D-6E8A-4147-A177-3AD203B41FA5}">
+                      <a16:colId xmlns:a16="http://schemas.microsoft.com/office/drawing/2014/main" val="1673093868"/>
+                    </a:ext>
+                  </a:extLst>
+                </a:gridCol>
+                <a:gridCol w="5040000">
+                  <a:extLst>
+                    <a:ext uri="{9D8B030D-6E8A-4147-A177-3AD203B41FA5}">
+                      <a16:colId xmlns:a16="http://schemas.microsoft.com/office/drawing/2014/main" val="486580401"/>
+                    </a:ext>
+                  </a:extLst>
+                </a:gridCol>
+              </a:tblGrid>
+              <a:tr h="540000">
+                <a:tc>
+                  <a:txBody>
+                    <a:bodyPr/>
+                    <a:lstStyle/>
+                    <a:p>
+                      <a:pPr algn="ctr"/>
+                      <a:r>
+                        <a:rPr lang="en-GB" sz="1800" i="0" dirty="0" smtClean="0">
+                          <a:solidFill>
+                            <a:schemeClr val="bg1">
+                              <a:lumMod val="50000"/>
+                            </a:schemeClr>
+                          </a:solidFill>
+                          <a:latin typeface="Arial" panose="020B0604020202020204" pitchFamily="34" charset="0"/>
+                          <a:cs typeface="Arial" panose="020B0604020202020204" pitchFamily="34" charset="0"/>
+                        </a:rPr>
+                        <a:t>Theory of successful aging</a:t>
+                      </a:r>
+                      <a:endParaRPr lang="en-GB" sz="1800" i="0" dirty="0">
+                        <a:solidFill>
+                          <a:schemeClr val="bg1">
+                            <a:lumMod val="50000"/>
+                          </a:schemeClr>
+                        </a:solidFill>
+                        <a:latin typeface="Arial" panose="020B0604020202020204" pitchFamily="34" charset="0"/>
+                        <a:cs typeface="Arial" panose="020B0604020202020204" pitchFamily="34" charset="0"/>
+                      </a:endParaRPr>
+                    </a:p>
+                  </a:txBody>
+                  <a:tcPr anchor="ctr"/>
+                </a:tc>
+                <a:tc>
+                  <a:txBody>
+                    <a:bodyPr/>
+                    <a:lstStyle/>
+                    <a:p>
+                      <a:pPr algn="ctr"/>
+                      <a:r>
+                        <a:rPr lang="en-GB" sz="1800" i="0" dirty="0" smtClean="0">
+                          <a:solidFill>
+                            <a:schemeClr val="bg1">
+                              <a:lumMod val="50000"/>
+                            </a:schemeClr>
+                          </a:solidFill>
+                          <a:latin typeface="Arial" panose="020B0604020202020204" pitchFamily="34" charset="0"/>
+                          <a:cs typeface="Arial" panose="020B0604020202020204" pitchFamily="34" charset="0"/>
+                        </a:rPr>
+                        <a:t>Differences in memory</a:t>
+                      </a:r>
+                      <a:r>
+                        <a:rPr lang="en-GB" sz="1800" i="0" baseline="0" dirty="0" smtClean="0">
+                          <a:solidFill>
+                            <a:schemeClr val="bg1">
+                              <a:lumMod val="50000"/>
+                            </a:schemeClr>
+                          </a:solidFill>
+                          <a:latin typeface="Arial" panose="020B0604020202020204" pitchFamily="34" charset="0"/>
+                          <a:cs typeface="Arial" panose="020B0604020202020204" pitchFamily="34" charset="0"/>
+                        </a:rPr>
+                        <a:t> should concur with </a:t>
+                      </a:r>
+                      <a:r>
+                        <a:rPr lang="en-DE" sz="1800" i="0" baseline="0" dirty="0" smtClean="0">
+                          <a:solidFill>
+                            <a:schemeClr val="bg1">
+                              <a:lumMod val="50000"/>
+                            </a:schemeClr>
+                          </a:solidFill>
+                          <a:latin typeface="Arial" panose="020B0604020202020204" pitchFamily="34" charset="0"/>
+                          <a:cs typeface="Arial" panose="020B0604020202020204" pitchFamily="34" charset="0"/>
+                        </a:rPr>
+                        <a:t>…</a:t>
+                      </a:r>
+                      <a:endParaRPr lang="en-GB" sz="1800" i="0" dirty="0">
+                        <a:solidFill>
+                          <a:schemeClr val="bg1">
+                            <a:lumMod val="50000"/>
+                          </a:schemeClr>
+                        </a:solidFill>
+                        <a:latin typeface="Arial" panose="020B0604020202020204" pitchFamily="34" charset="0"/>
+                        <a:cs typeface="Arial" panose="020B0604020202020204" pitchFamily="34" charset="0"/>
+                      </a:endParaRPr>
+                    </a:p>
+                  </a:txBody>
+                  <a:tcPr anchor="ctr"/>
+                </a:tc>
+                <a:extLst>
+                  <a:ext uri="{0D108BD9-81ED-4DB2-BD59-A6C34878D82A}">
+                    <a16:rowId xmlns:a16="http://schemas.microsoft.com/office/drawing/2014/main" val="1918464041"/>
+                  </a:ext>
+                </a:extLst>
+              </a:tr>
+              <a:tr h="1440000">
+                <a:tc>
+                  <a:txBody>
+                    <a:bodyPr/>
+                    <a:lstStyle/>
+                    <a:p>
+                      <a:pPr algn="ctr"/>
+                      <a:endParaRPr lang="en-GB" sz="1800" dirty="0">
+                        <a:latin typeface="Arial" panose="020B0604020202020204" pitchFamily="34" charset="0"/>
+                        <a:cs typeface="Arial" panose="020B0604020202020204" pitchFamily="34" charset="0"/>
+                      </a:endParaRPr>
+                    </a:p>
+                  </a:txBody>
+                  <a:tcPr anchor="ctr"/>
+                </a:tc>
+                <a:tc>
+                  <a:txBody>
+                    <a:bodyPr/>
+                    <a:lstStyle/>
+                    <a:p>
+                      <a:pPr algn="ctr"/>
+                      <a:endParaRPr lang="en-GB" sz="1800" dirty="0">
+                        <a:latin typeface="Arial" panose="020B0604020202020204" pitchFamily="34" charset="0"/>
+                        <a:cs typeface="Arial" panose="020B0604020202020204" pitchFamily="34" charset="0"/>
+                      </a:endParaRPr>
+                    </a:p>
+                  </a:txBody>
+                  <a:tcPr anchor="ctr"/>
+                </a:tc>
+                <a:extLst>
+                  <a:ext uri="{0D108BD9-81ED-4DB2-BD59-A6C34878D82A}">
+                    <a16:rowId xmlns:a16="http://schemas.microsoft.com/office/drawing/2014/main" val="2612843524"/>
+                  </a:ext>
+                </a:extLst>
+              </a:tr>
+              <a:tr h="1440000">
+                <a:tc>
+                  <a:txBody>
+                    <a:bodyPr/>
+                    <a:lstStyle/>
+                    <a:p>
+                      <a:pPr algn="ctr"/>
+                      <a:endParaRPr lang="en-GB" sz="1800" dirty="0">
+                        <a:latin typeface="Arial" panose="020B0604020202020204" pitchFamily="34" charset="0"/>
+                        <a:cs typeface="Arial" panose="020B0604020202020204" pitchFamily="34" charset="0"/>
+                      </a:endParaRPr>
+                    </a:p>
+                  </a:txBody>
+                  <a:tcPr anchor="ctr"/>
+                </a:tc>
+                <a:tc>
+                  <a:txBody>
+                    <a:bodyPr/>
+                    <a:lstStyle/>
+                    <a:p>
+                      <a:pPr marL="0" marR="0" lvl="0" indent="0" algn="ctr" defTabSz="914354" rtl="0" eaLnBrk="1" fontAlgn="auto" latinLnBrk="0" hangingPunct="1">
+                        <a:lnSpc>
+                          <a:spcPct val="100000"/>
+                        </a:lnSpc>
+                        <a:spcBef>
+                          <a:spcPts val="0"/>
+                        </a:spcBef>
+                        <a:spcAft>
+                          <a:spcPts val="0"/>
+                        </a:spcAft>
+                        <a:buClrTx/>
+                        <a:buSzTx/>
+                        <a:buFontTx/>
+                        <a:buNone/>
+                        <a:tabLst/>
+                        <a:defRPr/>
+                      </a:pPr>
+                      <a:endParaRPr lang="en-GB" sz="1800" dirty="0" smtClean="0">
+                        <a:latin typeface="Arial" panose="020B0604020202020204" pitchFamily="34" charset="0"/>
+                        <a:cs typeface="Arial" panose="020B0604020202020204" pitchFamily="34" charset="0"/>
+                      </a:endParaRPr>
+                    </a:p>
+                  </a:txBody>
+                  <a:tcPr anchor="ctr"/>
+                </a:tc>
+                <a:extLst>
+                  <a:ext uri="{0D108BD9-81ED-4DB2-BD59-A6C34878D82A}">
+                    <a16:rowId xmlns:a16="http://schemas.microsoft.com/office/drawing/2014/main" val="220504424"/>
+                  </a:ext>
+                </a:extLst>
+              </a:tr>
+            </a:tbl>
+          </a:graphicData>
+        </a:graphic>
+      </p:graphicFrame>
+      <p:sp>
+        <p:nvSpPr>
+          <p:cNvPr id="2" name="Title 1">
+            <a:extLst>
+              <a:ext uri="{FF2B5EF4-FFF2-40B4-BE49-F238E27FC236}">
+                <a16:creationId xmlns:a16="http://schemas.microsoft.com/office/drawing/2014/main" id="{ED585F68-7E9C-4C7D-98F4-A58CF1DAE152}"/>
+              </a:ext>
+            </a:extLst>
+          </p:cNvPr>
+          <p:cNvSpPr>
+            <a:spLocks noGrp="1"/>
+          </p:cNvSpPr>
+          <p:nvPr>
+            <p:ph type="title"/>
+          </p:nvPr>
+        </p:nvSpPr>
+        <p:spPr>
+          <a:xfrm>
+            <a:off x="0" y="190518"/>
+            <a:ext cx="12192000" cy="1440000"/>
+          </a:xfrm>
+        </p:spPr>
+        <p:txBody>
+          <a:bodyPr>
+            <a:normAutofit/>
+          </a:bodyPr>
+          <a:lstStyle/>
+          <a:p>
+            <a:pPr algn="ctr"/>
+            <a:r>
+              <a:rPr lang="en-GB" sz="3200" dirty="0" smtClean="0">
+                <a:latin typeface="Arial" panose="020B0604020202020204" pitchFamily="34" charset="0"/>
+                <a:cs typeface="Arial" panose="020B0604020202020204" pitchFamily="34" charset="0"/>
+              </a:rPr>
+              <a:t>Different hypotheses about successful aging make</a:t>
+            </a:r>
+            <a:br>
+              <a:rPr lang="en-GB" sz="3200" dirty="0" smtClean="0">
+                <a:latin typeface="Arial" panose="020B0604020202020204" pitchFamily="34" charset="0"/>
+                <a:cs typeface="Arial" panose="020B0604020202020204" pitchFamily="34" charset="0"/>
+              </a:rPr>
+            </a:br>
+            <a:r>
+              <a:rPr lang="en-GB" sz="3200" dirty="0" smtClean="0">
+                <a:latin typeface="Arial" panose="020B0604020202020204" pitchFamily="34" charset="0"/>
+                <a:cs typeface="Arial" panose="020B0604020202020204" pitchFamily="34" charset="0"/>
+              </a:rPr>
+              <a:t>different </a:t>
+            </a:r>
+            <a:r>
+              <a:rPr lang="en-GB" sz="3200" dirty="0">
+                <a:latin typeface="Arial" panose="020B0604020202020204" pitchFamily="34" charset="0"/>
+                <a:cs typeface="Arial" panose="020B0604020202020204" pitchFamily="34" charset="0"/>
+              </a:rPr>
+              <a:t>predictions about </a:t>
+            </a:r>
+            <a:r>
+              <a:rPr lang="en-GB" sz="3200" dirty="0" smtClean="0">
+                <a:latin typeface="Arial" panose="020B0604020202020204" pitchFamily="34" charset="0"/>
+                <a:cs typeface="Arial" panose="020B0604020202020204" pitchFamily="34" charset="0"/>
+              </a:rPr>
+              <a:t>memory performance correlates.</a:t>
+            </a:r>
+            <a:endParaRPr lang="en-GB" sz="3200" dirty="0">
+              <a:latin typeface="Arial" panose="020B0604020202020204" pitchFamily="34" charset="0"/>
+              <a:cs typeface="Arial" panose="020B0604020202020204" pitchFamily="34" charset="0"/>
+            </a:endParaRPr>
+          </a:p>
+        </p:txBody>
+      </p:sp>
+      <p:sp>
+        <p:nvSpPr>
+          <p:cNvPr id="3" name="Slide Number Placeholder 2">
+            <a:extLst>
+              <a:ext uri="{FF2B5EF4-FFF2-40B4-BE49-F238E27FC236}">
+                <a16:creationId xmlns:a16="http://schemas.microsoft.com/office/drawing/2014/main" id="{46E057FF-AF20-4C11-838F-20365F70FC9F}"/>
+              </a:ext>
+            </a:extLst>
+          </p:cNvPr>
+          <p:cNvSpPr>
+            <a:spLocks noGrp="1"/>
+          </p:cNvSpPr>
+          <p:nvPr>
+            <p:ph type="sldNum" sz="quarter" idx="12"/>
+          </p:nvPr>
+        </p:nvSpPr>
+        <p:spPr>
+          <a:xfrm>
+            <a:off x="8610600" y="6319596"/>
+            <a:ext cx="2743200" cy="365125"/>
+          </a:xfrm>
+        </p:spPr>
+        <p:txBody>
+          <a:bodyPr/>
+          <a:lstStyle/>
+          <a:p>
+            <a:fld id="{01BB3CB5-E6C2-429F-B52F-5C30E86D8507}" type="slidenum">
+              <a:rPr lang="en-DE" smtClean="0">
+                <a:latin typeface="Arial" panose="020B0604020202020204" pitchFamily="34" charset="0"/>
+                <a:cs typeface="Arial" panose="020B0604020202020204" pitchFamily="34" charset="0"/>
+              </a:rPr>
+              <a:t>4</a:t>
+            </a:fld>
+            <a:endParaRPr lang="en-DE" dirty="0">
+              <a:latin typeface="Arial" panose="020B0604020202020204" pitchFamily="34" charset="0"/>
+              <a:cs typeface="Arial" panose="020B0604020202020204" pitchFamily="34" charset="0"/>
+            </a:endParaRPr>
+          </a:p>
+        </p:txBody>
+      </p:sp>
+      <p:sp>
+        <p:nvSpPr>
+          <p:cNvPr id="6" name="TextBox 5"/>
+          <p:cNvSpPr txBox="1"/>
+          <p:nvPr/>
+        </p:nvSpPr>
+        <p:spPr>
+          <a:xfrm>
+            <a:off x="344106" y="6312350"/>
+            <a:ext cx="11520000" cy="276999"/>
+          </a:xfrm>
+          <a:prstGeom prst="rect">
+            <a:avLst/>
+          </a:prstGeom>
+          <a:noFill/>
+        </p:spPr>
+        <p:txBody>
+          <a:bodyPr wrap="square" rtlCol="0">
+            <a:spAutoFit/>
+          </a:bodyPr>
+          <a:lstStyle/>
+          <a:p>
+            <a:r>
+              <a:rPr lang="fr-FR" sz="1200" dirty="0" err="1">
+                <a:latin typeface="Arial" panose="020B0604020202020204" pitchFamily="34" charset="0"/>
+                <a:cs typeface="Arial" panose="020B0604020202020204" pitchFamily="34" charset="0"/>
+              </a:rPr>
+              <a:t>Cabeza</a:t>
+            </a:r>
+            <a:r>
+              <a:rPr lang="fr-FR" sz="1200" dirty="0">
+                <a:latin typeface="Arial" panose="020B0604020202020204" pitchFamily="34" charset="0"/>
+                <a:cs typeface="Arial" panose="020B0604020202020204" pitchFamily="34" charset="0"/>
+              </a:rPr>
+              <a:t> et al., OUP, 2004; </a:t>
+            </a:r>
+            <a:r>
+              <a:rPr lang="fr-FR" sz="1200" dirty="0" err="1">
+                <a:latin typeface="Arial" panose="020B0604020202020204" pitchFamily="34" charset="0"/>
+                <a:cs typeface="Arial" panose="020B0604020202020204" pitchFamily="34" charset="0"/>
+              </a:rPr>
+              <a:t>Nyberg</a:t>
+            </a:r>
+            <a:r>
+              <a:rPr lang="fr-FR" sz="1200" dirty="0">
+                <a:latin typeface="Arial" panose="020B0604020202020204" pitchFamily="34" charset="0"/>
+                <a:cs typeface="Arial" panose="020B0604020202020204" pitchFamily="34" charset="0"/>
+              </a:rPr>
+              <a:t> et al., TICS, 2012; </a:t>
+            </a:r>
+            <a:r>
+              <a:rPr lang="fr-FR" sz="1200" dirty="0" err="1">
+                <a:latin typeface="Arial" panose="020B0604020202020204" pitchFamily="34" charset="0"/>
+                <a:cs typeface="Arial" panose="020B0604020202020204" pitchFamily="34" charset="0"/>
+              </a:rPr>
+              <a:t>Cabeza</a:t>
+            </a:r>
+            <a:r>
+              <a:rPr lang="fr-FR" sz="1200" dirty="0">
+                <a:latin typeface="Arial" panose="020B0604020202020204" pitchFamily="34" charset="0"/>
+                <a:cs typeface="Arial" panose="020B0604020202020204" pitchFamily="34" charset="0"/>
+              </a:rPr>
+              <a:t> et al., </a:t>
+            </a:r>
+            <a:r>
+              <a:rPr lang="fr-FR" sz="1200" dirty="0" err="1">
+                <a:latin typeface="Arial" panose="020B0604020202020204" pitchFamily="34" charset="0"/>
+                <a:cs typeface="Arial" panose="020B0604020202020204" pitchFamily="34" charset="0"/>
+              </a:rPr>
+              <a:t>NatRevNeurosci</a:t>
+            </a:r>
+            <a:r>
+              <a:rPr lang="fr-FR" sz="1200" dirty="0">
+                <a:latin typeface="Arial" panose="020B0604020202020204" pitchFamily="34" charset="0"/>
+                <a:cs typeface="Arial" panose="020B0604020202020204" pitchFamily="34" charset="0"/>
+              </a:rPr>
+              <a:t>, 2018; </a:t>
+            </a:r>
+            <a:r>
+              <a:rPr lang="fr-FR" sz="1200" dirty="0" err="1">
+                <a:latin typeface="Arial" panose="020B0604020202020204" pitchFamily="34" charset="0"/>
+                <a:cs typeface="Arial" panose="020B0604020202020204" pitchFamily="34" charset="0"/>
+              </a:rPr>
+              <a:t>Nyberg</a:t>
+            </a:r>
+            <a:r>
+              <a:rPr lang="fr-FR" sz="1200" dirty="0">
+                <a:latin typeface="Arial" panose="020B0604020202020204" pitchFamily="34" charset="0"/>
+                <a:cs typeface="Arial" panose="020B0604020202020204" pitchFamily="34" charset="0"/>
+              </a:rPr>
+              <a:t> &amp; </a:t>
+            </a:r>
+            <a:r>
+              <a:rPr lang="fr-FR" sz="1200" dirty="0" err="1">
+                <a:latin typeface="Arial" panose="020B0604020202020204" pitchFamily="34" charset="0"/>
+                <a:cs typeface="Arial" panose="020B0604020202020204" pitchFamily="34" charset="0"/>
+              </a:rPr>
+              <a:t>Pudas</a:t>
+            </a:r>
+            <a:r>
+              <a:rPr lang="fr-FR" sz="1200" dirty="0">
+                <a:latin typeface="Arial" panose="020B0604020202020204" pitchFamily="34" charset="0"/>
+                <a:cs typeface="Arial" panose="020B0604020202020204" pitchFamily="34" charset="0"/>
+              </a:rPr>
+              <a:t>, </a:t>
+            </a:r>
+            <a:r>
+              <a:rPr lang="fr-FR" sz="1200" dirty="0" err="1">
+                <a:latin typeface="Arial" panose="020B0604020202020204" pitchFamily="34" charset="0"/>
+                <a:cs typeface="Arial" panose="020B0604020202020204" pitchFamily="34" charset="0"/>
+              </a:rPr>
+              <a:t>AnnRevPsych</a:t>
+            </a:r>
+            <a:r>
+              <a:rPr lang="fr-FR" sz="1200" dirty="0">
+                <a:latin typeface="Arial" panose="020B0604020202020204" pitchFamily="34" charset="0"/>
+                <a:cs typeface="Arial" panose="020B0604020202020204" pitchFamily="34" charset="0"/>
+              </a:rPr>
+              <a:t>, </a:t>
+            </a:r>
+            <a:r>
+              <a:rPr lang="fr-FR" sz="1200" dirty="0" smtClean="0">
+                <a:latin typeface="Arial" panose="020B0604020202020204" pitchFamily="34" charset="0"/>
+                <a:cs typeface="Arial" panose="020B0604020202020204" pitchFamily="34" charset="0"/>
+              </a:rPr>
+              <a:t>2019.</a:t>
+            </a:r>
+            <a:endParaRPr lang="en-GB" sz="1200" dirty="0">
+              <a:latin typeface="Arial" panose="020B0604020202020204" pitchFamily="34" charset="0"/>
+              <a:cs typeface="Arial" panose="020B0604020202020204" pitchFamily="34" charset="0"/>
+            </a:endParaRPr>
+          </a:p>
+        </p:txBody>
+      </p:sp>
+      <p:pic>
+        <p:nvPicPr>
+          <p:cNvPr id="9" name="Picture 8"/>
+          <p:cNvPicPr>
+            <a:picLocks noChangeAspect="1"/>
+          </p:cNvPicPr>
+          <p:nvPr/>
+        </p:nvPicPr>
+        <p:blipFill rotWithShape="1">
+          <a:blip r:embed="rId2"/>
+          <a:srcRect t="15030" b="6484"/>
+          <a:stretch/>
+        </p:blipFill>
+        <p:spPr>
+          <a:xfrm>
+            <a:off x="4125359" y="4159261"/>
+            <a:ext cx="1068391" cy="1116000"/>
+          </a:xfrm>
+          <a:prstGeom prst="rect">
+            <a:avLst/>
+          </a:prstGeom>
+        </p:spPr>
+      </p:pic>
+      <p:pic>
+        <p:nvPicPr>
+          <p:cNvPr id="10" name="Picture 9"/>
+          <p:cNvPicPr>
+            <a:picLocks noChangeAspect="1"/>
+          </p:cNvPicPr>
+          <p:nvPr/>
+        </p:nvPicPr>
+        <p:blipFill rotWithShape="1">
+          <a:blip r:embed="rId3"/>
+          <a:srcRect l="7249" t="2557" r="7216" b="3491"/>
+          <a:stretch/>
+        </p:blipFill>
+        <p:spPr>
+          <a:xfrm>
+            <a:off x="4120123" y="2712424"/>
+            <a:ext cx="1071057" cy="1116000"/>
+          </a:xfrm>
+          <a:prstGeom prst="rect">
+            <a:avLst/>
+          </a:prstGeom>
+        </p:spPr>
+      </p:pic>
+      <p:sp>
+        <p:nvSpPr>
+          <p:cNvPr id="13" name="TextBox 12"/>
+          <p:cNvSpPr txBox="1"/>
+          <p:nvPr/>
+        </p:nvSpPr>
+        <p:spPr>
+          <a:xfrm>
+            <a:off x="2314423" y="2947258"/>
+            <a:ext cx="1800000" cy="646331"/>
+          </a:xfrm>
+          <a:prstGeom prst="rect">
+            <a:avLst/>
+          </a:prstGeom>
+          <a:noFill/>
+        </p:spPr>
+        <p:txBody>
+          <a:bodyPr wrap="square" rtlCol="0">
+            <a:spAutoFit/>
+          </a:bodyPr>
+          <a:lstStyle/>
+          <a:p>
+            <a:pPr algn="ctr"/>
+            <a:r>
+              <a:rPr lang="en-GB" dirty="0">
+                <a:latin typeface="Arial" panose="020B0604020202020204" pitchFamily="34" charset="0"/>
+                <a:cs typeface="Arial" panose="020B0604020202020204" pitchFamily="34" charset="0"/>
+              </a:rPr>
+              <a:t>b</a:t>
+            </a:r>
+            <a:r>
+              <a:rPr lang="en-GB" dirty="0" smtClean="0">
+                <a:latin typeface="Arial" panose="020B0604020202020204" pitchFamily="34" charset="0"/>
+                <a:cs typeface="Arial" panose="020B0604020202020204" pitchFamily="34" charset="0"/>
+              </a:rPr>
+              <a:t>rain maintenance</a:t>
+            </a:r>
+          </a:p>
+        </p:txBody>
+      </p:sp>
+      <p:sp>
+        <p:nvSpPr>
+          <p:cNvPr id="14" name="TextBox 13"/>
+          <p:cNvSpPr txBox="1"/>
+          <p:nvPr/>
+        </p:nvSpPr>
+        <p:spPr>
+          <a:xfrm>
+            <a:off x="2314423" y="4394095"/>
+            <a:ext cx="1800000" cy="646331"/>
+          </a:xfrm>
+          <a:prstGeom prst="rect">
+            <a:avLst/>
+          </a:prstGeom>
+          <a:noFill/>
+        </p:spPr>
+        <p:txBody>
+          <a:bodyPr wrap="square" rtlCol="0">
+            <a:spAutoFit/>
+          </a:bodyPr>
+          <a:lstStyle/>
+          <a:p>
+            <a:pPr algn="ctr"/>
+            <a:r>
+              <a:rPr lang="en-GB" dirty="0" smtClean="0">
+                <a:latin typeface="Arial" panose="020B0604020202020204" pitchFamily="34" charset="0"/>
+                <a:cs typeface="Arial" panose="020B0604020202020204" pitchFamily="34" charset="0"/>
+              </a:rPr>
+              <a:t>cognitive</a:t>
+            </a:r>
+          </a:p>
+          <a:p>
+            <a:pPr algn="ctr"/>
+            <a:r>
+              <a:rPr lang="en-GB" dirty="0" smtClean="0">
+                <a:latin typeface="Arial" panose="020B0604020202020204" pitchFamily="34" charset="0"/>
+                <a:cs typeface="Arial" panose="020B0604020202020204" pitchFamily="34" charset="0"/>
+              </a:rPr>
+              <a:t>reserve</a:t>
+            </a:r>
+          </a:p>
+        </p:txBody>
+      </p:sp>
+      <p:sp>
+        <p:nvSpPr>
+          <p:cNvPr id="19" name="Rectangle 18"/>
+          <p:cNvSpPr/>
+          <p:nvPr/>
+        </p:nvSpPr>
+        <p:spPr>
+          <a:xfrm>
+            <a:off x="5423337" y="2619532"/>
+            <a:ext cx="4932354" cy="1301782"/>
+          </a:xfrm>
+          <a:prstGeom prst="rect">
+            <a:avLst/>
+          </a:prstGeom>
+          <a:solidFill>
+            <a:schemeClr val="bg1"/>
+          </a:solidFill>
+          <a:ln>
+            <a:noFill/>
+          </a:ln>
+        </p:spPr>
+        <p:style>
+          <a:lnRef idx="2">
+            <a:schemeClr val="accent1">
+              <a:shade val="50000"/>
+            </a:schemeClr>
+          </a:lnRef>
+          <a:fillRef idx="1">
+            <a:schemeClr val="accent1"/>
+          </a:fillRef>
+          <a:effectRef idx="0">
+            <a:schemeClr val="accent1"/>
+          </a:effectRef>
+          <a:fontRef idx="minor">
+            <a:schemeClr val="lt1"/>
+          </a:fontRef>
+        </p:style>
+        <p:txBody>
+          <a:bodyPr rtlCol="0" anchor="ctr"/>
+          <a:lstStyle/>
+          <a:p>
+            <a:pPr algn="ctr"/>
+            <a:r>
+              <a:rPr lang="en-DE" dirty="0">
+                <a:solidFill>
+                  <a:schemeClr val="tx1"/>
+                </a:solidFill>
+                <a:latin typeface="Arial" panose="020B0604020202020204" pitchFamily="34" charset="0"/>
+                <a:cs typeface="Arial" panose="020B0604020202020204" pitchFamily="34" charset="0"/>
+              </a:rPr>
+              <a:t>…</a:t>
+            </a:r>
+            <a:r>
+              <a:rPr lang="en-GB" dirty="0">
+                <a:solidFill>
+                  <a:schemeClr val="tx1"/>
+                </a:solidFill>
+                <a:latin typeface="Arial" panose="020B0604020202020204" pitchFamily="34" charset="0"/>
+                <a:cs typeface="Arial" panose="020B0604020202020204" pitchFamily="34" charset="0"/>
+              </a:rPr>
+              <a:t> differences in structural MRI patterns</a:t>
+            </a:r>
+            <a:r>
+              <a:rPr lang="en-GB" dirty="0" smtClean="0">
+                <a:solidFill>
+                  <a:schemeClr val="tx1"/>
+                </a:solidFill>
+                <a:latin typeface="Arial" panose="020B0604020202020204" pitchFamily="34" charset="0"/>
+                <a:cs typeface="Arial" panose="020B0604020202020204" pitchFamily="34" charset="0"/>
+              </a:rPr>
+              <a:t>.</a:t>
+            </a:r>
+            <a:endParaRPr lang="en-GB" dirty="0">
+              <a:solidFill>
+                <a:schemeClr val="tx1"/>
+              </a:solidFill>
+              <a:latin typeface="Arial" panose="020B0604020202020204" pitchFamily="34" charset="0"/>
+              <a:cs typeface="Arial" panose="020B0604020202020204" pitchFamily="34" charset="0"/>
+            </a:endParaRPr>
+          </a:p>
+        </p:txBody>
+      </p:sp>
+      <p:sp>
+        <p:nvSpPr>
+          <p:cNvPr id="20" name="Rectangle 19"/>
+          <p:cNvSpPr/>
+          <p:nvPr/>
+        </p:nvSpPr>
+        <p:spPr>
+          <a:xfrm>
+            <a:off x="5423337" y="4066369"/>
+            <a:ext cx="4932354" cy="1301782"/>
+          </a:xfrm>
+          <a:prstGeom prst="rect">
+            <a:avLst/>
+          </a:prstGeom>
+          <a:solidFill>
+            <a:schemeClr val="bg1"/>
+          </a:solidFill>
+          <a:ln>
+            <a:noFill/>
+          </a:ln>
+        </p:spPr>
+        <p:style>
+          <a:lnRef idx="2">
+            <a:schemeClr val="accent1">
+              <a:shade val="50000"/>
+            </a:schemeClr>
+          </a:lnRef>
+          <a:fillRef idx="1">
+            <a:schemeClr val="accent1"/>
+          </a:fillRef>
+          <a:effectRef idx="0">
+            <a:schemeClr val="accent1"/>
+          </a:effectRef>
+          <a:fontRef idx="minor">
+            <a:schemeClr val="lt1"/>
+          </a:fontRef>
+        </p:style>
+        <p:txBody>
+          <a:bodyPr rtlCol="0" anchor="ctr"/>
+          <a:lstStyle/>
+          <a:p>
+            <a:pPr algn="ctr"/>
+            <a:r>
+              <a:rPr lang="en-DE" dirty="0">
+                <a:solidFill>
+                  <a:schemeClr val="tx1"/>
+                </a:solidFill>
+                <a:latin typeface="Arial" panose="020B0604020202020204" pitchFamily="34" charset="0"/>
+                <a:cs typeface="Arial" panose="020B0604020202020204" pitchFamily="34" charset="0"/>
+              </a:rPr>
+              <a:t>…</a:t>
+            </a:r>
+            <a:r>
+              <a:rPr lang="en-GB" dirty="0">
+                <a:solidFill>
+                  <a:schemeClr val="tx1"/>
+                </a:solidFill>
+                <a:latin typeface="Arial" panose="020B0604020202020204" pitchFamily="34" charset="0"/>
+                <a:cs typeface="Arial" panose="020B0604020202020204" pitchFamily="34" charset="0"/>
+              </a:rPr>
+              <a:t> differences in functional MRI responses</a:t>
+            </a:r>
+            <a:r>
+              <a:rPr lang="en-GB" dirty="0" smtClean="0">
+                <a:solidFill>
+                  <a:schemeClr val="tx1"/>
+                </a:solidFill>
+                <a:latin typeface="Arial" panose="020B0604020202020204" pitchFamily="34" charset="0"/>
+                <a:cs typeface="Arial" panose="020B0604020202020204" pitchFamily="34" charset="0"/>
+              </a:rPr>
+              <a:t>.</a:t>
+            </a:r>
+            <a:endParaRPr lang="en-GB" dirty="0">
+              <a:solidFill>
+                <a:schemeClr val="tx1"/>
+              </a:solidFill>
+              <a:latin typeface="Arial" panose="020B0604020202020204" pitchFamily="34" charset="0"/>
+              <a:cs typeface="Arial" panose="020B0604020202020204" pitchFamily="34" charset="0"/>
+            </a:endParaRPr>
+          </a:p>
+        </p:txBody>
+      </p:sp>
+    </p:spTree>
+    <p:extLst>
+      <p:ext uri="{BB962C8B-B14F-4D97-AF65-F5344CB8AC3E}">
+        <p14:creationId xmlns:p14="http://schemas.microsoft.com/office/powerpoint/2010/main" val="1344404034"/>
+      </p:ext>
+    </p:extLst>
+  </p:cSld>
+  <p:clrMapOvr>
+    <a:masterClrMapping/>
+  </p:clrMapOvr>
+  <p:timing>
+    <p:tnLst>
+      <p:par>
+        <p:cTn id="1" dur="indefinite" restart="never" nodeType="tmRoot">
+          <p:childTnLst>
+            <p:seq concurrent="1" nextAc="seek">
+              <p:cTn id="2" dur="indefinite" nodeType="mainSeq">
+                <p:childTnLst>
+                  <p:par>
+                    <p:cTn id="3" fill="hold">
+                      <p:stCondLst>
+                        <p:cond delay="indefinite"/>
+                      </p:stCondLst>
+                      <p:childTnLst>
+                        <p:par>
+                          <p:cTn id="4" fill="hold">
+                            <p:stCondLst>
+                              <p:cond delay="0"/>
+                            </p:stCondLst>
+                            <p:childTnLst>
+                              <p:par>
+                                <p:cTn id="5" presetID="1" presetClass="entr" presetSubtype="0" fill="hold" nodeType="clickEffect">
+                                  <p:stCondLst>
+                                    <p:cond delay="0"/>
+                                  </p:stCondLst>
+                                  <p:childTnLst>
+                                    <p:set>
+                                      <p:cBhvr>
+                                        <p:cTn id="6" dur="1" fill="hold">
+                                          <p:stCondLst>
+                                            <p:cond delay="0"/>
+                                          </p:stCondLst>
+                                        </p:cTn>
+                                        <p:tgtEl>
+                                          <p:spTgt spid="10"/>
+                                        </p:tgtEl>
+                                        <p:attrNameLst>
+                                          <p:attrName>style.visibility</p:attrName>
+                                        </p:attrNameLst>
+                                      </p:cBhvr>
+                                      <p:to>
+                                        <p:strVal val="visible"/>
+                                      </p:to>
+                                    </p:set>
+                                  </p:childTnLst>
+                                </p:cTn>
+                              </p:par>
+                              <p:par>
+                                <p:cTn id="7" presetID="1" presetClass="entr" presetSubtype="0" fill="hold" grpId="0" nodeType="withEffect">
+                                  <p:stCondLst>
+                                    <p:cond delay="0"/>
+                                  </p:stCondLst>
+                                  <p:childTnLst>
+                                    <p:set>
+                                      <p:cBhvr>
+                                        <p:cTn id="8" dur="1" fill="hold">
+                                          <p:stCondLst>
+                                            <p:cond delay="0"/>
+                                          </p:stCondLst>
+                                        </p:cTn>
+                                        <p:tgtEl>
+                                          <p:spTgt spid="19"/>
+                                        </p:tgtEl>
+                                        <p:attrNameLst>
+                                          <p:attrName>style.visibility</p:attrName>
+                                        </p:attrNameLst>
+                                      </p:cBhvr>
+                                      <p:to>
+                                        <p:strVal val="visible"/>
+                                      </p:to>
+                                    </p:set>
+                                  </p:childTnLst>
+                                </p:cTn>
+                              </p:par>
+                            </p:childTnLst>
+                          </p:cTn>
+                        </p:par>
+                      </p:childTnLst>
+                    </p:cTn>
+                  </p:par>
+                  <p:par>
+                    <p:cTn id="9" fill="hold">
+                      <p:stCondLst>
+                        <p:cond delay="indefinite"/>
+                      </p:stCondLst>
+                      <p:childTnLst>
+                        <p:par>
+                          <p:cTn id="10" fill="hold">
+                            <p:stCondLst>
+                              <p:cond delay="0"/>
+                            </p:stCondLst>
+                            <p:childTnLst>
+                              <p:par>
+                                <p:cTn id="11" presetID="1" presetClass="entr" presetSubtype="0" fill="hold" nodeType="clickEffect">
+                                  <p:stCondLst>
+                                    <p:cond delay="0"/>
+                                  </p:stCondLst>
+                                  <p:childTnLst>
+                                    <p:set>
+                                      <p:cBhvr>
+                                        <p:cTn id="12" dur="1" fill="hold">
+                                          <p:stCondLst>
+                                            <p:cond delay="0"/>
+                                          </p:stCondLst>
+                                        </p:cTn>
+                                        <p:tgtEl>
+                                          <p:spTgt spid="9"/>
+                                        </p:tgtEl>
+                                        <p:attrNameLst>
+                                          <p:attrName>style.visibility</p:attrName>
+                                        </p:attrNameLst>
+                                      </p:cBhvr>
+                                      <p:to>
+                                        <p:strVal val="visible"/>
+                                      </p:to>
+                                    </p:set>
+                                  </p:childTnLst>
+                                </p:cTn>
+                              </p:par>
+                              <p:par>
+                                <p:cTn id="13" presetID="1" presetClass="entr" presetSubtype="0" fill="hold" grpId="0" nodeType="withEffect">
+                                  <p:stCondLst>
+                                    <p:cond delay="0"/>
+                                  </p:stCondLst>
+                                  <p:childTnLst>
+                                    <p:set>
+                                      <p:cBhvr>
+                                        <p:cTn id="14" dur="1" fill="hold">
+                                          <p:stCondLst>
+                                            <p:cond delay="0"/>
+                                          </p:stCondLst>
+                                        </p:cTn>
+                                        <p:tgtEl>
+                                          <p:spTgt spid="20"/>
+                                        </p:tgtEl>
+                                        <p:attrNameLst>
+                                          <p:attrName>style.visibility</p:attrName>
+                                        </p:attrNameLst>
+                                      </p:cBhvr>
+                                      <p:to>
+                                        <p:strVal val="visible"/>
+                                      </p:to>
+                                    </p:set>
+                                  </p:childTnLst>
+                                </p:cTn>
+                              </p:par>
+                            </p:childTnLst>
+                          </p:cTn>
+                        </p:par>
+                      </p:childTnLst>
+                    </p:cTn>
+                  </p:par>
+                </p:childTnLst>
+              </p:cTn>
+              <p:prevCondLst>
+                <p:cond evt="onPrev" delay="0">
+                  <p:tgtEl>
+                    <p:sldTgt/>
+                  </p:tgtEl>
+                </p:cond>
+              </p:prevCondLst>
+              <p:nextCondLst>
+                <p:cond evt="onNext" delay="0">
+                  <p:tgtEl>
+                    <p:sldTgt/>
+                  </p:tgtEl>
+                </p:cond>
+              </p:nextCondLst>
+            </p:seq>
+          </p:childTnLst>
+        </p:cTn>
+      </p:par>
+    </p:tnLst>
+    <p:bldLst>
+      <p:bldP spid="19" grpId="0" animBg="1"/>
+      <p:bldP spid="20" grpId="0" animBg="1"/>
+    </p:bldLst>
+  </p:timing>
+</p:sld>
+</file>
+
+<file path=ppt/slides/slide5.xml><?xml version="1.0" encoding="utf-8"?>
+<p:sld xmlns:a="http://schemas.openxmlformats.org/drawingml/2006/main" xmlns:r="http://schemas.openxmlformats.org/officeDocument/2006/relationships" xmlns:p="http://schemas.openxmlformats.org/presentationml/2006/main">
+  <p:cSld>
+    <p:spTree>
+      <p:nvGrpSpPr>
+        <p:cNvPr id="1" name=""/>
+        <p:cNvGrpSpPr/>
+        <p:nvPr/>
+      </p:nvGrpSpPr>
+      <p:grpSpPr>
+        <a:xfrm>
+          <a:off x="0" y="0"/>
+          <a:ext cx="0" cy="0"/>
+          <a:chOff x="0" y="0"/>
+          <a:chExt cx="0" cy="0"/>
+        </a:xfrm>
+      </p:grpSpPr>
+      <p:pic>
+        <p:nvPicPr>
+          <p:cNvPr id="6" name="Content Placeholder 5"/>
+          <p:cNvPicPr>
+            <a:picLocks noGrp="1" noChangeAspect="1"/>
+          </p:cNvPicPr>
+          <p:nvPr>
+            <p:ph idx="1"/>
+          </p:nvPr>
+        </p:nvPicPr>
+        <p:blipFill rotWithShape="1">
+          <a:blip r:embed="rId2" cstate="print">
+            <a:extLst>
+              <a:ext uri="{28A0092B-C50C-407E-A947-70E740481C1C}">
+                <a14:useLocalDpi xmlns:a14="http://schemas.microsoft.com/office/drawing/2010/main" val="0"/>
+              </a:ext>
+            </a:extLst>
+          </a:blip>
+          <a:srcRect b="4020"/>
+          <a:stretch/>
+        </p:blipFill>
+        <p:spPr>
+          <a:xfrm>
+            <a:off x="2499646" y="1271434"/>
+            <a:ext cx="7200000" cy="5182892"/>
+          </a:xfrm>
+        </p:spPr>
+      </p:pic>
+      <p:sp>
+        <p:nvSpPr>
+          <p:cNvPr id="2" name="Title 1">
+            <a:extLst>
+              <a:ext uri="{FF2B5EF4-FFF2-40B4-BE49-F238E27FC236}">
+                <a16:creationId xmlns:a16="http://schemas.microsoft.com/office/drawing/2014/main" id="{ED585F68-7E9C-4C7D-98F4-A58CF1DAE152}"/>
+              </a:ext>
+            </a:extLst>
+          </p:cNvPr>
+          <p:cNvSpPr>
+            <a:spLocks noGrp="1"/>
+          </p:cNvSpPr>
+          <p:nvPr>
+            <p:ph type="title"/>
+          </p:nvPr>
+        </p:nvSpPr>
+        <p:spPr>
+          <a:xfrm>
+            <a:off x="0" y="190518"/>
+            <a:ext cx="12192000" cy="1440000"/>
+          </a:xfrm>
+        </p:spPr>
+        <p:txBody>
+          <a:bodyPr>
+            <a:normAutofit/>
+          </a:bodyPr>
+          <a:lstStyle/>
+          <a:p>
+            <a:pPr algn="ctr"/>
+            <a:r>
+              <a:rPr lang="en-GB" sz="3200" dirty="0" smtClean="0">
+                <a:latin typeface="Arial" panose="020B0604020202020204" pitchFamily="34" charset="0"/>
+                <a:cs typeface="Arial" panose="020B0604020202020204" pitchFamily="34" charset="0"/>
+              </a:rPr>
+              <a:t>We measured brain activity of young and older subjects while</a:t>
+            </a:r>
+            <a:br>
+              <a:rPr lang="en-GB" sz="3200" dirty="0" smtClean="0">
+                <a:latin typeface="Arial" panose="020B0604020202020204" pitchFamily="34" charset="0"/>
+                <a:cs typeface="Arial" panose="020B0604020202020204" pitchFamily="34" charset="0"/>
+              </a:rPr>
+            </a:br>
+            <a:r>
+              <a:rPr lang="en-GB" sz="3200" dirty="0" smtClean="0">
+                <a:latin typeface="Arial" panose="020B0604020202020204" pitchFamily="34" charset="0"/>
+                <a:cs typeface="Arial" panose="020B0604020202020204" pitchFamily="34" charset="0"/>
+              </a:rPr>
+              <a:t>they were seeing novel vs. pre-familiarized (master) images.</a:t>
+            </a:r>
+            <a:endParaRPr lang="en-GB" sz="3200" dirty="0">
+              <a:latin typeface="Arial" panose="020B0604020202020204" pitchFamily="34" charset="0"/>
+              <a:cs typeface="Arial" panose="020B0604020202020204" pitchFamily="34" charset="0"/>
+            </a:endParaRPr>
+          </a:p>
+        </p:txBody>
+      </p:sp>
+      <p:sp>
+        <p:nvSpPr>
+          <p:cNvPr id="3" name="Slide Number Placeholder 2">
+            <a:extLst>
+              <a:ext uri="{FF2B5EF4-FFF2-40B4-BE49-F238E27FC236}">
+                <a16:creationId xmlns:a16="http://schemas.microsoft.com/office/drawing/2014/main" id="{46E057FF-AF20-4C11-838F-20365F70FC9F}"/>
+              </a:ext>
+            </a:extLst>
+          </p:cNvPr>
+          <p:cNvSpPr>
+            <a:spLocks noGrp="1"/>
+          </p:cNvSpPr>
+          <p:nvPr>
+            <p:ph type="sldNum" sz="quarter" idx="12"/>
+          </p:nvPr>
+        </p:nvSpPr>
+        <p:spPr>
+          <a:xfrm>
+            <a:off x="8610600" y="6319596"/>
+            <a:ext cx="2743200" cy="365125"/>
+          </a:xfrm>
+        </p:spPr>
+        <p:txBody>
+          <a:bodyPr/>
+          <a:lstStyle/>
+          <a:p>
+            <a:fld id="{01BB3CB5-E6C2-429F-B52F-5C30E86D8507}" type="slidenum">
+              <a:rPr lang="en-DE" smtClean="0">
+                <a:latin typeface="Arial" panose="020B0604020202020204" pitchFamily="34" charset="0"/>
+                <a:cs typeface="Arial" panose="020B0604020202020204" pitchFamily="34" charset="0"/>
+              </a:rPr>
+              <a:t>5</a:t>
+            </a:fld>
+            <a:endParaRPr lang="en-DE" dirty="0">
+              <a:latin typeface="Arial" panose="020B0604020202020204" pitchFamily="34" charset="0"/>
+              <a:cs typeface="Arial" panose="020B0604020202020204" pitchFamily="34" charset="0"/>
+            </a:endParaRPr>
+          </a:p>
+        </p:txBody>
+      </p:sp>
+      <p:sp>
+        <p:nvSpPr>
+          <p:cNvPr id="9" name="TextBox 8"/>
+          <p:cNvSpPr txBox="1"/>
+          <p:nvPr/>
+        </p:nvSpPr>
+        <p:spPr>
+          <a:xfrm>
+            <a:off x="344106" y="6312350"/>
+            <a:ext cx="11520000" cy="276999"/>
+          </a:xfrm>
+          <a:prstGeom prst="rect">
+            <a:avLst/>
+          </a:prstGeom>
+          <a:noFill/>
+        </p:spPr>
+        <p:txBody>
+          <a:bodyPr wrap="square" rtlCol="0">
+            <a:spAutoFit/>
+          </a:bodyPr>
+          <a:lstStyle/>
+          <a:p>
+            <a:r>
+              <a:rPr lang="en-GB" sz="1200" dirty="0">
+                <a:latin typeface="Arial" panose="020B0604020202020204" pitchFamily="34" charset="0"/>
+                <a:cs typeface="Arial" panose="020B0604020202020204" pitchFamily="34" charset="0"/>
+              </a:rPr>
+              <a:t>Soch*, Richter* et al</a:t>
+            </a:r>
+            <a:r>
+              <a:rPr lang="en-GB" sz="1200" dirty="0" smtClean="0">
+                <a:latin typeface="Arial" panose="020B0604020202020204" pitchFamily="34" charset="0"/>
+                <a:cs typeface="Arial" panose="020B0604020202020204" pitchFamily="34" charset="0"/>
+              </a:rPr>
+              <a:t>., </a:t>
+            </a:r>
+            <a:r>
+              <a:rPr lang="en-GB" sz="1200" dirty="0" err="1" smtClean="0">
+                <a:latin typeface="Arial" panose="020B0604020202020204" pitchFamily="34" charset="0"/>
+                <a:cs typeface="Arial" panose="020B0604020202020204" pitchFamily="34" charset="0"/>
+              </a:rPr>
+              <a:t>NeuImg</a:t>
+            </a:r>
+            <a:r>
+              <a:rPr lang="en-GB" sz="1200" dirty="0" smtClean="0">
+                <a:latin typeface="Arial" panose="020B0604020202020204" pitchFamily="34" charset="0"/>
+                <a:cs typeface="Arial" panose="020B0604020202020204" pitchFamily="34" charset="0"/>
+              </a:rPr>
+              <a:t>, 2021, Fig. 1.</a:t>
+            </a:r>
+            <a:endParaRPr lang="en-GB" sz="1200" dirty="0">
+              <a:latin typeface="Arial" panose="020B0604020202020204" pitchFamily="34" charset="0"/>
+              <a:cs typeface="Arial" panose="020B0604020202020204" pitchFamily="34" charset="0"/>
+            </a:endParaRPr>
+          </a:p>
+        </p:txBody>
+      </p:sp>
+    </p:spTree>
+    <p:extLst>
+      <p:ext uri="{BB962C8B-B14F-4D97-AF65-F5344CB8AC3E}">
+        <p14:creationId xmlns:p14="http://schemas.microsoft.com/office/powerpoint/2010/main" val="1877595763"/>
+      </p:ext>
+    </p:extLst>
+  </p:cSld>
+  <p:clrMapOvr>
+    <a:masterClrMapping/>
+  </p:clrMapOvr>
+  <p:timing>
+    <p:tnLst>
+      <p:par>
+        <p:cTn id="1" dur="indefinite" restart="never" nodeType="tmRoot"/>
+      </p:par>
+    </p:tnLst>
+  </p:timing>
+</p:sld>
+</file>
+
+<file path=ppt/slides/slide6.xml><?xml version="1.0" encoding="utf-8"?>
+<p:sld xmlns:a="http://schemas.openxmlformats.org/drawingml/2006/main" xmlns:r="http://schemas.openxmlformats.org/officeDocument/2006/relationships" xmlns:p="http://schemas.openxmlformats.org/presentationml/2006/main">
+  <p:cSld>
+    <p:spTree>
+      <p:nvGrpSpPr>
+        <p:cNvPr id="1" name=""/>
+        <p:cNvGrpSpPr/>
+        <p:nvPr/>
+      </p:nvGrpSpPr>
+      <p:grpSpPr>
+        <a:xfrm>
+          <a:off x="0" y="0"/>
+          <a:ext cx="0" cy="0"/>
+          <a:chOff x="0" y="0"/>
+          <a:chExt cx="0" cy="0"/>
+        </a:xfrm>
+      </p:grpSpPr>
+      <p:pic>
+        <p:nvPicPr>
+          <p:cNvPr id="5" name="Content Placeholder 4"/>
+          <p:cNvPicPr>
+            <a:picLocks noGrp="1" noChangeAspect="1"/>
+          </p:cNvPicPr>
+          <p:nvPr>
+            <p:ph idx="1"/>
+          </p:nvPr>
+        </p:nvPicPr>
+        <p:blipFill rotWithShape="1">
+          <a:blip r:embed="rId2" cstate="print">
+            <a:extLst>
+              <a:ext uri="{28A0092B-C50C-407E-A947-70E740481C1C}">
+                <a14:useLocalDpi xmlns:a14="http://schemas.microsoft.com/office/drawing/2010/main" val="0"/>
+              </a:ext>
+            </a:extLst>
+          </a:blip>
+          <a:srcRect b="2780"/>
+          <a:stretch/>
+        </p:blipFill>
+        <p:spPr>
+          <a:xfrm>
+            <a:off x="2499275" y="1266880"/>
+            <a:ext cx="7200000" cy="5249893"/>
+          </a:xfrm>
+        </p:spPr>
+      </p:pic>
+      <p:sp>
+        <p:nvSpPr>
+          <p:cNvPr id="2" name="Title 1">
+            <a:extLst>
+              <a:ext uri="{FF2B5EF4-FFF2-40B4-BE49-F238E27FC236}">
+                <a16:creationId xmlns:a16="http://schemas.microsoft.com/office/drawing/2014/main" id="{ED585F68-7E9C-4C7D-98F4-A58CF1DAE152}"/>
+              </a:ext>
+            </a:extLst>
+          </p:cNvPr>
+          <p:cNvSpPr>
+            <a:spLocks noGrp="1"/>
+          </p:cNvSpPr>
+          <p:nvPr>
+            <p:ph type="title"/>
+          </p:nvPr>
+        </p:nvSpPr>
+        <p:spPr>
+          <a:xfrm>
+            <a:off x="0" y="190518"/>
+            <a:ext cx="12192000" cy="1440000"/>
+          </a:xfrm>
+        </p:spPr>
+        <p:txBody>
+          <a:bodyPr>
+            <a:normAutofit/>
+          </a:bodyPr>
+          <a:lstStyle/>
+          <a:p>
+            <a:pPr algn="ctr"/>
+            <a:r>
+              <a:rPr lang="en-GB" sz="3200" dirty="0" smtClean="0">
+                <a:latin typeface="Arial" panose="020B0604020202020204" pitchFamily="34" charset="0"/>
+                <a:cs typeface="Arial" panose="020B0604020202020204" pitchFamily="34" charset="0"/>
+              </a:rPr>
+              <a:t>In a subsequent memory test, subjects were shown all old</a:t>
+            </a:r>
+            <a:br>
+              <a:rPr lang="en-GB" sz="3200" dirty="0" smtClean="0">
+                <a:latin typeface="Arial" panose="020B0604020202020204" pitchFamily="34" charset="0"/>
+                <a:cs typeface="Arial" panose="020B0604020202020204" pitchFamily="34" charset="0"/>
+              </a:rPr>
+            </a:br>
+            <a:r>
+              <a:rPr lang="en-GB" sz="3200" dirty="0" smtClean="0">
+                <a:latin typeface="Arial" panose="020B0604020202020204" pitchFamily="34" charset="0"/>
+                <a:cs typeface="Arial" panose="020B0604020202020204" pitchFamily="34" charset="0"/>
+              </a:rPr>
+              <a:t>and some new images and </a:t>
+            </a:r>
+            <a:r>
+              <a:rPr lang="en-GB" sz="3200" dirty="0" smtClean="0">
+                <a:latin typeface="Arial" panose="020B0604020202020204" pitchFamily="34" charset="0"/>
+                <a:cs typeface="Arial" panose="020B0604020202020204" pitchFamily="34" charset="0"/>
+              </a:rPr>
+              <a:t>provided a memory judgement.</a:t>
+            </a:r>
+            <a:endParaRPr lang="en-GB" sz="3200" dirty="0">
+              <a:latin typeface="Arial" panose="020B0604020202020204" pitchFamily="34" charset="0"/>
+              <a:cs typeface="Arial" panose="020B0604020202020204" pitchFamily="34" charset="0"/>
+            </a:endParaRPr>
+          </a:p>
+        </p:txBody>
+      </p:sp>
+      <p:sp>
+        <p:nvSpPr>
+          <p:cNvPr id="3" name="Slide Number Placeholder 2">
+            <a:extLst>
+              <a:ext uri="{FF2B5EF4-FFF2-40B4-BE49-F238E27FC236}">
+                <a16:creationId xmlns:a16="http://schemas.microsoft.com/office/drawing/2014/main" id="{46E057FF-AF20-4C11-838F-20365F70FC9F}"/>
+              </a:ext>
+            </a:extLst>
+          </p:cNvPr>
+          <p:cNvSpPr>
+            <a:spLocks noGrp="1"/>
+          </p:cNvSpPr>
+          <p:nvPr>
+            <p:ph type="sldNum" sz="quarter" idx="12"/>
+          </p:nvPr>
+        </p:nvSpPr>
+        <p:spPr>
+          <a:xfrm>
+            <a:off x="8610600" y="6319596"/>
+            <a:ext cx="2743200" cy="365125"/>
+          </a:xfrm>
+        </p:spPr>
+        <p:txBody>
+          <a:bodyPr/>
+          <a:lstStyle/>
+          <a:p>
+            <a:fld id="{01BB3CB5-E6C2-429F-B52F-5C30E86D8507}" type="slidenum">
+              <a:rPr lang="en-DE" smtClean="0">
+                <a:latin typeface="Arial" panose="020B0604020202020204" pitchFamily="34" charset="0"/>
+                <a:cs typeface="Arial" panose="020B0604020202020204" pitchFamily="34" charset="0"/>
+              </a:rPr>
+              <a:t>6</a:t>
+            </a:fld>
+            <a:endParaRPr lang="en-DE" dirty="0">
+              <a:latin typeface="Arial" panose="020B0604020202020204" pitchFamily="34" charset="0"/>
+              <a:cs typeface="Arial" panose="020B0604020202020204" pitchFamily="34" charset="0"/>
+            </a:endParaRPr>
+          </a:p>
+        </p:txBody>
+      </p:sp>
+      <p:sp>
+        <p:nvSpPr>
+          <p:cNvPr id="9" name="TextBox 8"/>
+          <p:cNvSpPr txBox="1"/>
+          <p:nvPr/>
+        </p:nvSpPr>
+        <p:spPr>
+          <a:xfrm>
+            <a:off x="344106" y="6312350"/>
+            <a:ext cx="11520000" cy="276999"/>
+          </a:xfrm>
+          <a:prstGeom prst="rect">
+            <a:avLst/>
+          </a:prstGeom>
+          <a:noFill/>
+        </p:spPr>
+        <p:txBody>
+          <a:bodyPr wrap="square" rtlCol="0">
+            <a:spAutoFit/>
+          </a:bodyPr>
+          <a:lstStyle/>
+          <a:p>
+            <a:r>
+              <a:rPr lang="en-GB" sz="1200" dirty="0">
+                <a:latin typeface="Arial" panose="020B0604020202020204" pitchFamily="34" charset="0"/>
+                <a:cs typeface="Arial" panose="020B0604020202020204" pitchFamily="34" charset="0"/>
+              </a:rPr>
+              <a:t>Soch*, Richter* et al</a:t>
+            </a:r>
+            <a:r>
+              <a:rPr lang="en-GB" sz="1200" dirty="0" smtClean="0">
+                <a:latin typeface="Arial" panose="020B0604020202020204" pitchFamily="34" charset="0"/>
+                <a:cs typeface="Arial" panose="020B0604020202020204" pitchFamily="34" charset="0"/>
+              </a:rPr>
+              <a:t>., HBM, 2021, p. 4.</a:t>
+            </a:r>
+            <a:endParaRPr lang="en-GB" sz="1200" dirty="0">
+              <a:latin typeface="Arial" panose="020B0604020202020204" pitchFamily="34" charset="0"/>
+              <a:cs typeface="Arial" panose="020B0604020202020204" pitchFamily="34" charset="0"/>
+            </a:endParaRPr>
+          </a:p>
+        </p:txBody>
+      </p:sp>
+    </p:spTree>
+    <p:extLst>
+      <p:ext uri="{BB962C8B-B14F-4D97-AF65-F5344CB8AC3E}">
+        <p14:creationId xmlns:p14="http://schemas.microsoft.com/office/powerpoint/2010/main" val="3516727712"/>
+      </p:ext>
+    </p:extLst>
+  </p:cSld>
+  <p:clrMapOvr>
+    <a:masterClrMapping/>
+  </p:clrMapOvr>
+  <p:timing>
+    <p:tnLst>
+      <p:par>
+        <p:cTn id="1" dur="indefinite" restart="never" nodeType="tmRoot"/>
+      </p:par>
+    </p:tnLst>
+  </p:timing>
+</p:sld>
+</file>
+
+<file path=ppt/slides/slide7.xml><?xml version="1.0" encoding="utf-8"?>
+<p:sld xmlns:a="http://schemas.openxmlformats.org/drawingml/2006/main" xmlns:r="http://schemas.openxmlformats.org/officeDocument/2006/relationships" xmlns:p="http://schemas.openxmlformats.org/presentationml/2006/main">
+  <p:cSld>
+    <p:spTree>
+      <p:nvGrpSpPr>
+        <p:cNvPr id="1" name=""/>
+        <p:cNvGrpSpPr/>
+        <p:nvPr/>
+      </p:nvGrpSpPr>
+      <p:grpSpPr>
+        <a:xfrm>
+          <a:off x="0" y="0"/>
+          <a:ext cx="0" cy="0"/>
+          <a:chOff x="0" y="0"/>
+          <a:chExt cx="0" cy="0"/>
+        </a:xfrm>
+      </p:grpSpPr>
+      <p:pic>
+        <p:nvPicPr>
+          <p:cNvPr id="5" name="Content Placeholder 4"/>
+          <p:cNvPicPr>
+            <a:picLocks noGrp="1" noChangeAspect="1"/>
+          </p:cNvPicPr>
+          <p:nvPr>
+            <p:ph idx="1"/>
+          </p:nvPr>
+        </p:nvPicPr>
+        <p:blipFill rotWithShape="1">
+          <a:blip r:embed="rId2">
+            <a:extLst>
+              <a:ext uri="{28A0092B-C50C-407E-A947-70E740481C1C}">
+                <a14:useLocalDpi xmlns:a14="http://schemas.microsoft.com/office/drawing/2010/main" val="0"/>
+              </a:ext>
+            </a:extLst>
+          </a:blip>
+          <a:srcRect t="6328" b="6476"/>
+          <a:stretch/>
+        </p:blipFill>
+        <p:spPr>
+          <a:xfrm>
+            <a:off x="2251540" y="1632538"/>
+            <a:ext cx="7706746" cy="5040000"/>
+          </a:xfrm>
+        </p:spPr>
+      </p:pic>
+      <p:sp>
+        <p:nvSpPr>
+          <p:cNvPr id="2" name="Title 1">
+            <a:extLst>
+              <a:ext uri="{FF2B5EF4-FFF2-40B4-BE49-F238E27FC236}">
+                <a16:creationId xmlns:a16="http://schemas.microsoft.com/office/drawing/2014/main" id="{ED585F68-7E9C-4C7D-98F4-A58CF1DAE152}"/>
+              </a:ext>
+            </a:extLst>
+          </p:cNvPr>
+          <p:cNvSpPr>
+            <a:spLocks noGrp="1"/>
+          </p:cNvSpPr>
+          <p:nvPr>
+            <p:ph type="title"/>
+          </p:nvPr>
+        </p:nvSpPr>
+        <p:spPr>
+          <a:xfrm>
+            <a:off x="0" y="190518"/>
+            <a:ext cx="12192000" cy="1440000"/>
+          </a:xfrm>
+        </p:spPr>
+        <p:txBody>
+          <a:bodyPr>
+            <a:normAutofit/>
+          </a:bodyPr>
+          <a:lstStyle/>
+          <a:p>
+            <a:pPr algn="ctr"/>
+            <a:r>
+              <a:rPr lang="en-GB" sz="3200" dirty="0" smtClean="0">
+                <a:latin typeface="Arial" panose="020B0604020202020204" pitchFamily="34" charset="0"/>
+                <a:cs typeface="Arial" panose="020B0604020202020204" pitchFamily="34" charset="0"/>
+              </a:rPr>
+              <a:t>This allows to infer on fMRI activity differences with</a:t>
+            </a:r>
+            <a:br>
+              <a:rPr lang="en-GB" sz="3200" dirty="0" smtClean="0">
+                <a:latin typeface="Arial" panose="020B0604020202020204" pitchFamily="34" charset="0"/>
+                <a:cs typeface="Arial" panose="020B0604020202020204" pitchFamily="34" charset="0"/>
+              </a:rPr>
+            </a:br>
+            <a:r>
+              <a:rPr lang="en-GB" sz="3200" dirty="0" smtClean="0">
+                <a:latin typeface="Arial" panose="020B0604020202020204" pitchFamily="34" charset="0"/>
+                <a:cs typeface="Arial" panose="020B0604020202020204" pitchFamily="34" charset="0"/>
+              </a:rPr>
+              <a:t>respect to novelty processing and subsequent memory.</a:t>
+            </a:r>
+            <a:endParaRPr lang="en-GB" sz="3200" dirty="0">
+              <a:latin typeface="Arial" panose="020B0604020202020204" pitchFamily="34" charset="0"/>
+              <a:cs typeface="Arial" panose="020B0604020202020204" pitchFamily="34" charset="0"/>
+            </a:endParaRPr>
+          </a:p>
+        </p:txBody>
+      </p:sp>
+      <p:sp>
+        <p:nvSpPr>
+          <p:cNvPr id="3" name="Slide Number Placeholder 2">
+            <a:extLst>
+              <a:ext uri="{FF2B5EF4-FFF2-40B4-BE49-F238E27FC236}">
+                <a16:creationId xmlns:a16="http://schemas.microsoft.com/office/drawing/2014/main" id="{46E057FF-AF20-4C11-838F-20365F70FC9F}"/>
+              </a:ext>
+            </a:extLst>
+          </p:cNvPr>
+          <p:cNvSpPr>
+            <a:spLocks noGrp="1"/>
+          </p:cNvSpPr>
+          <p:nvPr>
+            <p:ph type="sldNum" sz="quarter" idx="12"/>
+          </p:nvPr>
+        </p:nvSpPr>
+        <p:spPr>
+          <a:xfrm>
+            <a:off x="8610600" y="6319596"/>
+            <a:ext cx="2743200" cy="365125"/>
+          </a:xfrm>
+        </p:spPr>
+        <p:txBody>
+          <a:bodyPr/>
+          <a:lstStyle/>
+          <a:p>
+            <a:fld id="{01BB3CB5-E6C2-429F-B52F-5C30E86D8507}" type="slidenum">
+              <a:rPr lang="en-DE" smtClean="0">
+                <a:latin typeface="Arial" panose="020B0604020202020204" pitchFamily="34" charset="0"/>
+                <a:cs typeface="Arial" panose="020B0604020202020204" pitchFamily="34" charset="0"/>
+              </a:rPr>
+              <a:t>7</a:t>
+            </a:fld>
+            <a:endParaRPr lang="en-DE" dirty="0">
+              <a:latin typeface="Arial" panose="020B0604020202020204" pitchFamily="34" charset="0"/>
+              <a:cs typeface="Arial" panose="020B0604020202020204" pitchFamily="34" charset="0"/>
+            </a:endParaRPr>
+          </a:p>
+        </p:txBody>
+      </p:sp>
+      <p:sp>
+        <p:nvSpPr>
+          <p:cNvPr id="9" name="TextBox 8"/>
+          <p:cNvSpPr txBox="1"/>
+          <p:nvPr/>
+        </p:nvSpPr>
+        <p:spPr>
+          <a:xfrm>
+            <a:off x="344106" y="6312350"/>
+            <a:ext cx="11520000" cy="276999"/>
+          </a:xfrm>
+          <a:prstGeom prst="rect">
+            <a:avLst/>
+          </a:prstGeom>
+          <a:noFill/>
+        </p:spPr>
+        <p:txBody>
+          <a:bodyPr wrap="square" rtlCol="0">
+            <a:spAutoFit/>
+          </a:bodyPr>
+          <a:lstStyle/>
+          <a:p>
+            <a:r>
+              <a:rPr lang="en-GB" sz="1200" dirty="0">
+                <a:latin typeface="Arial" panose="020B0604020202020204" pitchFamily="34" charset="0"/>
+                <a:cs typeface="Arial" panose="020B0604020202020204" pitchFamily="34" charset="0"/>
+              </a:rPr>
+              <a:t>Soch*, Richter* et al</a:t>
+            </a:r>
+            <a:r>
+              <a:rPr lang="en-GB" sz="1200" dirty="0" smtClean="0">
+                <a:latin typeface="Arial" panose="020B0604020202020204" pitchFamily="34" charset="0"/>
+                <a:cs typeface="Arial" panose="020B0604020202020204" pitchFamily="34" charset="0"/>
+              </a:rPr>
+              <a:t>., HBM, 2021, Fig. 2.</a:t>
+            </a:r>
+            <a:endParaRPr lang="en-GB" sz="1200" dirty="0">
+              <a:latin typeface="Arial" panose="020B0604020202020204" pitchFamily="34" charset="0"/>
+              <a:cs typeface="Arial" panose="020B0604020202020204" pitchFamily="34" charset="0"/>
+            </a:endParaRPr>
+          </a:p>
+        </p:txBody>
+      </p:sp>
+      <p:sp>
+        <p:nvSpPr>
+          <p:cNvPr id="6" name="TextBox 5"/>
+          <p:cNvSpPr txBox="1"/>
+          <p:nvPr/>
+        </p:nvSpPr>
+        <p:spPr>
+          <a:xfrm>
+            <a:off x="2404193" y="1692422"/>
+            <a:ext cx="3693284" cy="369332"/>
+          </a:xfrm>
+          <a:prstGeom prst="rect">
+            <a:avLst/>
+          </a:prstGeom>
+          <a:noFill/>
+        </p:spPr>
+        <p:txBody>
+          <a:bodyPr wrap="square" rtlCol="0">
+            <a:spAutoFit/>
+          </a:bodyPr>
+          <a:lstStyle/>
+          <a:p>
+            <a:pPr algn="ctr"/>
+            <a:r>
+              <a:rPr lang="en-GB" dirty="0" smtClean="0">
+                <a:latin typeface="Arial" panose="020B0604020202020204" pitchFamily="34" charset="0"/>
+                <a:cs typeface="Arial" panose="020B0604020202020204" pitchFamily="34" charset="0"/>
+              </a:rPr>
+              <a:t>novelty processing</a:t>
+            </a:r>
+            <a:endParaRPr lang="en-GB" dirty="0">
+              <a:latin typeface="Arial" panose="020B0604020202020204" pitchFamily="34" charset="0"/>
+              <a:cs typeface="Arial" panose="020B0604020202020204" pitchFamily="34" charset="0"/>
+            </a:endParaRPr>
+          </a:p>
+        </p:txBody>
+      </p:sp>
+      <p:sp>
+        <p:nvSpPr>
+          <p:cNvPr id="7" name="TextBox 6"/>
+          <p:cNvSpPr txBox="1"/>
+          <p:nvPr/>
+        </p:nvSpPr>
+        <p:spPr>
+          <a:xfrm>
+            <a:off x="6109209" y="1696105"/>
+            <a:ext cx="3693284" cy="369332"/>
+          </a:xfrm>
+          <a:prstGeom prst="rect">
+            <a:avLst/>
+          </a:prstGeom>
+          <a:noFill/>
+        </p:spPr>
+        <p:txBody>
+          <a:bodyPr wrap="square" rtlCol="0">
+            <a:spAutoFit/>
+          </a:bodyPr>
+          <a:lstStyle/>
+          <a:p>
+            <a:pPr algn="ctr"/>
+            <a:r>
+              <a:rPr lang="en-GB" dirty="0" smtClean="0">
+                <a:latin typeface="Arial" panose="020B0604020202020204" pitchFamily="34" charset="0"/>
+                <a:cs typeface="Arial" panose="020B0604020202020204" pitchFamily="34" charset="0"/>
+              </a:rPr>
+              <a:t>subsequent memory</a:t>
+            </a:r>
+            <a:endParaRPr lang="en-GB" dirty="0">
+              <a:latin typeface="Arial" panose="020B0604020202020204" pitchFamily="34" charset="0"/>
+              <a:cs typeface="Arial" panose="020B0604020202020204" pitchFamily="34" charset="0"/>
+            </a:endParaRPr>
+          </a:p>
+        </p:txBody>
+      </p:sp>
+    </p:spTree>
+    <p:extLst>
+      <p:ext uri="{BB962C8B-B14F-4D97-AF65-F5344CB8AC3E}">
+        <p14:creationId xmlns:p14="http://schemas.microsoft.com/office/powerpoint/2010/main" val="1959431136"/>
+      </p:ext>
+    </p:extLst>
+  </p:cSld>
+  <p:clrMapOvr>
+    <a:masterClrMapping/>
+  </p:clrMapOvr>
+  <p:timing>
+    <p:tnLst>
+      <p:par>
+        <p:cTn id="1" dur="indefinite" restart="never" nodeType="tmRoot"/>
+      </p:par>
+    </p:tnLst>
+  </p:timing>
+</p:sld>
+</file>
+
+<file path=ppt/slides/slide8.xml><?xml version="1.0" encoding="utf-8"?>
+<p:sld xmlns:a="http://schemas.openxmlformats.org/drawingml/2006/main" xmlns:r="http://schemas.openxmlformats.org/officeDocument/2006/relationships" xmlns:p="http://schemas.openxmlformats.org/presentationml/2006/main">
+  <p:cSld>
+    <p:spTree>
+      <p:nvGrpSpPr>
+        <p:cNvPr id="1" name=""/>
+        <p:cNvGrpSpPr/>
+        <p:nvPr/>
+      </p:nvGrpSpPr>
+      <p:grpSpPr>
+        <a:xfrm>
+          <a:off x="0" y="0"/>
+          <a:ext cx="0" cy="0"/>
+          <a:chOff x="0" y="0"/>
+          <a:chExt cx="0" cy="0"/>
+        </a:xfrm>
+      </p:grpSpPr>
+      <p:sp>
+        <p:nvSpPr>
+          <p:cNvPr id="2" name="Title 1">
+            <a:extLst>
+              <a:ext uri="{FF2B5EF4-FFF2-40B4-BE49-F238E27FC236}">
+                <a16:creationId xmlns:a16="http://schemas.microsoft.com/office/drawing/2014/main" id="{ED585F68-7E9C-4C7D-98F4-A58CF1DAE152}"/>
+              </a:ext>
+            </a:extLst>
+          </p:cNvPr>
+          <p:cNvSpPr>
+            <a:spLocks noGrp="1"/>
+          </p:cNvSpPr>
+          <p:nvPr>
+            <p:ph type="title"/>
+          </p:nvPr>
+        </p:nvSpPr>
+        <p:spPr>
+          <a:xfrm>
+            <a:off x="0" y="190518"/>
+            <a:ext cx="12192000" cy="1440000"/>
+          </a:xfrm>
+        </p:spPr>
+        <p:txBody>
+          <a:bodyPr>
+            <a:normAutofit/>
+          </a:bodyPr>
+          <a:lstStyle/>
+          <a:p>
+            <a:pPr algn="ctr"/>
+            <a:r>
+              <a:rPr lang="en-GB" sz="3200" dirty="0" smtClean="0">
+                <a:latin typeface="Arial" panose="020B0604020202020204" pitchFamily="34" charset="0"/>
+                <a:cs typeface="Arial" panose="020B0604020202020204" pitchFamily="34" charset="0"/>
+              </a:rPr>
+              <a:t>From these fMRI contrasts, we calculated single-value scores</a:t>
+            </a:r>
+            <a:br>
+              <a:rPr lang="en-GB" sz="3200" dirty="0" smtClean="0">
+                <a:latin typeface="Arial" panose="020B0604020202020204" pitchFamily="34" charset="0"/>
+                <a:cs typeface="Arial" panose="020B0604020202020204" pitchFamily="34" charset="0"/>
+              </a:rPr>
+            </a:br>
+            <a:r>
+              <a:rPr lang="en-GB" sz="3200" dirty="0" smtClean="0">
+                <a:latin typeface="Arial" panose="020B0604020202020204" pitchFamily="34" charset="0"/>
+                <a:cs typeface="Arial" panose="020B0604020202020204" pitchFamily="34" charset="0"/>
+              </a:rPr>
+              <a:t>indicating similarity with activations of young subjects.</a:t>
+            </a:r>
+            <a:endParaRPr lang="en-GB" sz="3200" dirty="0">
+              <a:latin typeface="Arial" panose="020B0604020202020204" pitchFamily="34" charset="0"/>
+              <a:cs typeface="Arial" panose="020B0604020202020204" pitchFamily="34" charset="0"/>
+            </a:endParaRPr>
+          </a:p>
+        </p:txBody>
+      </p:sp>
+      <p:sp>
+        <p:nvSpPr>
+          <p:cNvPr id="3" name="Slide Number Placeholder 2">
+            <a:extLst>
+              <a:ext uri="{FF2B5EF4-FFF2-40B4-BE49-F238E27FC236}">
+                <a16:creationId xmlns:a16="http://schemas.microsoft.com/office/drawing/2014/main" id="{46E057FF-AF20-4C11-838F-20365F70FC9F}"/>
+              </a:ext>
+            </a:extLst>
+          </p:cNvPr>
+          <p:cNvSpPr>
+            <a:spLocks noGrp="1"/>
+          </p:cNvSpPr>
+          <p:nvPr>
+            <p:ph type="sldNum" sz="quarter" idx="12"/>
+          </p:nvPr>
+        </p:nvSpPr>
+        <p:spPr>
+          <a:xfrm>
+            <a:off x="8610600" y="6319596"/>
+            <a:ext cx="2743200" cy="365125"/>
+          </a:xfrm>
+        </p:spPr>
+        <p:txBody>
+          <a:bodyPr/>
+          <a:lstStyle/>
+          <a:p>
+            <a:fld id="{01BB3CB5-E6C2-429F-B52F-5C30E86D8507}" type="slidenum">
+              <a:rPr lang="en-DE" smtClean="0">
+                <a:latin typeface="Arial" panose="020B0604020202020204" pitchFamily="34" charset="0"/>
+                <a:cs typeface="Arial" panose="020B0604020202020204" pitchFamily="34" charset="0"/>
+              </a:rPr>
+              <a:t>8</a:t>
+            </a:fld>
+            <a:endParaRPr lang="en-DE" dirty="0">
+              <a:latin typeface="Arial" panose="020B0604020202020204" pitchFamily="34" charset="0"/>
+              <a:cs typeface="Arial" panose="020B0604020202020204" pitchFamily="34" charset="0"/>
+            </a:endParaRPr>
+          </a:p>
+        </p:txBody>
+      </p:sp>
+      <p:sp>
+        <p:nvSpPr>
+          <p:cNvPr id="9" name="TextBox 8"/>
+          <p:cNvSpPr txBox="1"/>
+          <p:nvPr/>
+        </p:nvSpPr>
+        <p:spPr>
+          <a:xfrm>
+            <a:off x="344106" y="6312350"/>
+            <a:ext cx="11520000" cy="276999"/>
+          </a:xfrm>
+          <a:prstGeom prst="rect">
+            <a:avLst/>
+          </a:prstGeom>
+          <a:noFill/>
+        </p:spPr>
+        <p:txBody>
+          <a:bodyPr wrap="square" rtlCol="0">
+            <a:spAutoFit/>
+          </a:bodyPr>
+          <a:lstStyle/>
+          <a:p>
+            <a:r>
+              <a:rPr lang="en-GB" sz="1200" dirty="0">
+                <a:latin typeface="Arial" panose="020B0604020202020204" pitchFamily="34" charset="0"/>
+                <a:cs typeface="Arial" panose="020B0604020202020204" pitchFamily="34" charset="0"/>
+              </a:rPr>
+              <a:t>Soch*, Richter* et al</a:t>
+            </a:r>
+            <a:r>
+              <a:rPr lang="en-GB" sz="1200" dirty="0" smtClean="0">
+                <a:latin typeface="Arial" panose="020B0604020202020204" pitchFamily="34" charset="0"/>
+                <a:cs typeface="Arial" panose="020B0604020202020204" pitchFamily="34" charset="0"/>
+              </a:rPr>
+              <a:t>., HBM, 2021, Fig. 1.</a:t>
+            </a:r>
+            <a:endParaRPr lang="en-GB" sz="1200" dirty="0">
+              <a:latin typeface="Arial" panose="020B0604020202020204" pitchFamily="34" charset="0"/>
+              <a:cs typeface="Arial" panose="020B0604020202020204" pitchFamily="34" charset="0"/>
+            </a:endParaRPr>
+          </a:p>
+        </p:txBody>
+      </p:sp>
+      <p:pic>
+        <p:nvPicPr>
+          <p:cNvPr id="5" name="Content Placeholder 4"/>
+          <p:cNvPicPr>
+            <a:picLocks noGrp="1" noChangeAspect="1"/>
+          </p:cNvPicPr>
+          <p:nvPr>
+            <p:ph idx="1"/>
+          </p:nvPr>
+        </p:nvPicPr>
+        <p:blipFill rotWithShape="1">
+          <a:blip r:embed="rId2">
+            <a:extLst>
+              <a:ext uri="{28A0092B-C50C-407E-A947-70E740481C1C}">
+                <a14:useLocalDpi xmlns:a14="http://schemas.microsoft.com/office/drawing/2010/main" val="0"/>
+              </a:ext>
+            </a:extLst>
+          </a:blip>
+          <a:srcRect t="15757" b="24686"/>
+          <a:stretch/>
+        </p:blipFill>
+        <p:spPr>
+          <a:xfrm>
+            <a:off x="1060460" y="1805352"/>
+            <a:ext cx="10080000" cy="4502538"/>
+          </a:xfrm>
+        </p:spPr>
+      </p:pic>
+      <p:sp>
+        <p:nvSpPr>
+          <p:cNvPr id="6" name="Rectangle 5"/>
+          <p:cNvSpPr/>
+          <p:nvPr/>
+        </p:nvSpPr>
+        <p:spPr>
+          <a:xfrm>
+            <a:off x="6672888" y="1998296"/>
+            <a:ext cx="4464000" cy="2160000"/>
+          </a:xfrm>
+          <a:prstGeom prst="rect">
+            <a:avLst/>
+          </a:prstGeom>
+          <a:solidFill>
+            <a:schemeClr val="bg1">
+              <a:alpha val="90000"/>
+            </a:schemeClr>
+          </a:solidFill>
+          <a:ln>
+            <a:noFill/>
+          </a:ln>
+        </p:spPr>
+        <p:style>
+          <a:lnRef idx="2">
+            <a:schemeClr val="accent1">
+              <a:shade val="50000"/>
+            </a:schemeClr>
+          </a:lnRef>
+          <a:fillRef idx="1">
+            <a:schemeClr val="accent1"/>
+          </a:fillRef>
+          <a:effectRef idx="0">
+            <a:schemeClr val="accent1"/>
+          </a:effectRef>
+          <a:fontRef idx="minor">
+            <a:schemeClr val="lt1"/>
+          </a:fontRef>
+        </p:style>
+        <p:txBody>
+          <a:bodyPr rtlCol="0" anchor="ctr"/>
+          <a:lstStyle/>
+          <a:p>
+            <a:pPr algn="ctr"/>
+            <a:endParaRPr lang="en-GB"/>
+          </a:p>
+        </p:txBody>
+      </p:sp>
+      <p:sp>
+        <p:nvSpPr>
+          <p:cNvPr id="7" name="Rectangle 6"/>
+          <p:cNvSpPr/>
+          <p:nvPr/>
+        </p:nvSpPr>
+        <p:spPr>
+          <a:xfrm>
+            <a:off x="1060459" y="5370424"/>
+            <a:ext cx="10080000" cy="936000"/>
+          </a:xfrm>
+          <a:prstGeom prst="rect">
+            <a:avLst/>
+          </a:prstGeom>
+          <a:solidFill>
+            <a:schemeClr val="bg1">
+              <a:alpha val="90000"/>
+            </a:schemeClr>
+          </a:solidFill>
+          <a:ln>
+            <a:noFill/>
+          </a:ln>
+        </p:spPr>
+        <p:style>
+          <a:lnRef idx="2">
+            <a:schemeClr val="accent1">
+              <a:shade val="50000"/>
+            </a:schemeClr>
+          </a:lnRef>
+          <a:fillRef idx="1">
+            <a:schemeClr val="accent1"/>
+          </a:fillRef>
+          <a:effectRef idx="0">
+            <a:schemeClr val="accent1"/>
+          </a:effectRef>
+          <a:fontRef idx="minor">
+            <a:schemeClr val="lt1"/>
+          </a:fontRef>
+        </p:style>
+        <p:txBody>
+          <a:bodyPr rtlCol="0" anchor="ctr"/>
+          <a:lstStyle/>
+          <a:p>
+            <a:pPr algn="ctr"/>
+            <a:endParaRPr lang="en-GB"/>
+          </a:p>
+        </p:txBody>
+      </p:sp>
+    </p:spTree>
+    <p:extLst>
+      <p:ext uri="{BB962C8B-B14F-4D97-AF65-F5344CB8AC3E}">
+        <p14:creationId xmlns:p14="http://schemas.microsoft.com/office/powerpoint/2010/main" val="2579159384"/>
+      </p:ext>
+    </p:extLst>
+  </p:cSld>
+  <p:clrMapOvr>
+    <a:masterClrMapping/>
+  </p:clrMapOvr>
+  <p:timing>
+    <p:tnLst>
+      <p:par>
+        <p:cTn id="1" dur="indefinite" restart="never" nodeType="tmRoot">
+          <p:childTnLst>
+            <p:seq concurrent="1" nextAc="seek">
+              <p:cTn id="2" dur="indefinite" nodeType="mainSeq">
+                <p:childTnLst>
+                  <p:par>
+                    <p:cTn id="3" fill="hold">
+                      <p:stCondLst>
+                        <p:cond delay="indefinite"/>
+                      </p:stCondLst>
+                      <p:childTnLst>
+                        <p:par>
+                          <p:cTn id="4" fill="hold">
+                            <p:stCondLst>
+                              <p:cond delay="0"/>
+                            </p:stCondLst>
+                            <p:childTnLst>
+                              <p:par>
+                                <p:cTn id="5" presetID="1" presetClass="entr" presetSubtype="0" fill="hold" grpId="0" nodeType="clickEffect">
+                                  <p:stCondLst>
+                                    <p:cond delay="0"/>
+                                  </p:stCondLst>
+                                  <p:childTnLst>
+                                    <p:set>
+                                      <p:cBhvr>
+                                        <p:cTn id="6" dur="1" fill="hold">
+                                          <p:stCondLst>
+                                            <p:cond delay="0"/>
+                                          </p:stCondLst>
+                                        </p:cTn>
+                                        <p:tgtEl>
+                                          <p:spTgt spid="6"/>
+                                        </p:tgtEl>
+                                        <p:attrNameLst>
+                                          <p:attrName>style.visibility</p:attrName>
+                                        </p:attrNameLst>
+                                      </p:cBhvr>
+                                      <p:to>
+                                        <p:strVal val="visible"/>
+                                      </p:to>
+                                    </p:set>
+                                  </p:childTnLst>
+                                </p:cTn>
+                              </p:par>
+                              <p:par>
+                                <p:cTn id="7" presetID="1" presetClass="entr" presetSubtype="0" fill="hold" grpId="0" nodeType="withEffect">
+                                  <p:stCondLst>
+                                    <p:cond delay="0"/>
+                                  </p:stCondLst>
+                                  <p:childTnLst>
+                                    <p:set>
+                                      <p:cBhvr>
+                                        <p:cTn id="8" dur="1" fill="hold">
+                                          <p:stCondLst>
+                                            <p:cond delay="0"/>
+                                          </p:stCondLst>
+                                        </p:cTn>
+                                        <p:tgtEl>
+                                          <p:spTgt spid="7"/>
+                                        </p:tgtEl>
+                                        <p:attrNameLst>
+                                          <p:attrName>style.visibility</p:attrName>
+                                        </p:attrNameLst>
+                                      </p:cBhvr>
+                                      <p:to>
+                                        <p:strVal val="visible"/>
+                                      </p:to>
+                                    </p:set>
+                                  </p:childTnLst>
+                                </p:cTn>
+                              </p:par>
+                            </p:childTnLst>
+                          </p:cTn>
+                        </p:par>
+                      </p:childTnLst>
+                    </p:cTn>
+                  </p:par>
+                </p:childTnLst>
+              </p:cTn>
+              <p:prevCondLst>
+                <p:cond evt="onPrev" delay="0">
+                  <p:tgtEl>
+                    <p:sldTgt/>
+                  </p:tgtEl>
+                </p:cond>
+              </p:prevCondLst>
+              <p:nextCondLst>
+                <p:cond evt="onNext" delay="0">
+                  <p:tgtEl>
+                    <p:sldTgt/>
+                  </p:tgtEl>
+                </p:cond>
+              </p:nextCondLst>
+            </p:seq>
+          </p:childTnLst>
+        </p:cTn>
+      </p:par>
+    </p:tnLst>
+    <p:bldLst>
+      <p:bldP spid="6" grpId="0" animBg="1"/>
+      <p:bldP spid="7" grpId="0" animBg="1"/>
+    </p:bldLst>
+  </p:timing>
+</p:sld>
+</file>
+
 <file path=ppt/slides/slide9.xml><?xml version="1.0" encoding="utf-8"?>
 <p:sld xmlns:a="http://schemas.openxmlformats.org/drawingml/2006/main" xmlns:r="http://schemas.openxmlformats.org/officeDocument/2006/relationships" xmlns:p="http://schemas.openxmlformats.org/presentationml/2006/main">
   <p:cSld>
@@ -6506,73 +10771,10 @@
       </p:grpSpPr>
       <p:sp>
         <p:nvSpPr>
-          <p:cNvPr id="2" name="Title 1">
+          <p:cNvPr id="3" name="Slide Number Placeholder 2">
             <a:extLst>
               <a:ext uri="{FF2B5EF4-FFF2-40B4-BE49-F238E27FC236}">
-                <a16:creationId xmlns:a16="http://schemas.microsoft.com/office/drawing/2014/main" id="{0FEE5D6A-2EF8-4E83-9F52-586176BBAF61}"/>
-              </a:ext>
-            </a:extLst>
-          </p:cNvPr>
-          <p:cNvSpPr>
-            <a:spLocks noGrp="1"/>
-          </p:cNvSpPr>
-          <p:nvPr>
-            <p:ph type="title"/>
-          </p:nvPr>
-        </p:nvSpPr>
-        <p:spPr/>
-        <p:txBody>
-          <a:bodyPr/>
-          <a:lstStyle/>
-          <a:p>
-            <a:r>
-              <a:rPr lang="en-GB" dirty="0" smtClean="0">
-                <a:latin typeface="Arial" panose="020B0604020202020204" pitchFamily="34" charset="0"/>
-                <a:cs typeface="Arial" panose="020B0604020202020204" pitchFamily="34" charset="0"/>
-              </a:rPr>
-              <a:t>Appendix</a:t>
-            </a:r>
-            <a:endParaRPr lang="en-DE" dirty="0">
-              <a:latin typeface="Arial" panose="020B0604020202020204" pitchFamily="34" charset="0"/>
-              <a:cs typeface="Arial" panose="020B0604020202020204" pitchFamily="34" charset="0"/>
-            </a:endParaRPr>
-          </a:p>
-        </p:txBody>
-      </p:sp>
-      <p:sp>
-        <p:nvSpPr>
-          <p:cNvPr id="3" name="Text Placeholder 2">
-            <a:extLst>
-              <a:ext uri="{FF2B5EF4-FFF2-40B4-BE49-F238E27FC236}">
-                <a16:creationId xmlns:a16="http://schemas.microsoft.com/office/drawing/2014/main" id="{C8F3E7FB-1741-4DCC-B193-DD268B540D49}"/>
-              </a:ext>
-            </a:extLst>
-          </p:cNvPr>
-          <p:cNvSpPr>
-            <a:spLocks noGrp="1"/>
-          </p:cNvSpPr>
-          <p:nvPr>
-            <p:ph type="body" idx="1"/>
-          </p:nvPr>
-        </p:nvSpPr>
-        <p:spPr/>
-        <p:txBody>
-          <a:bodyPr/>
-          <a:lstStyle/>
-          <a:p>
-            <a:endParaRPr lang="en-DE" dirty="0">
-              <a:latin typeface="Arial" panose="020B0604020202020204" pitchFamily="34" charset="0"/>
-              <a:cs typeface="Arial" panose="020B0604020202020204" pitchFamily="34" charset="0"/>
-            </a:endParaRPr>
-          </a:p>
-        </p:txBody>
-      </p:sp>
-      <p:sp>
-        <p:nvSpPr>
-          <p:cNvPr id="4" name="Slide Number Placeholder 3">
-            <a:extLst>
-              <a:ext uri="{FF2B5EF4-FFF2-40B4-BE49-F238E27FC236}">
-                <a16:creationId xmlns:a16="http://schemas.microsoft.com/office/drawing/2014/main" id="{EEB514EA-80FB-4A49-995F-6DD9CCA9F9F7}"/>
+                <a16:creationId xmlns:a16="http://schemas.microsoft.com/office/drawing/2014/main" id="{46E057FF-AF20-4C11-838F-20365F70FC9F}"/>
               </a:ext>
             </a:extLst>
           </p:cNvPr>
@@ -6585,7 +10787,7 @@
         </p:nvSpPr>
         <p:spPr>
           <a:xfrm>
-            <a:off x="8610600" y="6319596"/>
+            <a:off x="8695346" y="6319596"/>
             <a:ext cx="2743200" cy="365125"/>
           </a:xfrm>
         </p:spPr>
@@ -6607,10 +10809,1626 @@
           </a:p>
         </p:txBody>
       </p:sp>
+      <p:sp>
+        <p:nvSpPr>
+          <p:cNvPr id="8" name="Right Arrow 7"/>
+          <p:cNvSpPr/>
+          <p:nvPr/>
+        </p:nvSpPr>
+        <p:spPr>
+          <a:xfrm>
+            <a:off x="4664896" y="2890063"/>
+            <a:ext cx="2880000" cy="1080000"/>
+          </a:xfrm>
+          <a:prstGeom prst="rightArrow">
+            <a:avLst>
+              <a:gd name="adj1" fmla="val 38739"/>
+              <a:gd name="adj2" fmla="val 50000"/>
+            </a:avLst>
+          </a:prstGeom>
+          <a:ln cap="sq">
+            <a:miter lim="800000"/>
+          </a:ln>
+        </p:spPr>
+        <p:style>
+          <a:lnRef idx="2">
+            <a:schemeClr val="dk1"/>
+          </a:lnRef>
+          <a:fillRef idx="1">
+            <a:schemeClr val="lt1"/>
+          </a:fillRef>
+          <a:effectRef idx="0">
+            <a:schemeClr val="dk1"/>
+          </a:effectRef>
+          <a:fontRef idx="minor">
+            <a:schemeClr val="dk1"/>
+          </a:fontRef>
+        </p:style>
+        <p:txBody>
+          <a:bodyPr rtlCol="0" anchor="ctr"/>
+          <a:lstStyle/>
+          <a:p>
+            <a:pPr algn="ctr"/>
+            <a:r>
+              <a:rPr lang="en-GB" dirty="0">
+                <a:latin typeface="Arial" panose="020B0604020202020204" pitchFamily="34" charset="0"/>
+                <a:cs typeface="Arial" panose="020B0604020202020204" pitchFamily="34" charset="0"/>
+              </a:rPr>
+              <a:t>prediction</a:t>
+            </a:r>
+          </a:p>
+        </p:txBody>
+      </p:sp>
+      <p:sp>
+        <p:nvSpPr>
+          <p:cNvPr id="10" name="TextBox 9"/>
+          <p:cNvSpPr txBox="1"/>
+          <p:nvPr/>
+        </p:nvSpPr>
+        <p:spPr>
+          <a:xfrm>
+            <a:off x="3940562" y="2340835"/>
+            <a:ext cx="4320000" cy="369332"/>
+          </a:xfrm>
+          <a:prstGeom prst="rect">
+            <a:avLst/>
+          </a:prstGeom>
+          <a:noFill/>
+        </p:spPr>
+        <p:txBody>
+          <a:bodyPr wrap="square" rtlCol="0">
+            <a:spAutoFit/>
+          </a:bodyPr>
+          <a:lstStyle/>
+          <a:p>
+            <a:pPr algn="ctr"/>
+            <a:r>
+              <a:rPr lang="en-GB" dirty="0">
+                <a:latin typeface="Arial" panose="020B0604020202020204" pitchFamily="34" charset="0"/>
+                <a:cs typeface="Arial" panose="020B0604020202020204" pitchFamily="34" charset="0"/>
+              </a:rPr>
+              <a:t>support vector classification (SVC)</a:t>
+            </a:r>
+          </a:p>
+        </p:txBody>
+      </p:sp>
+      <p:sp>
+        <p:nvSpPr>
+          <p:cNvPr id="11" name="TextBox 10"/>
+          <p:cNvSpPr txBox="1"/>
+          <p:nvPr/>
+        </p:nvSpPr>
+        <p:spPr>
+          <a:xfrm>
+            <a:off x="4303667" y="4163744"/>
+            <a:ext cx="3600000" cy="369332"/>
+          </a:xfrm>
+          <a:prstGeom prst="rect">
+            <a:avLst/>
+          </a:prstGeom>
+          <a:noFill/>
+        </p:spPr>
+        <p:txBody>
+          <a:bodyPr wrap="square" rtlCol="0">
+            <a:spAutoFit/>
+          </a:bodyPr>
+          <a:lstStyle/>
+          <a:p>
+            <a:pPr algn="ctr"/>
+            <a:r>
+              <a:rPr lang="en-GB" dirty="0">
+                <a:latin typeface="Arial" panose="020B0604020202020204" pitchFamily="34" charset="0"/>
+                <a:cs typeface="Arial" panose="020B0604020202020204" pitchFamily="34" charset="0"/>
+              </a:rPr>
+              <a:t>support vector regression (SVR</a:t>
+            </a:r>
+            <a:r>
+              <a:rPr lang="en-GB" dirty="0" smtClean="0">
+                <a:latin typeface="Arial" panose="020B0604020202020204" pitchFamily="34" charset="0"/>
+                <a:cs typeface="Arial" panose="020B0604020202020204" pitchFamily="34" charset="0"/>
+              </a:rPr>
+              <a:t>)</a:t>
+            </a:r>
+            <a:endParaRPr lang="en-GB" dirty="0">
+              <a:latin typeface="Arial" panose="020B0604020202020204" pitchFamily="34" charset="0"/>
+              <a:cs typeface="Arial" panose="020B0604020202020204" pitchFamily="34" charset="0"/>
+            </a:endParaRPr>
+          </a:p>
+        </p:txBody>
+      </p:sp>
+      <p:sp>
+        <p:nvSpPr>
+          <p:cNvPr id="12" name="Rectangle 11"/>
+          <p:cNvSpPr/>
+          <p:nvPr/>
+        </p:nvSpPr>
+        <p:spPr>
+          <a:xfrm>
+            <a:off x="1790361" y="89208"/>
+            <a:ext cx="2160000" cy="1260000"/>
+          </a:xfrm>
+          <a:prstGeom prst="rect">
+            <a:avLst/>
+          </a:prstGeom>
+          <a:solidFill>
+            <a:schemeClr val="bg1"/>
+          </a:solidFill>
+          <a:ln cap="sq">
+            <a:solidFill>
+              <a:srgbClr val="FF0000"/>
+            </a:solidFill>
+            <a:miter lim="800000"/>
+          </a:ln>
+        </p:spPr>
+        <p:style>
+          <a:lnRef idx="2">
+            <a:schemeClr val="accent1">
+              <a:shade val="50000"/>
+            </a:schemeClr>
+          </a:lnRef>
+          <a:fillRef idx="1">
+            <a:schemeClr val="accent1"/>
+          </a:fillRef>
+          <a:effectRef idx="0">
+            <a:schemeClr val="accent1"/>
+          </a:effectRef>
+          <a:fontRef idx="minor">
+            <a:schemeClr val="lt1"/>
+          </a:fontRef>
+        </p:style>
+        <p:txBody>
+          <a:bodyPr vert="vert270" rtlCol="0" anchor="t"/>
+          <a:lstStyle/>
+          <a:p>
+            <a:pPr algn="ctr"/>
+            <a:r>
+              <a:rPr lang="en-GB" dirty="0" err="1" smtClean="0">
+                <a:solidFill>
+                  <a:srgbClr val="FF0000"/>
+                </a:solidFill>
+                <a:latin typeface="Arial" panose="020B0604020202020204" pitchFamily="34" charset="0"/>
+                <a:cs typeface="Arial" panose="020B0604020202020204" pitchFamily="34" charset="0"/>
+              </a:rPr>
+              <a:t>behavioral</a:t>
+            </a:r>
+            <a:endParaRPr lang="en-GB" dirty="0">
+              <a:solidFill>
+                <a:srgbClr val="FF0000"/>
+              </a:solidFill>
+              <a:latin typeface="Arial" panose="020B0604020202020204" pitchFamily="34" charset="0"/>
+              <a:cs typeface="Arial" panose="020B0604020202020204" pitchFamily="34" charset="0"/>
+            </a:endParaRPr>
+          </a:p>
+          <a:p>
+            <a:pPr algn="ctr"/>
+            <a:r>
+              <a:rPr lang="en-GB" dirty="0">
+                <a:solidFill>
+                  <a:srgbClr val="FF0000"/>
+                </a:solidFill>
+                <a:latin typeface="Arial" panose="020B0604020202020204" pitchFamily="34" charset="0"/>
+                <a:cs typeface="Arial" panose="020B0604020202020204" pitchFamily="34" charset="0"/>
+              </a:rPr>
+              <a:t>data</a:t>
+            </a:r>
+          </a:p>
+        </p:txBody>
+      </p:sp>
+      <p:sp>
+        <p:nvSpPr>
+          <p:cNvPr id="13" name="Rectangle 12"/>
+          <p:cNvSpPr/>
+          <p:nvPr/>
+        </p:nvSpPr>
+        <p:spPr>
+          <a:xfrm>
+            <a:off x="1790361" y="1453546"/>
+            <a:ext cx="2160000" cy="1260000"/>
+          </a:xfrm>
+          <a:prstGeom prst="rect">
+            <a:avLst/>
+          </a:prstGeom>
+          <a:solidFill>
+            <a:schemeClr val="bg1"/>
+          </a:solidFill>
+          <a:ln cap="sq">
+            <a:solidFill>
+              <a:srgbClr val="FF00FF"/>
+            </a:solidFill>
+            <a:miter lim="800000"/>
+          </a:ln>
+        </p:spPr>
+        <p:style>
+          <a:lnRef idx="2">
+            <a:schemeClr val="accent1">
+              <a:shade val="50000"/>
+            </a:schemeClr>
+          </a:lnRef>
+          <a:fillRef idx="1">
+            <a:schemeClr val="accent1"/>
+          </a:fillRef>
+          <a:effectRef idx="0">
+            <a:schemeClr val="accent1"/>
+          </a:effectRef>
+          <a:fontRef idx="minor">
+            <a:schemeClr val="lt1"/>
+          </a:fontRef>
+        </p:style>
+        <p:txBody>
+          <a:bodyPr vert="vert270" rtlCol="0" anchor="t"/>
+          <a:lstStyle/>
+          <a:p>
+            <a:pPr algn="ctr"/>
+            <a:r>
+              <a:rPr lang="en-GB" dirty="0">
+                <a:solidFill>
+                  <a:srgbClr val="FF00FF"/>
+                </a:solidFill>
+                <a:latin typeface="Arial" panose="020B0604020202020204" pitchFamily="34" charset="0"/>
+                <a:cs typeface="Arial" panose="020B0604020202020204" pitchFamily="34" charset="0"/>
+              </a:rPr>
+              <a:t>fMRI</a:t>
+            </a:r>
+          </a:p>
+          <a:p>
+            <a:pPr algn="ctr"/>
+            <a:r>
+              <a:rPr lang="en-GB" dirty="0" smtClean="0">
+                <a:solidFill>
+                  <a:srgbClr val="FF00FF"/>
+                </a:solidFill>
+                <a:latin typeface="Arial" panose="020B0604020202020204" pitchFamily="34" charset="0"/>
+                <a:cs typeface="Arial" panose="020B0604020202020204" pitchFamily="34" charset="0"/>
+              </a:rPr>
+              <a:t>scores</a:t>
+            </a:r>
+            <a:endParaRPr lang="en-GB" dirty="0">
+              <a:solidFill>
+                <a:srgbClr val="FF00FF"/>
+              </a:solidFill>
+              <a:latin typeface="Arial" panose="020B0604020202020204" pitchFamily="34" charset="0"/>
+              <a:cs typeface="Arial" panose="020B0604020202020204" pitchFamily="34" charset="0"/>
+            </a:endParaRPr>
+          </a:p>
+        </p:txBody>
+      </p:sp>
+      <p:sp>
+        <p:nvSpPr>
+          <p:cNvPr id="14" name="Rectangle 13"/>
+          <p:cNvSpPr/>
+          <p:nvPr/>
+        </p:nvSpPr>
+        <p:spPr>
+          <a:xfrm>
+            <a:off x="1790361" y="2822340"/>
+            <a:ext cx="2160000" cy="1260000"/>
+          </a:xfrm>
+          <a:prstGeom prst="rect">
+            <a:avLst/>
+          </a:prstGeom>
+          <a:solidFill>
+            <a:schemeClr val="bg1"/>
+          </a:solidFill>
+          <a:ln cap="sq">
+            <a:solidFill>
+              <a:srgbClr val="0000FF"/>
+            </a:solidFill>
+            <a:miter lim="800000"/>
+          </a:ln>
+        </p:spPr>
+        <p:style>
+          <a:lnRef idx="2">
+            <a:schemeClr val="accent1">
+              <a:shade val="50000"/>
+            </a:schemeClr>
+          </a:lnRef>
+          <a:fillRef idx="1">
+            <a:schemeClr val="accent1"/>
+          </a:fillRef>
+          <a:effectRef idx="0">
+            <a:schemeClr val="accent1"/>
+          </a:effectRef>
+          <a:fontRef idx="minor">
+            <a:schemeClr val="lt1"/>
+          </a:fontRef>
+        </p:style>
+        <p:txBody>
+          <a:bodyPr vert="vert270" rtlCol="0" anchor="t"/>
+          <a:lstStyle/>
+          <a:p>
+            <a:pPr algn="ctr"/>
+            <a:r>
+              <a:rPr lang="en-GB" dirty="0">
+                <a:solidFill>
+                  <a:srgbClr val="0000FF"/>
+                </a:solidFill>
+                <a:latin typeface="Arial" panose="020B0604020202020204" pitchFamily="34" charset="0"/>
+                <a:cs typeface="Arial" panose="020B0604020202020204" pitchFamily="34" charset="0"/>
+              </a:rPr>
+              <a:t>fMRI</a:t>
+            </a:r>
+          </a:p>
+          <a:p>
+            <a:pPr algn="ctr"/>
+            <a:r>
+              <a:rPr lang="en-GB" dirty="0" smtClean="0">
+                <a:solidFill>
+                  <a:srgbClr val="0000FF"/>
+                </a:solidFill>
+                <a:latin typeface="Arial" panose="020B0604020202020204" pitchFamily="34" charset="0"/>
+                <a:cs typeface="Arial" panose="020B0604020202020204" pitchFamily="34" charset="0"/>
+              </a:rPr>
+              <a:t>contrasts</a:t>
+            </a:r>
+            <a:endParaRPr lang="en-GB" dirty="0">
+              <a:solidFill>
+                <a:srgbClr val="0000FF"/>
+              </a:solidFill>
+              <a:latin typeface="Arial" panose="020B0604020202020204" pitchFamily="34" charset="0"/>
+              <a:cs typeface="Arial" panose="020B0604020202020204" pitchFamily="34" charset="0"/>
+            </a:endParaRPr>
+          </a:p>
+        </p:txBody>
+      </p:sp>
+      <p:sp>
+        <p:nvSpPr>
+          <p:cNvPr id="15" name="Rectangle 14"/>
+          <p:cNvSpPr/>
+          <p:nvPr/>
+        </p:nvSpPr>
+        <p:spPr>
+          <a:xfrm>
+            <a:off x="1786386" y="5549487"/>
+            <a:ext cx="2160000" cy="1260000"/>
+          </a:xfrm>
+          <a:prstGeom prst="rect">
+            <a:avLst/>
+          </a:prstGeom>
+          <a:solidFill>
+            <a:schemeClr val="bg1"/>
+          </a:solidFill>
+          <a:ln cap="sq">
+            <a:solidFill>
+              <a:srgbClr val="00FF00"/>
+            </a:solidFill>
+            <a:miter lim="800000"/>
+          </a:ln>
+        </p:spPr>
+        <p:style>
+          <a:lnRef idx="2">
+            <a:schemeClr val="accent1">
+              <a:shade val="50000"/>
+            </a:schemeClr>
+          </a:lnRef>
+          <a:fillRef idx="1">
+            <a:schemeClr val="accent1"/>
+          </a:fillRef>
+          <a:effectRef idx="0">
+            <a:schemeClr val="accent1"/>
+          </a:effectRef>
+          <a:fontRef idx="minor">
+            <a:schemeClr val="lt1"/>
+          </a:fontRef>
+        </p:style>
+        <p:txBody>
+          <a:bodyPr vert="vert270" rtlCol="0" anchor="t"/>
+          <a:lstStyle/>
+          <a:p>
+            <a:pPr algn="ctr"/>
+            <a:r>
+              <a:rPr lang="en-GB" dirty="0" smtClean="0">
+                <a:solidFill>
+                  <a:srgbClr val="00FF00"/>
+                </a:solidFill>
+                <a:latin typeface="Arial" panose="020B0604020202020204" pitchFamily="34" charset="0"/>
+                <a:cs typeface="Arial" panose="020B0604020202020204" pitchFamily="34" charset="0"/>
+              </a:rPr>
+              <a:t>structural</a:t>
+            </a:r>
+            <a:endParaRPr lang="en-GB" dirty="0">
+              <a:solidFill>
+                <a:srgbClr val="00FF00"/>
+              </a:solidFill>
+              <a:latin typeface="Arial" panose="020B0604020202020204" pitchFamily="34" charset="0"/>
+              <a:cs typeface="Arial" panose="020B0604020202020204" pitchFamily="34" charset="0"/>
+            </a:endParaRPr>
+          </a:p>
+          <a:p>
+            <a:pPr algn="ctr"/>
+            <a:r>
+              <a:rPr lang="en-GB" dirty="0">
+                <a:solidFill>
+                  <a:srgbClr val="00FF00"/>
+                </a:solidFill>
+                <a:latin typeface="Arial" panose="020B0604020202020204" pitchFamily="34" charset="0"/>
+                <a:cs typeface="Arial" panose="020B0604020202020204" pitchFamily="34" charset="0"/>
+              </a:rPr>
+              <a:t>MRI</a:t>
+            </a:r>
+          </a:p>
+        </p:txBody>
+      </p:sp>
+      <p:sp>
+        <p:nvSpPr>
+          <p:cNvPr id="16" name="TextBox 15"/>
+          <p:cNvSpPr txBox="1"/>
+          <p:nvPr/>
+        </p:nvSpPr>
+        <p:spPr>
+          <a:xfrm>
+            <a:off x="1785057" y="-510310"/>
+            <a:ext cx="2160000" cy="369332"/>
+          </a:xfrm>
+          <a:prstGeom prst="rect">
+            <a:avLst/>
+          </a:prstGeom>
+          <a:noFill/>
+        </p:spPr>
+        <p:txBody>
+          <a:bodyPr wrap="square" rtlCol="0">
+            <a:spAutoFit/>
+          </a:bodyPr>
+          <a:lstStyle/>
+          <a:p>
+            <a:pPr algn="ctr"/>
+            <a:r>
+              <a:rPr lang="en-GB" dirty="0">
+                <a:latin typeface="Arial" panose="020B0604020202020204" pitchFamily="34" charset="0"/>
+                <a:cs typeface="Arial" panose="020B0604020202020204" pitchFamily="34" charset="0"/>
+              </a:rPr>
+              <a:t>source variables</a:t>
+            </a:r>
+          </a:p>
+        </p:txBody>
+      </p:sp>
+      <p:sp>
+        <p:nvSpPr>
+          <p:cNvPr id="17" name="TextBox 16"/>
+          <p:cNvSpPr txBox="1"/>
+          <p:nvPr/>
+        </p:nvSpPr>
+        <p:spPr>
+          <a:xfrm>
+            <a:off x="8265157" y="-514842"/>
+            <a:ext cx="2160000" cy="369332"/>
+          </a:xfrm>
+          <a:prstGeom prst="rect">
+            <a:avLst/>
+          </a:prstGeom>
+          <a:noFill/>
+        </p:spPr>
+        <p:txBody>
+          <a:bodyPr wrap="square" rtlCol="0">
+            <a:spAutoFit/>
+          </a:bodyPr>
+          <a:lstStyle/>
+          <a:p>
+            <a:pPr algn="ctr"/>
+            <a:r>
+              <a:rPr lang="en-GB" dirty="0">
+                <a:latin typeface="Arial" panose="020B0604020202020204" pitchFamily="34" charset="0"/>
+                <a:cs typeface="Arial" panose="020B0604020202020204" pitchFamily="34" charset="0"/>
+              </a:rPr>
+              <a:t>target variables</a:t>
+            </a:r>
+          </a:p>
+        </p:txBody>
+      </p:sp>
+      <p:sp>
+        <p:nvSpPr>
+          <p:cNvPr id="18" name="Rectangle 17"/>
+          <p:cNvSpPr/>
+          <p:nvPr/>
+        </p:nvSpPr>
+        <p:spPr>
+          <a:xfrm>
+            <a:off x="8265157" y="2823357"/>
+            <a:ext cx="2160000" cy="1260000"/>
+          </a:xfrm>
+          <a:prstGeom prst="rect">
+            <a:avLst/>
+          </a:prstGeom>
+          <a:solidFill>
+            <a:schemeClr val="bg1"/>
+          </a:solidFill>
+          <a:ln cap="sq">
+            <a:solidFill>
+              <a:schemeClr val="bg1">
+                <a:lumMod val="65000"/>
+              </a:schemeClr>
+            </a:solidFill>
+            <a:miter lim="800000"/>
+          </a:ln>
+        </p:spPr>
+        <p:style>
+          <a:lnRef idx="2">
+            <a:schemeClr val="accent1">
+              <a:shade val="50000"/>
+            </a:schemeClr>
+          </a:lnRef>
+          <a:fillRef idx="1">
+            <a:schemeClr val="accent1"/>
+          </a:fillRef>
+          <a:effectRef idx="0">
+            <a:schemeClr val="accent1"/>
+          </a:effectRef>
+          <a:fontRef idx="minor">
+            <a:schemeClr val="lt1"/>
+          </a:fontRef>
+        </p:style>
+        <p:txBody>
+          <a:bodyPr rtlCol="0" anchor="t"/>
+          <a:lstStyle/>
+          <a:p>
+            <a:pPr algn="ctr"/>
+            <a:r>
+              <a:rPr lang="en-GB" dirty="0">
+                <a:solidFill>
+                  <a:schemeClr val="bg1">
+                    <a:lumMod val="65000"/>
+                  </a:schemeClr>
+                </a:solidFill>
+                <a:latin typeface="Arial" panose="020B0604020202020204" pitchFamily="34" charset="0"/>
+                <a:cs typeface="Arial" panose="020B0604020202020204" pitchFamily="34" charset="0"/>
+              </a:rPr>
+              <a:t>chronological age</a:t>
+            </a:r>
+          </a:p>
+        </p:txBody>
+      </p:sp>
+      <p:sp>
+        <p:nvSpPr>
+          <p:cNvPr id="19" name="Rectangle 18"/>
+          <p:cNvSpPr/>
+          <p:nvPr/>
+        </p:nvSpPr>
+        <p:spPr>
+          <a:xfrm>
+            <a:off x="8270594" y="654759"/>
+            <a:ext cx="2160000" cy="1260000"/>
+          </a:xfrm>
+          <a:prstGeom prst="rect">
+            <a:avLst/>
+          </a:prstGeom>
+          <a:solidFill>
+            <a:schemeClr val="bg1"/>
+          </a:solidFill>
+          <a:ln cap="sq">
+            <a:solidFill>
+              <a:schemeClr val="bg1">
+                <a:lumMod val="75000"/>
+              </a:schemeClr>
+            </a:solidFill>
+            <a:miter lim="800000"/>
+          </a:ln>
+        </p:spPr>
+        <p:style>
+          <a:lnRef idx="2">
+            <a:schemeClr val="accent1">
+              <a:shade val="50000"/>
+            </a:schemeClr>
+          </a:lnRef>
+          <a:fillRef idx="1">
+            <a:schemeClr val="accent1"/>
+          </a:fillRef>
+          <a:effectRef idx="0">
+            <a:schemeClr val="accent1"/>
+          </a:effectRef>
+          <a:fontRef idx="minor">
+            <a:schemeClr val="lt1"/>
+          </a:fontRef>
+        </p:style>
+        <p:txBody>
+          <a:bodyPr rtlCol="0" anchor="ctr"/>
+          <a:lstStyle/>
+          <a:p>
+            <a:pPr algn="r"/>
+            <a:r>
+              <a:rPr lang="en-GB" dirty="0">
+                <a:solidFill>
+                  <a:schemeClr val="bg1">
+                    <a:lumMod val="75000"/>
+                  </a:schemeClr>
+                </a:solidFill>
+                <a:latin typeface="Arial" panose="020B0604020202020204" pitchFamily="34" charset="0"/>
+                <a:cs typeface="Arial" panose="020B0604020202020204" pitchFamily="34" charset="0"/>
+              </a:rPr>
+              <a:t>age</a:t>
+            </a:r>
+          </a:p>
+          <a:p>
+            <a:pPr algn="r"/>
+            <a:r>
+              <a:rPr lang="en-GB" dirty="0">
+                <a:solidFill>
+                  <a:schemeClr val="bg1">
+                    <a:lumMod val="75000"/>
+                  </a:schemeClr>
+                </a:solidFill>
+                <a:latin typeface="Arial" panose="020B0604020202020204" pitchFamily="34" charset="0"/>
+                <a:cs typeface="Arial" panose="020B0604020202020204" pitchFamily="34" charset="0"/>
+              </a:rPr>
+              <a:t>group</a:t>
+            </a:r>
+          </a:p>
+        </p:txBody>
+      </p:sp>
+      <p:sp>
+        <p:nvSpPr>
+          <p:cNvPr id="20" name="Rectangle 19"/>
+          <p:cNvSpPr/>
+          <p:nvPr/>
+        </p:nvSpPr>
+        <p:spPr>
+          <a:xfrm>
+            <a:off x="8265157" y="4986887"/>
+            <a:ext cx="2160000" cy="1260000"/>
+          </a:xfrm>
+          <a:prstGeom prst="rect">
+            <a:avLst/>
+          </a:prstGeom>
+          <a:solidFill>
+            <a:schemeClr val="bg1"/>
+          </a:solidFill>
+          <a:ln cap="sq">
+            <a:solidFill>
+              <a:schemeClr val="bg1">
+                <a:lumMod val="50000"/>
+              </a:schemeClr>
+            </a:solidFill>
+            <a:miter lim="800000"/>
+          </a:ln>
+        </p:spPr>
+        <p:style>
+          <a:lnRef idx="2">
+            <a:schemeClr val="accent1">
+              <a:shade val="50000"/>
+            </a:schemeClr>
+          </a:lnRef>
+          <a:fillRef idx="1">
+            <a:schemeClr val="accent1"/>
+          </a:fillRef>
+          <a:effectRef idx="0">
+            <a:schemeClr val="accent1"/>
+          </a:effectRef>
+          <a:fontRef idx="minor">
+            <a:schemeClr val="lt1"/>
+          </a:fontRef>
+        </p:style>
+        <p:txBody>
+          <a:bodyPr rtlCol="0" anchor="ctr"/>
+          <a:lstStyle/>
+          <a:p>
+            <a:pPr algn="r"/>
+            <a:r>
+              <a:rPr lang="en-GB" dirty="0">
+                <a:solidFill>
+                  <a:schemeClr val="bg1">
+                    <a:lumMod val="50000"/>
+                  </a:schemeClr>
+                </a:solidFill>
+                <a:latin typeface="Arial" panose="020B0604020202020204" pitchFamily="34" charset="0"/>
+                <a:cs typeface="Arial" panose="020B0604020202020204" pitchFamily="34" charset="0"/>
+              </a:rPr>
+              <a:t>memory</a:t>
+            </a:r>
+          </a:p>
+          <a:p>
+            <a:pPr algn="r"/>
+            <a:r>
+              <a:rPr lang="en-GB" dirty="0" err="1" smtClean="0">
+                <a:solidFill>
+                  <a:schemeClr val="bg1">
+                    <a:lumMod val="50000"/>
+                  </a:schemeClr>
+                </a:solidFill>
+                <a:latin typeface="Arial" panose="020B0604020202020204" pitchFamily="34" charset="0"/>
+                <a:cs typeface="Arial" panose="020B0604020202020204" pitchFamily="34" charset="0"/>
+              </a:rPr>
+              <a:t>perfor</a:t>
+            </a:r>
+            <a:r>
+              <a:rPr lang="en-GB" dirty="0" smtClean="0">
+                <a:solidFill>
+                  <a:schemeClr val="bg1">
+                    <a:lumMod val="50000"/>
+                  </a:schemeClr>
+                </a:solidFill>
+                <a:latin typeface="Arial" panose="020B0604020202020204" pitchFamily="34" charset="0"/>
+                <a:cs typeface="Arial" panose="020B0604020202020204" pitchFamily="34" charset="0"/>
+              </a:rPr>
+              <a:t>-</a:t>
+            </a:r>
+          </a:p>
+          <a:p>
+            <a:pPr algn="r"/>
+            <a:r>
+              <a:rPr lang="en-GB" dirty="0" err="1" smtClean="0">
+                <a:solidFill>
+                  <a:schemeClr val="bg1">
+                    <a:lumMod val="50000"/>
+                  </a:schemeClr>
+                </a:solidFill>
+                <a:latin typeface="Arial" panose="020B0604020202020204" pitchFamily="34" charset="0"/>
+                <a:cs typeface="Arial" panose="020B0604020202020204" pitchFamily="34" charset="0"/>
+              </a:rPr>
+              <a:t>mance</a:t>
+            </a:r>
+            <a:endParaRPr lang="en-GB" dirty="0">
+              <a:solidFill>
+                <a:schemeClr val="bg1">
+                  <a:lumMod val="50000"/>
+                </a:schemeClr>
+              </a:solidFill>
+              <a:latin typeface="Arial" panose="020B0604020202020204" pitchFamily="34" charset="0"/>
+              <a:cs typeface="Arial" panose="020B0604020202020204" pitchFamily="34" charset="0"/>
+            </a:endParaRPr>
+          </a:p>
+        </p:txBody>
+      </p:sp>
+      <p:pic>
+        <p:nvPicPr>
+          <p:cNvPr id="21" name="Picture 20"/>
+          <p:cNvPicPr>
+            <a:picLocks noChangeAspect="1"/>
+          </p:cNvPicPr>
+          <p:nvPr/>
+        </p:nvPicPr>
+        <p:blipFill rotWithShape="1">
+          <a:blip r:embed="rId2"/>
+          <a:srcRect t="15030" b="6421"/>
+          <a:stretch/>
+        </p:blipFill>
+        <p:spPr>
+          <a:xfrm>
+            <a:off x="2802631" y="1525546"/>
+            <a:ext cx="1067520" cy="1116000"/>
+          </a:xfrm>
+          <a:prstGeom prst="rect">
+            <a:avLst/>
+          </a:prstGeom>
+        </p:spPr>
+      </p:pic>
+      <p:pic>
+        <p:nvPicPr>
+          <p:cNvPr id="22" name="Picture 21"/>
+          <p:cNvPicPr>
+            <a:picLocks noChangeAspect="1"/>
+          </p:cNvPicPr>
+          <p:nvPr/>
+        </p:nvPicPr>
+        <p:blipFill rotWithShape="1">
+          <a:blip r:embed="rId3"/>
+          <a:srcRect t="15030" b="6484"/>
+          <a:stretch/>
+        </p:blipFill>
+        <p:spPr>
+          <a:xfrm>
+            <a:off x="2802384" y="2894340"/>
+            <a:ext cx="1068391" cy="1116000"/>
+          </a:xfrm>
+          <a:prstGeom prst="rect">
+            <a:avLst/>
+          </a:prstGeom>
+        </p:spPr>
+      </p:pic>
+      <p:sp>
+        <p:nvSpPr>
+          <p:cNvPr id="23" name="TextBox 22"/>
+          <p:cNvSpPr txBox="1"/>
+          <p:nvPr/>
+        </p:nvSpPr>
+        <p:spPr>
+          <a:xfrm>
+            <a:off x="8260562" y="867494"/>
+            <a:ext cx="1440000" cy="830997"/>
+          </a:xfrm>
+          <a:prstGeom prst="rect">
+            <a:avLst/>
+          </a:prstGeom>
+          <a:noFill/>
+        </p:spPr>
+        <p:txBody>
+          <a:bodyPr wrap="square" rtlCol="0">
+            <a:spAutoFit/>
+          </a:bodyPr>
+          <a:lstStyle/>
+          <a:p>
+            <a:r>
+              <a:rPr lang="en-GB" sz="2400" dirty="0">
+                <a:latin typeface="Arial" panose="020B0604020202020204" pitchFamily="34" charset="0"/>
+                <a:cs typeface="Arial" panose="020B0604020202020204" pitchFamily="34" charset="0"/>
+              </a:rPr>
+              <a:t> </a:t>
+            </a:r>
+            <a:r>
+              <a:rPr lang="en-DE" sz="2400" dirty="0">
+                <a:latin typeface="Arial" panose="020B0604020202020204" pitchFamily="34" charset="0"/>
+                <a:cs typeface="Arial" panose="020B0604020202020204" pitchFamily="34" charset="0"/>
+              </a:rPr>
+              <a:t>□</a:t>
+            </a:r>
+            <a:r>
+              <a:rPr lang="en-GB" dirty="0">
+                <a:latin typeface="Arial" panose="020B0604020202020204" pitchFamily="34" charset="0"/>
+                <a:cs typeface="Arial" panose="020B0604020202020204" pitchFamily="34" charset="0"/>
+              </a:rPr>
+              <a:t>   young</a:t>
+            </a:r>
+          </a:p>
+          <a:p>
+            <a:r>
+              <a:rPr lang="en-GB" sz="2400" dirty="0">
+                <a:latin typeface="Arial" panose="020B0604020202020204" pitchFamily="34" charset="0"/>
+                <a:cs typeface="Arial" panose="020B0604020202020204" pitchFamily="34" charset="0"/>
+              </a:rPr>
+              <a:t> </a:t>
+            </a:r>
+            <a:r>
+              <a:rPr lang="en-DE" sz="2400" dirty="0">
+                <a:latin typeface="Arial" panose="020B0604020202020204" pitchFamily="34" charset="0"/>
+                <a:cs typeface="Arial" panose="020B0604020202020204" pitchFamily="34" charset="0"/>
+              </a:rPr>
+              <a:t>□</a:t>
+            </a:r>
+            <a:r>
+              <a:rPr lang="en-GB" dirty="0">
+                <a:latin typeface="Arial" panose="020B0604020202020204" pitchFamily="34" charset="0"/>
+                <a:cs typeface="Arial" panose="020B0604020202020204" pitchFamily="34" charset="0"/>
+              </a:rPr>
+              <a:t>   older</a:t>
+            </a:r>
+          </a:p>
+        </p:txBody>
+      </p:sp>
+      <p:pic>
+        <p:nvPicPr>
+          <p:cNvPr id="24" name="Picture 23"/>
+          <p:cNvPicPr>
+            <a:picLocks noChangeAspect="1"/>
+          </p:cNvPicPr>
+          <p:nvPr/>
+        </p:nvPicPr>
+        <p:blipFill rotWithShape="1">
+          <a:blip r:embed="rId4"/>
+          <a:srcRect l="7249" t="2557" r="7216" b="3491"/>
+          <a:stretch/>
+        </p:blipFill>
+        <p:spPr>
+          <a:xfrm>
+            <a:off x="2793947" y="5621487"/>
+            <a:ext cx="1071057" cy="1116000"/>
+          </a:xfrm>
+          <a:prstGeom prst="rect">
+            <a:avLst/>
+          </a:prstGeom>
+        </p:spPr>
+      </p:pic>
+      <p:cxnSp>
+        <p:nvCxnSpPr>
+          <p:cNvPr id="25" name="Straight Arrow Connector 24"/>
+          <p:cNvCxnSpPr/>
+          <p:nvPr/>
+        </p:nvCxnSpPr>
+        <p:spPr>
+          <a:xfrm>
+            <a:off x="8476586" y="3789726"/>
+            <a:ext cx="1800200" cy="0"/>
+          </a:xfrm>
+          <a:prstGeom prst="straightConnector1">
+            <a:avLst/>
+          </a:prstGeom>
+          <a:ln w="25400" cap="sq">
+            <a:solidFill>
+              <a:schemeClr val="tx1"/>
+            </a:solidFill>
+            <a:miter lim="800000"/>
+            <a:tailEnd type="triangle" w="lg" len="lg"/>
+          </a:ln>
+        </p:spPr>
+        <p:style>
+          <a:lnRef idx="1">
+            <a:schemeClr val="accent1"/>
+          </a:lnRef>
+          <a:fillRef idx="0">
+            <a:schemeClr val="accent1"/>
+          </a:fillRef>
+          <a:effectRef idx="0">
+            <a:schemeClr val="accent1"/>
+          </a:effectRef>
+          <a:fontRef idx="minor">
+            <a:schemeClr val="tx1"/>
+          </a:fontRef>
+        </p:style>
+      </p:cxnSp>
+      <p:cxnSp>
+        <p:nvCxnSpPr>
+          <p:cNvPr id="26" name="Straight Arrow Connector 25"/>
+          <p:cNvCxnSpPr/>
+          <p:nvPr/>
+        </p:nvCxnSpPr>
+        <p:spPr>
+          <a:xfrm flipV="1">
+            <a:off x="8795271" y="5171673"/>
+            <a:ext cx="9150" cy="927597"/>
+          </a:xfrm>
+          <a:prstGeom prst="straightConnector1">
+            <a:avLst/>
+          </a:prstGeom>
+          <a:ln w="25400" cap="sq">
+            <a:solidFill>
+              <a:schemeClr val="tx1"/>
+            </a:solidFill>
+            <a:miter lim="800000"/>
+            <a:tailEnd type="triangle" w="lg" len="lg"/>
+          </a:ln>
+        </p:spPr>
+        <p:style>
+          <a:lnRef idx="1">
+            <a:schemeClr val="accent1"/>
+          </a:lnRef>
+          <a:fillRef idx="0">
+            <a:schemeClr val="accent1"/>
+          </a:fillRef>
+          <a:effectRef idx="0">
+            <a:schemeClr val="accent1"/>
+          </a:effectRef>
+          <a:fontRef idx="minor">
+            <a:schemeClr val="tx1"/>
+          </a:fontRef>
+        </p:style>
+      </p:cxnSp>
+      <p:sp>
+        <p:nvSpPr>
+          <p:cNvPr id="27" name="TextBox 26"/>
+          <p:cNvSpPr txBox="1"/>
+          <p:nvPr/>
+        </p:nvSpPr>
+        <p:spPr>
+          <a:xfrm>
+            <a:off x="9556706" y="3796501"/>
+            <a:ext cx="792088" cy="276999"/>
+          </a:xfrm>
+          <a:prstGeom prst="rect">
+            <a:avLst/>
+          </a:prstGeom>
+          <a:noFill/>
+        </p:spPr>
+        <p:txBody>
+          <a:bodyPr wrap="square" rtlCol="0">
+            <a:spAutoFit/>
+          </a:bodyPr>
+          <a:lstStyle/>
+          <a:p>
+            <a:pPr algn="r"/>
+            <a:r>
+              <a:rPr lang="en-GB" sz="1200" dirty="0">
+                <a:latin typeface="Arial" panose="020B0604020202020204" pitchFamily="34" charset="0"/>
+                <a:cs typeface="Arial" panose="020B0604020202020204" pitchFamily="34" charset="0"/>
+              </a:rPr>
+              <a:t>age [</a:t>
+            </a:r>
+            <a:r>
+              <a:rPr lang="en-GB" sz="1200" dirty="0" err="1">
+                <a:latin typeface="Arial" panose="020B0604020202020204" pitchFamily="34" charset="0"/>
+                <a:cs typeface="Arial" panose="020B0604020202020204" pitchFamily="34" charset="0"/>
+              </a:rPr>
+              <a:t>yrs</a:t>
+            </a:r>
+            <a:r>
+              <a:rPr lang="en-GB" sz="1200" dirty="0">
+                <a:latin typeface="Arial" panose="020B0604020202020204" pitchFamily="34" charset="0"/>
+                <a:cs typeface="Arial" panose="020B0604020202020204" pitchFamily="34" charset="0"/>
+              </a:rPr>
+              <a:t>]</a:t>
+            </a:r>
+          </a:p>
+        </p:txBody>
+      </p:sp>
+      <p:sp>
+        <p:nvSpPr>
+          <p:cNvPr id="28" name="TextBox 27"/>
+          <p:cNvSpPr txBox="1"/>
+          <p:nvPr/>
+        </p:nvSpPr>
+        <p:spPr>
+          <a:xfrm>
+            <a:off x="8190066" y="5070931"/>
+            <a:ext cx="613506" cy="646331"/>
+          </a:xfrm>
+          <a:prstGeom prst="rect">
+            <a:avLst/>
+          </a:prstGeom>
+          <a:noFill/>
+        </p:spPr>
+        <p:txBody>
+          <a:bodyPr wrap="square" rtlCol="0">
+            <a:spAutoFit/>
+          </a:bodyPr>
+          <a:lstStyle/>
+          <a:p>
+            <a:pPr algn="r"/>
+            <a:r>
+              <a:rPr lang="en-GB" sz="1200" dirty="0">
+                <a:latin typeface="Arial" panose="020B0604020202020204" pitchFamily="34" charset="0"/>
+                <a:cs typeface="Arial" panose="020B0604020202020204" pitchFamily="34" charset="0"/>
+              </a:rPr>
+              <a:t>A’ [</a:t>
+            </a:r>
+            <a:r>
+              <a:rPr lang="en-GB" sz="1200" dirty="0" smtClean="0">
+                <a:latin typeface="Arial" panose="020B0604020202020204" pitchFamily="34" charset="0"/>
+                <a:cs typeface="Arial" panose="020B0604020202020204" pitchFamily="34" charset="0"/>
+              </a:rPr>
+              <a:t>AUC</a:t>
+            </a:r>
+          </a:p>
+          <a:p>
+            <a:pPr algn="r"/>
+            <a:r>
+              <a:rPr lang="en-GB" sz="1200" dirty="0" smtClean="0">
+                <a:latin typeface="Arial" panose="020B0604020202020204" pitchFamily="34" charset="0"/>
+                <a:cs typeface="Arial" panose="020B0604020202020204" pitchFamily="34" charset="0"/>
+              </a:rPr>
+              <a:t>/hits]</a:t>
+            </a:r>
+            <a:endParaRPr lang="en-GB" sz="1200" dirty="0">
+              <a:latin typeface="Arial" panose="020B0604020202020204" pitchFamily="34" charset="0"/>
+              <a:cs typeface="Arial" panose="020B0604020202020204" pitchFamily="34" charset="0"/>
+            </a:endParaRPr>
+          </a:p>
+        </p:txBody>
+      </p:sp>
+      <p:cxnSp>
+        <p:nvCxnSpPr>
+          <p:cNvPr id="29" name="Straight Connector 28"/>
+          <p:cNvCxnSpPr/>
+          <p:nvPr/>
+        </p:nvCxnSpPr>
+        <p:spPr>
+          <a:xfrm>
+            <a:off x="8440263" y="1051250"/>
+            <a:ext cx="180000" cy="180000"/>
+          </a:xfrm>
+          <a:prstGeom prst="line">
+            <a:avLst/>
+          </a:prstGeom>
+          <a:ln w="25400" cap="sq">
+            <a:solidFill>
+              <a:srgbClr val="0000FF"/>
+            </a:solidFill>
+            <a:miter lim="800000"/>
+          </a:ln>
+        </p:spPr>
+        <p:style>
+          <a:lnRef idx="1">
+            <a:schemeClr val="accent1"/>
+          </a:lnRef>
+          <a:fillRef idx="0">
+            <a:schemeClr val="accent1"/>
+          </a:fillRef>
+          <a:effectRef idx="0">
+            <a:schemeClr val="accent1"/>
+          </a:effectRef>
+          <a:fontRef idx="minor">
+            <a:schemeClr val="tx1"/>
+          </a:fontRef>
+        </p:style>
+      </p:cxnSp>
+      <p:cxnSp>
+        <p:nvCxnSpPr>
+          <p:cNvPr id="30" name="Straight Connector 29"/>
+          <p:cNvCxnSpPr/>
+          <p:nvPr/>
+        </p:nvCxnSpPr>
+        <p:spPr>
+          <a:xfrm flipV="1">
+            <a:off x="8440263" y="1049879"/>
+            <a:ext cx="180000" cy="180000"/>
+          </a:xfrm>
+          <a:prstGeom prst="line">
+            <a:avLst/>
+          </a:prstGeom>
+          <a:ln w="25400" cap="sq">
+            <a:solidFill>
+              <a:srgbClr val="0000FF"/>
+            </a:solidFill>
+            <a:miter lim="800000"/>
+          </a:ln>
+        </p:spPr>
+        <p:style>
+          <a:lnRef idx="1">
+            <a:schemeClr val="accent1"/>
+          </a:lnRef>
+          <a:fillRef idx="0">
+            <a:schemeClr val="accent1"/>
+          </a:fillRef>
+          <a:effectRef idx="0">
+            <a:schemeClr val="accent1"/>
+          </a:effectRef>
+          <a:fontRef idx="minor">
+            <a:schemeClr val="tx1"/>
+          </a:fontRef>
+        </p:style>
+      </p:cxnSp>
+      <p:pic>
+        <p:nvPicPr>
+          <p:cNvPr id="31" name="Picture 30"/>
+          <p:cNvPicPr>
+            <a:picLocks noChangeAspect="1"/>
+          </p:cNvPicPr>
+          <p:nvPr/>
+        </p:nvPicPr>
+        <p:blipFill>
+          <a:blip r:embed="rId5"/>
+          <a:stretch>
+            <a:fillRect/>
+          </a:stretch>
+        </p:blipFill>
+        <p:spPr>
+          <a:xfrm>
+            <a:off x="2418477" y="87434"/>
+            <a:ext cx="1597353" cy="684000"/>
+          </a:xfrm>
+          <a:prstGeom prst="rect">
+            <a:avLst/>
+          </a:prstGeom>
+        </p:spPr>
+      </p:pic>
+      <p:pic>
+        <p:nvPicPr>
+          <p:cNvPr id="32" name="Picture 31"/>
+          <p:cNvPicPr>
+            <a:picLocks noChangeAspect="1"/>
+          </p:cNvPicPr>
+          <p:nvPr/>
+        </p:nvPicPr>
+        <p:blipFill>
+          <a:blip r:embed="rId6"/>
+          <a:stretch>
+            <a:fillRect/>
+          </a:stretch>
+        </p:blipFill>
+        <p:spPr>
+          <a:xfrm>
+            <a:off x="2419462" y="687508"/>
+            <a:ext cx="1597354" cy="684000"/>
+          </a:xfrm>
+          <a:prstGeom prst="rect">
+            <a:avLst/>
+          </a:prstGeom>
+        </p:spPr>
+      </p:pic>
+      <p:pic>
+        <p:nvPicPr>
+          <p:cNvPr id="33" name="Picture 32"/>
+          <p:cNvPicPr>
+            <a:picLocks noChangeAspect="1"/>
+          </p:cNvPicPr>
+          <p:nvPr/>
+        </p:nvPicPr>
+        <p:blipFill>
+          <a:blip r:embed="rId7"/>
+          <a:stretch>
+            <a:fillRect/>
+          </a:stretch>
+        </p:blipFill>
+        <p:spPr>
+          <a:xfrm>
+            <a:off x="2797922" y="1515063"/>
+            <a:ext cx="1121143" cy="1169816"/>
+          </a:xfrm>
+          <a:prstGeom prst="rect">
+            <a:avLst/>
+          </a:prstGeom>
+          <a:solidFill>
+            <a:schemeClr val="bg1">
+              <a:alpha val="67000"/>
+            </a:schemeClr>
+          </a:solidFill>
+        </p:spPr>
+      </p:pic>
+      <p:pic>
+        <p:nvPicPr>
+          <p:cNvPr id="34" name="Picture 33"/>
+          <p:cNvPicPr>
+            <a:picLocks noChangeAspect="1"/>
+          </p:cNvPicPr>
+          <p:nvPr/>
+        </p:nvPicPr>
+        <p:blipFill>
+          <a:blip r:embed="rId8"/>
+          <a:stretch>
+            <a:fillRect/>
+          </a:stretch>
+        </p:blipFill>
+        <p:spPr>
+          <a:xfrm>
+            <a:off x="8351369" y="3230773"/>
+            <a:ext cx="1980000" cy="593120"/>
+          </a:xfrm>
+          <a:prstGeom prst="rect">
+            <a:avLst/>
+          </a:prstGeom>
+        </p:spPr>
+      </p:pic>
+      <p:pic>
+        <p:nvPicPr>
+          <p:cNvPr id="35" name="Picture 34"/>
+          <p:cNvPicPr>
+            <a:picLocks noChangeAspect="1"/>
+          </p:cNvPicPr>
+          <p:nvPr/>
+        </p:nvPicPr>
+        <p:blipFill>
+          <a:blip r:embed="rId9"/>
+          <a:stretch>
+            <a:fillRect/>
+          </a:stretch>
+        </p:blipFill>
+        <p:spPr>
+          <a:xfrm>
+            <a:off x="8739426" y="5315689"/>
+            <a:ext cx="793920" cy="793920"/>
+          </a:xfrm>
+          <a:prstGeom prst="rect">
+            <a:avLst/>
+          </a:prstGeom>
+        </p:spPr>
+      </p:pic>
+      <p:sp>
+        <p:nvSpPr>
+          <p:cNvPr id="36" name="Rectangle 35"/>
+          <p:cNvSpPr/>
+          <p:nvPr/>
+        </p:nvSpPr>
+        <p:spPr>
+          <a:xfrm>
+            <a:off x="2625705" y="136077"/>
+            <a:ext cx="1243274" cy="565059"/>
+          </a:xfrm>
+          <a:prstGeom prst="rect">
+            <a:avLst/>
+          </a:prstGeom>
+          <a:noFill/>
+          <a:ln w="12700" cap="sq">
+            <a:solidFill>
+              <a:schemeClr val="tx1"/>
+            </a:solidFill>
+            <a:miter lim="800000"/>
+          </a:ln>
+        </p:spPr>
+        <p:style>
+          <a:lnRef idx="2">
+            <a:schemeClr val="accent1">
+              <a:shade val="50000"/>
+            </a:schemeClr>
+          </a:lnRef>
+          <a:fillRef idx="1">
+            <a:schemeClr val="accent1"/>
+          </a:fillRef>
+          <a:effectRef idx="0">
+            <a:schemeClr val="accent1"/>
+          </a:effectRef>
+          <a:fontRef idx="minor">
+            <a:schemeClr val="lt1"/>
+          </a:fontRef>
+        </p:style>
+        <p:txBody>
+          <a:bodyPr rtlCol="0" anchor="ctr"/>
+          <a:lstStyle/>
+          <a:p>
+            <a:pPr algn="ctr"/>
+            <a:endParaRPr lang="en-GB"/>
+          </a:p>
+        </p:txBody>
+      </p:sp>
+      <p:sp>
+        <p:nvSpPr>
+          <p:cNvPr id="37" name="Rectangle 36"/>
+          <p:cNvSpPr/>
+          <p:nvPr/>
+        </p:nvSpPr>
+        <p:spPr>
+          <a:xfrm>
+            <a:off x="2625705" y="735193"/>
+            <a:ext cx="1243274" cy="565059"/>
+          </a:xfrm>
+          <a:prstGeom prst="rect">
+            <a:avLst/>
+          </a:prstGeom>
+          <a:noFill/>
+          <a:ln w="12700" cap="sq">
+            <a:solidFill>
+              <a:schemeClr val="tx1"/>
+            </a:solidFill>
+            <a:miter lim="800000"/>
+          </a:ln>
+        </p:spPr>
+        <p:style>
+          <a:lnRef idx="2">
+            <a:schemeClr val="accent1">
+              <a:shade val="50000"/>
+            </a:schemeClr>
+          </a:lnRef>
+          <a:fillRef idx="1">
+            <a:schemeClr val="accent1"/>
+          </a:fillRef>
+          <a:effectRef idx="0">
+            <a:schemeClr val="accent1"/>
+          </a:effectRef>
+          <a:fontRef idx="minor">
+            <a:schemeClr val="lt1"/>
+          </a:fontRef>
+        </p:style>
+        <p:txBody>
+          <a:bodyPr rtlCol="0" anchor="ctr"/>
+          <a:lstStyle/>
+          <a:p>
+            <a:pPr algn="ctr"/>
+            <a:endParaRPr lang="en-GB"/>
+          </a:p>
+        </p:txBody>
+      </p:sp>
+      <p:sp>
+        <p:nvSpPr>
+          <p:cNvPr id="38" name="Rectangle 37"/>
+          <p:cNvSpPr/>
+          <p:nvPr/>
+        </p:nvSpPr>
+        <p:spPr>
+          <a:xfrm>
+            <a:off x="3262378" y="1955319"/>
+            <a:ext cx="554400" cy="601200"/>
+          </a:xfrm>
+          <a:prstGeom prst="rect">
+            <a:avLst/>
+          </a:prstGeom>
+          <a:noFill/>
+          <a:ln w="12700" cap="sq">
+            <a:solidFill>
+              <a:schemeClr val="tx1"/>
+            </a:solidFill>
+            <a:miter lim="800000"/>
+          </a:ln>
+        </p:spPr>
+        <p:style>
+          <a:lnRef idx="2">
+            <a:schemeClr val="accent1">
+              <a:shade val="50000"/>
+            </a:schemeClr>
+          </a:lnRef>
+          <a:fillRef idx="1">
+            <a:schemeClr val="accent1"/>
+          </a:fillRef>
+          <a:effectRef idx="0">
+            <a:schemeClr val="accent1"/>
+          </a:effectRef>
+          <a:fontRef idx="minor">
+            <a:schemeClr val="lt1"/>
+          </a:fontRef>
+        </p:style>
+        <p:txBody>
+          <a:bodyPr rtlCol="0" anchor="ctr"/>
+          <a:lstStyle/>
+          <a:p>
+            <a:pPr algn="ctr"/>
+            <a:endParaRPr lang="en-GB"/>
+          </a:p>
+        </p:txBody>
+      </p:sp>
+      <p:sp>
+        <p:nvSpPr>
+          <p:cNvPr id="39" name="Rectangle 38"/>
+          <p:cNvSpPr/>
+          <p:nvPr/>
+        </p:nvSpPr>
+        <p:spPr>
+          <a:xfrm>
+            <a:off x="1785057" y="7141303"/>
+            <a:ext cx="2160000" cy="414000"/>
+          </a:xfrm>
+          <a:prstGeom prst="rect">
+            <a:avLst/>
+          </a:prstGeom>
+          <a:solidFill>
+            <a:schemeClr val="bg1"/>
+          </a:solidFill>
+          <a:ln cap="sq">
+            <a:solidFill>
+              <a:srgbClr val="FFFF00"/>
+            </a:solidFill>
+            <a:miter lim="800000"/>
+          </a:ln>
+          <a:effectLst>
+            <a:outerShdw blurRad="50800" dist="38100" dir="2700000" algn="tl" rotWithShape="0">
+              <a:prstClr val="black">
+                <a:alpha val="40000"/>
+              </a:prstClr>
+            </a:outerShdw>
+          </a:effectLst>
+        </p:spPr>
+        <p:style>
+          <a:lnRef idx="2">
+            <a:schemeClr val="accent1">
+              <a:shade val="50000"/>
+            </a:schemeClr>
+          </a:lnRef>
+          <a:fillRef idx="1">
+            <a:schemeClr val="accent1"/>
+          </a:fillRef>
+          <a:effectRef idx="0">
+            <a:schemeClr val="accent1"/>
+          </a:effectRef>
+          <a:fontRef idx="minor">
+            <a:schemeClr val="lt1"/>
+          </a:fontRef>
+        </p:style>
+        <p:txBody>
+          <a:bodyPr vert="horz" rtlCol="0" anchor="ctr"/>
+          <a:lstStyle/>
+          <a:p>
+            <a:pPr algn="ctr"/>
+            <a:r>
+              <a:rPr lang="en-GB" dirty="0" smtClean="0">
+                <a:solidFill>
+                  <a:schemeClr val="bg1">
+                    <a:lumMod val="50000"/>
+                  </a:schemeClr>
+                </a:solidFill>
+                <a:latin typeface="Arial" panose="020B0604020202020204" pitchFamily="34" charset="0"/>
+                <a:cs typeface="Arial" panose="020B0604020202020204" pitchFamily="34" charset="0"/>
+              </a:rPr>
+              <a:t>all source variables</a:t>
+            </a:r>
+            <a:endParaRPr lang="en-GB" dirty="0">
+              <a:solidFill>
+                <a:schemeClr val="bg1">
+                  <a:lumMod val="50000"/>
+                </a:schemeClr>
+              </a:solidFill>
+              <a:latin typeface="Arial" panose="020B0604020202020204" pitchFamily="34" charset="0"/>
+              <a:cs typeface="Arial" panose="020B0604020202020204" pitchFamily="34" charset="0"/>
+            </a:endParaRPr>
+          </a:p>
+        </p:txBody>
+      </p:sp>
+      <p:sp>
+        <p:nvSpPr>
+          <p:cNvPr id="40" name="Rectangle 39"/>
+          <p:cNvSpPr/>
+          <p:nvPr/>
+        </p:nvSpPr>
+        <p:spPr>
+          <a:xfrm>
+            <a:off x="1789032" y="4188253"/>
+            <a:ext cx="2160000" cy="1260000"/>
+          </a:xfrm>
+          <a:prstGeom prst="rect">
+            <a:avLst/>
+          </a:prstGeom>
+          <a:solidFill>
+            <a:schemeClr val="bg1"/>
+          </a:solidFill>
+          <a:ln cap="sq">
+            <a:solidFill>
+              <a:srgbClr val="00FFFF"/>
+            </a:solidFill>
+            <a:miter lim="800000"/>
+          </a:ln>
+        </p:spPr>
+        <p:style>
+          <a:lnRef idx="2">
+            <a:schemeClr val="accent1">
+              <a:shade val="50000"/>
+            </a:schemeClr>
+          </a:lnRef>
+          <a:fillRef idx="1">
+            <a:schemeClr val="accent1"/>
+          </a:fillRef>
+          <a:effectRef idx="0">
+            <a:schemeClr val="accent1"/>
+          </a:effectRef>
+          <a:fontRef idx="minor">
+            <a:schemeClr val="lt1"/>
+          </a:fontRef>
+        </p:style>
+        <p:txBody>
+          <a:bodyPr vert="vert270" rtlCol="0" anchor="t"/>
+          <a:lstStyle/>
+          <a:p>
+            <a:pPr algn="ctr"/>
+            <a:r>
+              <a:rPr lang="en-GB" dirty="0" smtClean="0">
+                <a:solidFill>
+                  <a:srgbClr val="00FFFF"/>
+                </a:solidFill>
+                <a:latin typeface="Arial" panose="020B0604020202020204" pitchFamily="34" charset="0"/>
+                <a:cs typeface="Arial" panose="020B0604020202020204" pitchFamily="34" charset="0"/>
+              </a:rPr>
+              <a:t>resting-state fMRI</a:t>
+            </a:r>
+            <a:endParaRPr lang="en-GB" dirty="0">
+              <a:solidFill>
+                <a:srgbClr val="00FFFF"/>
+              </a:solidFill>
+              <a:latin typeface="Arial" panose="020B0604020202020204" pitchFamily="34" charset="0"/>
+              <a:cs typeface="Arial" panose="020B0604020202020204" pitchFamily="34" charset="0"/>
+            </a:endParaRPr>
+          </a:p>
+        </p:txBody>
+      </p:sp>
+      <p:pic>
+        <p:nvPicPr>
+          <p:cNvPr id="41" name="Picture 40"/>
+          <p:cNvPicPr>
+            <a:picLocks noChangeAspect="1"/>
+          </p:cNvPicPr>
+          <p:nvPr/>
+        </p:nvPicPr>
+        <p:blipFill rotWithShape="1">
+          <a:blip r:embed="rId10"/>
+          <a:srcRect t="14517" b="6125"/>
+          <a:stretch/>
+        </p:blipFill>
+        <p:spPr>
+          <a:xfrm>
+            <a:off x="2808348" y="4266077"/>
+            <a:ext cx="1056656" cy="1116000"/>
+          </a:xfrm>
+          <a:prstGeom prst="rect">
+            <a:avLst/>
+          </a:prstGeom>
+        </p:spPr>
+      </p:pic>
+      <p:sp>
+        <p:nvSpPr>
+          <p:cNvPr id="43" name="TextBox 42"/>
+          <p:cNvSpPr txBox="1"/>
+          <p:nvPr/>
+        </p:nvSpPr>
+        <p:spPr>
+          <a:xfrm>
+            <a:off x="344106" y="6312350"/>
+            <a:ext cx="11520000" cy="276999"/>
+          </a:xfrm>
+          <a:prstGeom prst="rect">
+            <a:avLst/>
+          </a:prstGeom>
+          <a:noFill/>
+        </p:spPr>
+        <p:txBody>
+          <a:bodyPr wrap="square" rtlCol="0">
+            <a:spAutoFit/>
+          </a:bodyPr>
+          <a:lstStyle/>
+          <a:p>
+            <a:pPr algn="ctr"/>
+            <a:r>
+              <a:rPr lang="en-GB" sz="1200" dirty="0">
+                <a:latin typeface="Arial" panose="020B0604020202020204" pitchFamily="34" charset="0"/>
+                <a:cs typeface="Arial" panose="020B0604020202020204" pitchFamily="34" charset="0"/>
+              </a:rPr>
+              <a:t>Soch*, Richter* et al., </a:t>
+            </a:r>
+            <a:r>
+              <a:rPr lang="en-GB" sz="1200" dirty="0" smtClean="0">
+                <a:latin typeface="Arial" panose="020B0604020202020204" pitchFamily="34" charset="0"/>
+                <a:cs typeface="Arial" panose="020B0604020202020204" pitchFamily="34" charset="0"/>
+              </a:rPr>
+              <a:t>in review, Fig. 1.</a:t>
+            </a:r>
+            <a:endParaRPr lang="en-GB" sz="1200" dirty="0">
+              <a:latin typeface="Arial" panose="020B0604020202020204" pitchFamily="34" charset="0"/>
+              <a:cs typeface="Arial" panose="020B0604020202020204" pitchFamily="34" charset="0"/>
+            </a:endParaRPr>
+          </a:p>
+        </p:txBody>
+      </p:sp>
     </p:spTree>
     <p:extLst>
       <p:ext uri="{BB962C8B-B14F-4D97-AF65-F5344CB8AC3E}">
-        <p14:creationId xmlns:p14="http://schemas.microsoft.com/office/powerpoint/2010/main" val="1255054536"/>
+        <p14:creationId xmlns:p14="http://schemas.microsoft.com/office/powerpoint/2010/main" val="1248383049"/>
       </p:ext>
     </p:extLst>
   </p:cSld>
@@ -6620,9 +12438,1157 @@
   <p:timing>
     <p:tnLst>
       <p:par>
-        <p:cTn id="1" dur="indefinite" restart="never" nodeType="tmRoot"/>
+        <p:cTn id="1" dur="indefinite" restart="never" nodeType="tmRoot">
+          <p:childTnLst>
+            <p:seq concurrent="1" nextAc="seek">
+              <p:cTn id="2" dur="indefinite" nodeType="mainSeq">
+                <p:childTnLst>
+                  <p:par>
+                    <p:cTn id="3" fill="hold">
+                      <p:stCondLst>
+                        <p:cond delay="indefinite"/>
+                      </p:stCondLst>
+                      <p:childTnLst>
+                        <p:par>
+                          <p:cTn id="4" fill="hold">
+                            <p:stCondLst>
+                              <p:cond delay="0"/>
+                            </p:stCondLst>
+                            <p:childTnLst>
+                              <p:par>
+                                <p:cTn id="5" presetID="1" presetClass="entr" presetSubtype="0" fill="hold" grpId="0" nodeType="clickEffect">
+                                  <p:stCondLst>
+                                    <p:cond delay="0"/>
+                                  </p:stCondLst>
+                                  <p:childTnLst>
+                                    <p:set>
+                                      <p:cBhvr>
+                                        <p:cTn id="6" dur="1" fill="hold">
+                                          <p:stCondLst>
+                                            <p:cond delay="0"/>
+                                          </p:stCondLst>
+                                        </p:cTn>
+                                        <p:tgtEl>
+                                          <p:spTgt spid="14"/>
+                                        </p:tgtEl>
+                                        <p:attrNameLst>
+                                          <p:attrName>style.visibility</p:attrName>
+                                        </p:attrNameLst>
+                                      </p:cBhvr>
+                                      <p:to>
+                                        <p:strVal val="visible"/>
+                                      </p:to>
+                                    </p:set>
+                                  </p:childTnLst>
+                                </p:cTn>
+                              </p:par>
+                              <p:par>
+                                <p:cTn id="7" presetID="1" presetClass="entr" presetSubtype="0" fill="hold" nodeType="withEffect">
+                                  <p:stCondLst>
+                                    <p:cond delay="0"/>
+                                  </p:stCondLst>
+                                  <p:childTnLst>
+                                    <p:set>
+                                      <p:cBhvr>
+                                        <p:cTn id="8" dur="1" fill="hold">
+                                          <p:stCondLst>
+                                            <p:cond delay="0"/>
+                                          </p:stCondLst>
+                                        </p:cTn>
+                                        <p:tgtEl>
+                                          <p:spTgt spid="22"/>
+                                        </p:tgtEl>
+                                        <p:attrNameLst>
+                                          <p:attrName>style.visibility</p:attrName>
+                                        </p:attrNameLst>
+                                      </p:cBhvr>
+                                      <p:to>
+                                        <p:strVal val="visible"/>
+                                      </p:to>
+                                    </p:set>
+                                  </p:childTnLst>
+                                </p:cTn>
+                              </p:par>
+                            </p:childTnLst>
+                          </p:cTn>
+                        </p:par>
+                      </p:childTnLst>
+                    </p:cTn>
+                  </p:par>
+                  <p:par>
+                    <p:cTn id="9" fill="hold">
+                      <p:stCondLst>
+                        <p:cond delay="indefinite"/>
+                      </p:stCondLst>
+                      <p:childTnLst>
+                        <p:par>
+                          <p:cTn id="10" fill="hold">
+                            <p:stCondLst>
+                              <p:cond delay="0"/>
+                            </p:stCondLst>
+                            <p:childTnLst>
+                              <p:par>
+                                <p:cTn id="11" presetID="1" presetClass="entr" presetSubtype="0" fill="hold" grpId="0" nodeType="clickEffect">
+                                  <p:stCondLst>
+                                    <p:cond delay="0"/>
+                                  </p:stCondLst>
+                                  <p:childTnLst>
+                                    <p:set>
+                                      <p:cBhvr>
+                                        <p:cTn id="12" dur="1" fill="hold">
+                                          <p:stCondLst>
+                                            <p:cond delay="0"/>
+                                          </p:stCondLst>
+                                        </p:cTn>
+                                        <p:tgtEl>
+                                          <p:spTgt spid="13"/>
+                                        </p:tgtEl>
+                                        <p:attrNameLst>
+                                          <p:attrName>style.visibility</p:attrName>
+                                        </p:attrNameLst>
+                                      </p:cBhvr>
+                                      <p:to>
+                                        <p:strVal val="visible"/>
+                                      </p:to>
+                                    </p:set>
+                                  </p:childTnLst>
+                                </p:cTn>
+                              </p:par>
+                              <p:par>
+                                <p:cTn id="13" presetID="1" presetClass="entr" presetSubtype="0" fill="hold" nodeType="withEffect">
+                                  <p:stCondLst>
+                                    <p:cond delay="0"/>
+                                  </p:stCondLst>
+                                  <p:childTnLst>
+                                    <p:set>
+                                      <p:cBhvr>
+                                        <p:cTn id="14" dur="1" fill="hold">
+                                          <p:stCondLst>
+                                            <p:cond delay="0"/>
+                                          </p:stCondLst>
+                                        </p:cTn>
+                                        <p:tgtEl>
+                                          <p:spTgt spid="21"/>
+                                        </p:tgtEl>
+                                        <p:attrNameLst>
+                                          <p:attrName>style.visibility</p:attrName>
+                                        </p:attrNameLst>
+                                      </p:cBhvr>
+                                      <p:to>
+                                        <p:strVal val="visible"/>
+                                      </p:to>
+                                    </p:set>
+                                  </p:childTnLst>
+                                </p:cTn>
+                              </p:par>
+                              <p:par>
+                                <p:cTn id="15" presetID="1" presetClass="entr" presetSubtype="0" fill="hold" nodeType="withEffect">
+                                  <p:stCondLst>
+                                    <p:cond delay="0"/>
+                                  </p:stCondLst>
+                                  <p:childTnLst>
+                                    <p:set>
+                                      <p:cBhvr>
+                                        <p:cTn id="16" dur="1" fill="hold">
+                                          <p:stCondLst>
+                                            <p:cond delay="0"/>
+                                          </p:stCondLst>
+                                        </p:cTn>
+                                        <p:tgtEl>
+                                          <p:spTgt spid="33"/>
+                                        </p:tgtEl>
+                                        <p:attrNameLst>
+                                          <p:attrName>style.visibility</p:attrName>
+                                        </p:attrNameLst>
+                                      </p:cBhvr>
+                                      <p:to>
+                                        <p:strVal val="visible"/>
+                                      </p:to>
+                                    </p:set>
+                                  </p:childTnLst>
+                                </p:cTn>
+                              </p:par>
+                              <p:par>
+                                <p:cTn id="17" presetID="1" presetClass="entr" presetSubtype="0" fill="hold" grpId="0" nodeType="withEffect">
+                                  <p:stCondLst>
+                                    <p:cond delay="0"/>
+                                  </p:stCondLst>
+                                  <p:childTnLst>
+                                    <p:set>
+                                      <p:cBhvr>
+                                        <p:cTn id="18" dur="1" fill="hold">
+                                          <p:stCondLst>
+                                            <p:cond delay="0"/>
+                                          </p:stCondLst>
+                                        </p:cTn>
+                                        <p:tgtEl>
+                                          <p:spTgt spid="38"/>
+                                        </p:tgtEl>
+                                        <p:attrNameLst>
+                                          <p:attrName>style.visibility</p:attrName>
+                                        </p:attrNameLst>
+                                      </p:cBhvr>
+                                      <p:to>
+                                        <p:strVal val="visible"/>
+                                      </p:to>
+                                    </p:set>
+                                  </p:childTnLst>
+                                </p:cTn>
+                              </p:par>
+                            </p:childTnLst>
+                          </p:cTn>
+                        </p:par>
+                      </p:childTnLst>
+                    </p:cTn>
+                  </p:par>
+                  <p:par>
+                    <p:cTn id="19" fill="hold">
+                      <p:stCondLst>
+                        <p:cond delay="indefinite"/>
+                      </p:stCondLst>
+                      <p:childTnLst>
+                        <p:par>
+                          <p:cTn id="20" fill="hold">
+                            <p:stCondLst>
+                              <p:cond delay="0"/>
+                            </p:stCondLst>
+                            <p:childTnLst>
+                              <p:par>
+                                <p:cTn id="21" presetID="1" presetClass="entr" presetSubtype="0" fill="hold" grpId="0" nodeType="clickEffect">
+                                  <p:stCondLst>
+                                    <p:cond delay="0"/>
+                                  </p:stCondLst>
+                                  <p:childTnLst>
+                                    <p:set>
+                                      <p:cBhvr>
+                                        <p:cTn id="22" dur="1" fill="hold">
+                                          <p:stCondLst>
+                                            <p:cond delay="0"/>
+                                          </p:stCondLst>
+                                        </p:cTn>
+                                        <p:tgtEl>
+                                          <p:spTgt spid="12"/>
+                                        </p:tgtEl>
+                                        <p:attrNameLst>
+                                          <p:attrName>style.visibility</p:attrName>
+                                        </p:attrNameLst>
+                                      </p:cBhvr>
+                                      <p:to>
+                                        <p:strVal val="visible"/>
+                                      </p:to>
+                                    </p:set>
+                                  </p:childTnLst>
+                                </p:cTn>
+                              </p:par>
+                              <p:par>
+                                <p:cTn id="23" presetID="1" presetClass="entr" presetSubtype="0" fill="hold" nodeType="withEffect">
+                                  <p:stCondLst>
+                                    <p:cond delay="0"/>
+                                  </p:stCondLst>
+                                  <p:childTnLst>
+                                    <p:set>
+                                      <p:cBhvr>
+                                        <p:cTn id="24" dur="1" fill="hold">
+                                          <p:stCondLst>
+                                            <p:cond delay="0"/>
+                                          </p:stCondLst>
+                                        </p:cTn>
+                                        <p:tgtEl>
+                                          <p:spTgt spid="31"/>
+                                        </p:tgtEl>
+                                        <p:attrNameLst>
+                                          <p:attrName>style.visibility</p:attrName>
+                                        </p:attrNameLst>
+                                      </p:cBhvr>
+                                      <p:to>
+                                        <p:strVal val="visible"/>
+                                      </p:to>
+                                    </p:set>
+                                  </p:childTnLst>
+                                </p:cTn>
+                              </p:par>
+                              <p:par>
+                                <p:cTn id="25" presetID="1" presetClass="entr" presetSubtype="0" fill="hold" nodeType="withEffect">
+                                  <p:stCondLst>
+                                    <p:cond delay="0"/>
+                                  </p:stCondLst>
+                                  <p:childTnLst>
+                                    <p:set>
+                                      <p:cBhvr>
+                                        <p:cTn id="26" dur="1" fill="hold">
+                                          <p:stCondLst>
+                                            <p:cond delay="0"/>
+                                          </p:stCondLst>
+                                        </p:cTn>
+                                        <p:tgtEl>
+                                          <p:spTgt spid="32"/>
+                                        </p:tgtEl>
+                                        <p:attrNameLst>
+                                          <p:attrName>style.visibility</p:attrName>
+                                        </p:attrNameLst>
+                                      </p:cBhvr>
+                                      <p:to>
+                                        <p:strVal val="visible"/>
+                                      </p:to>
+                                    </p:set>
+                                  </p:childTnLst>
+                                </p:cTn>
+                              </p:par>
+                              <p:par>
+                                <p:cTn id="27" presetID="1" presetClass="entr" presetSubtype="0" fill="hold" grpId="0" nodeType="withEffect">
+                                  <p:stCondLst>
+                                    <p:cond delay="0"/>
+                                  </p:stCondLst>
+                                  <p:childTnLst>
+                                    <p:set>
+                                      <p:cBhvr>
+                                        <p:cTn id="28" dur="1" fill="hold">
+                                          <p:stCondLst>
+                                            <p:cond delay="0"/>
+                                          </p:stCondLst>
+                                        </p:cTn>
+                                        <p:tgtEl>
+                                          <p:spTgt spid="36"/>
+                                        </p:tgtEl>
+                                        <p:attrNameLst>
+                                          <p:attrName>style.visibility</p:attrName>
+                                        </p:attrNameLst>
+                                      </p:cBhvr>
+                                      <p:to>
+                                        <p:strVal val="visible"/>
+                                      </p:to>
+                                    </p:set>
+                                  </p:childTnLst>
+                                </p:cTn>
+                              </p:par>
+                              <p:par>
+                                <p:cTn id="29" presetID="1" presetClass="entr" presetSubtype="0" fill="hold" grpId="0" nodeType="withEffect">
+                                  <p:stCondLst>
+                                    <p:cond delay="0"/>
+                                  </p:stCondLst>
+                                  <p:childTnLst>
+                                    <p:set>
+                                      <p:cBhvr>
+                                        <p:cTn id="30" dur="1" fill="hold">
+                                          <p:stCondLst>
+                                            <p:cond delay="0"/>
+                                          </p:stCondLst>
+                                        </p:cTn>
+                                        <p:tgtEl>
+                                          <p:spTgt spid="37"/>
+                                        </p:tgtEl>
+                                        <p:attrNameLst>
+                                          <p:attrName>style.visibility</p:attrName>
+                                        </p:attrNameLst>
+                                      </p:cBhvr>
+                                      <p:to>
+                                        <p:strVal val="visible"/>
+                                      </p:to>
+                                    </p:set>
+                                  </p:childTnLst>
+                                </p:cTn>
+                              </p:par>
+                            </p:childTnLst>
+                          </p:cTn>
+                        </p:par>
+                      </p:childTnLst>
+                    </p:cTn>
+                  </p:par>
+                  <p:par>
+                    <p:cTn id="31" fill="hold">
+                      <p:stCondLst>
+                        <p:cond delay="indefinite"/>
+                      </p:stCondLst>
+                      <p:childTnLst>
+                        <p:par>
+                          <p:cTn id="32" fill="hold">
+                            <p:stCondLst>
+                              <p:cond delay="0"/>
+                            </p:stCondLst>
+                            <p:childTnLst>
+                              <p:par>
+                                <p:cTn id="33" presetID="1" presetClass="entr" presetSubtype="0" fill="hold" grpId="0" nodeType="clickEffect">
+                                  <p:stCondLst>
+                                    <p:cond delay="0"/>
+                                  </p:stCondLst>
+                                  <p:childTnLst>
+                                    <p:set>
+                                      <p:cBhvr>
+                                        <p:cTn id="34" dur="1" fill="hold">
+                                          <p:stCondLst>
+                                            <p:cond delay="0"/>
+                                          </p:stCondLst>
+                                        </p:cTn>
+                                        <p:tgtEl>
+                                          <p:spTgt spid="15"/>
+                                        </p:tgtEl>
+                                        <p:attrNameLst>
+                                          <p:attrName>style.visibility</p:attrName>
+                                        </p:attrNameLst>
+                                      </p:cBhvr>
+                                      <p:to>
+                                        <p:strVal val="visible"/>
+                                      </p:to>
+                                    </p:set>
+                                  </p:childTnLst>
+                                </p:cTn>
+                              </p:par>
+                              <p:par>
+                                <p:cTn id="35" presetID="1" presetClass="entr" presetSubtype="0" fill="hold" nodeType="withEffect">
+                                  <p:stCondLst>
+                                    <p:cond delay="0"/>
+                                  </p:stCondLst>
+                                  <p:childTnLst>
+                                    <p:set>
+                                      <p:cBhvr>
+                                        <p:cTn id="36" dur="1" fill="hold">
+                                          <p:stCondLst>
+                                            <p:cond delay="0"/>
+                                          </p:stCondLst>
+                                        </p:cTn>
+                                        <p:tgtEl>
+                                          <p:spTgt spid="24"/>
+                                        </p:tgtEl>
+                                        <p:attrNameLst>
+                                          <p:attrName>style.visibility</p:attrName>
+                                        </p:attrNameLst>
+                                      </p:cBhvr>
+                                      <p:to>
+                                        <p:strVal val="visible"/>
+                                      </p:to>
+                                    </p:set>
+                                  </p:childTnLst>
+                                </p:cTn>
+                              </p:par>
+                            </p:childTnLst>
+                          </p:cTn>
+                        </p:par>
+                      </p:childTnLst>
+                    </p:cTn>
+                  </p:par>
+                  <p:par>
+                    <p:cTn id="37" fill="hold">
+                      <p:stCondLst>
+                        <p:cond delay="indefinite"/>
+                      </p:stCondLst>
+                      <p:childTnLst>
+                        <p:par>
+                          <p:cTn id="38" fill="hold">
+                            <p:stCondLst>
+                              <p:cond delay="0"/>
+                            </p:stCondLst>
+                            <p:childTnLst>
+                              <p:par>
+                                <p:cTn id="39" presetID="1" presetClass="entr" presetSubtype="0" fill="hold" grpId="0" nodeType="clickEffect">
+                                  <p:stCondLst>
+                                    <p:cond delay="0"/>
+                                  </p:stCondLst>
+                                  <p:childTnLst>
+                                    <p:set>
+                                      <p:cBhvr>
+                                        <p:cTn id="40" dur="1" fill="hold">
+                                          <p:stCondLst>
+                                            <p:cond delay="0"/>
+                                          </p:stCondLst>
+                                        </p:cTn>
+                                        <p:tgtEl>
+                                          <p:spTgt spid="40"/>
+                                        </p:tgtEl>
+                                        <p:attrNameLst>
+                                          <p:attrName>style.visibility</p:attrName>
+                                        </p:attrNameLst>
+                                      </p:cBhvr>
+                                      <p:to>
+                                        <p:strVal val="visible"/>
+                                      </p:to>
+                                    </p:set>
+                                  </p:childTnLst>
+                                </p:cTn>
+                              </p:par>
+                              <p:par>
+                                <p:cTn id="41" presetID="1" presetClass="entr" presetSubtype="0" fill="hold" nodeType="withEffect">
+                                  <p:stCondLst>
+                                    <p:cond delay="0"/>
+                                  </p:stCondLst>
+                                  <p:childTnLst>
+                                    <p:set>
+                                      <p:cBhvr>
+                                        <p:cTn id="42" dur="1" fill="hold">
+                                          <p:stCondLst>
+                                            <p:cond delay="0"/>
+                                          </p:stCondLst>
+                                        </p:cTn>
+                                        <p:tgtEl>
+                                          <p:spTgt spid="41"/>
+                                        </p:tgtEl>
+                                        <p:attrNameLst>
+                                          <p:attrName>style.visibility</p:attrName>
+                                        </p:attrNameLst>
+                                      </p:cBhvr>
+                                      <p:to>
+                                        <p:strVal val="visible"/>
+                                      </p:to>
+                                    </p:set>
+                                  </p:childTnLst>
+                                </p:cTn>
+                              </p:par>
+                            </p:childTnLst>
+                          </p:cTn>
+                        </p:par>
+                      </p:childTnLst>
+                    </p:cTn>
+                  </p:par>
+                  <p:par>
+                    <p:cTn id="43" fill="hold">
+                      <p:stCondLst>
+                        <p:cond delay="indefinite"/>
+                      </p:stCondLst>
+                      <p:childTnLst>
+                        <p:par>
+                          <p:cTn id="44" fill="hold">
+                            <p:stCondLst>
+                              <p:cond delay="0"/>
+                            </p:stCondLst>
+                            <p:childTnLst>
+                              <p:par>
+                                <p:cTn id="45" presetID="1" presetClass="entr" presetSubtype="0" fill="hold" grpId="0" nodeType="clickEffect">
+                                  <p:stCondLst>
+                                    <p:cond delay="0"/>
+                                  </p:stCondLst>
+                                  <p:childTnLst>
+                                    <p:set>
+                                      <p:cBhvr>
+                                        <p:cTn id="46" dur="1" fill="hold">
+                                          <p:stCondLst>
+                                            <p:cond delay="0"/>
+                                          </p:stCondLst>
+                                        </p:cTn>
+                                        <p:tgtEl>
+                                          <p:spTgt spid="8"/>
+                                        </p:tgtEl>
+                                        <p:attrNameLst>
+                                          <p:attrName>style.visibility</p:attrName>
+                                        </p:attrNameLst>
+                                      </p:cBhvr>
+                                      <p:to>
+                                        <p:strVal val="visible"/>
+                                      </p:to>
+                                    </p:set>
+                                  </p:childTnLst>
+                                </p:cTn>
+                              </p:par>
+                            </p:childTnLst>
+                          </p:cTn>
+                        </p:par>
+                      </p:childTnLst>
+                    </p:cTn>
+                  </p:par>
+                  <p:par>
+                    <p:cTn id="47" fill="hold">
+                      <p:stCondLst>
+                        <p:cond delay="indefinite"/>
+                      </p:stCondLst>
+                      <p:childTnLst>
+                        <p:par>
+                          <p:cTn id="48" fill="hold">
+                            <p:stCondLst>
+                              <p:cond delay="0"/>
+                            </p:stCondLst>
+                            <p:childTnLst>
+                              <p:par>
+                                <p:cTn id="49" presetID="1" presetClass="entr" presetSubtype="0" fill="hold" grpId="0" nodeType="clickEffect">
+                                  <p:stCondLst>
+                                    <p:cond delay="0"/>
+                                  </p:stCondLst>
+                                  <p:childTnLst>
+                                    <p:set>
+                                      <p:cBhvr>
+                                        <p:cTn id="50" dur="1" fill="hold">
+                                          <p:stCondLst>
+                                            <p:cond delay="0"/>
+                                          </p:stCondLst>
+                                        </p:cTn>
+                                        <p:tgtEl>
+                                          <p:spTgt spid="19"/>
+                                        </p:tgtEl>
+                                        <p:attrNameLst>
+                                          <p:attrName>style.visibility</p:attrName>
+                                        </p:attrNameLst>
+                                      </p:cBhvr>
+                                      <p:to>
+                                        <p:strVal val="visible"/>
+                                      </p:to>
+                                    </p:set>
+                                  </p:childTnLst>
+                                </p:cTn>
+                              </p:par>
+                              <p:par>
+                                <p:cTn id="51" presetID="1" presetClass="entr" presetSubtype="0" fill="hold" grpId="0" nodeType="withEffect">
+                                  <p:stCondLst>
+                                    <p:cond delay="0"/>
+                                  </p:stCondLst>
+                                  <p:childTnLst>
+                                    <p:set>
+                                      <p:cBhvr>
+                                        <p:cTn id="52" dur="1" fill="hold">
+                                          <p:stCondLst>
+                                            <p:cond delay="0"/>
+                                          </p:stCondLst>
+                                        </p:cTn>
+                                        <p:tgtEl>
+                                          <p:spTgt spid="23"/>
+                                        </p:tgtEl>
+                                        <p:attrNameLst>
+                                          <p:attrName>style.visibility</p:attrName>
+                                        </p:attrNameLst>
+                                      </p:cBhvr>
+                                      <p:to>
+                                        <p:strVal val="visible"/>
+                                      </p:to>
+                                    </p:set>
+                                  </p:childTnLst>
+                                </p:cTn>
+                              </p:par>
+                            </p:childTnLst>
+                          </p:cTn>
+                        </p:par>
+                      </p:childTnLst>
+                    </p:cTn>
+                  </p:par>
+                  <p:par>
+                    <p:cTn id="53" fill="hold">
+                      <p:stCondLst>
+                        <p:cond delay="indefinite"/>
+                      </p:stCondLst>
+                      <p:childTnLst>
+                        <p:par>
+                          <p:cTn id="54" fill="hold">
+                            <p:stCondLst>
+                              <p:cond delay="0"/>
+                            </p:stCondLst>
+                            <p:childTnLst>
+                              <p:par>
+                                <p:cTn id="55" presetID="1" presetClass="entr" presetSubtype="0" fill="hold" nodeType="clickEffect">
+                                  <p:stCondLst>
+                                    <p:cond delay="0"/>
+                                  </p:stCondLst>
+                                  <p:childTnLst>
+                                    <p:set>
+                                      <p:cBhvr>
+                                        <p:cTn id="56" dur="1" fill="hold">
+                                          <p:stCondLst>
+                                            <p:cond delay="0"/>
+                                          </p:stCondLst>
+                                        </p:cTn>
+                                        <p:tgtEl>
+                                          <p:spTgt spid="29"/>
+                                        </p:tgtEl>
+                                        <p:attrNameLst>
+                                          <p:attrName>style.visibility</p:attrName>
+                                        </p:attrNameLst>
+                                      </p:cBhvr>
+                                      <p:to>
+                                        <p:strVal val="visible"/>
+                                      </p:to>
+                                    </p:set>
+                                  </p:childTnLst>
+                                </p:cTn>
+                              </p:par>
+                              <p:par>
+                                <p:cTn id="57" presetID="1" presetClass="entr" presetSubtype="0" fill="hold" nodeType="withEffect">
+                                  <p:stCondLst>
+                                    <p:cond delay="0"/>
+                                  </p:stCondLst>
+                                  <p:childTnLst>
+                                    <p:set>
+                                      <p:cBhvr>
+                                        <p:cTn id="58" dur="1" fill="hold">
+                                          <p:stCondLst>
+                                            <p:cond delay="0"/>
+                                          </p:stCondLst>
+                                        </p:cTn>
+                                        <p:tgtEl>
+                                          <p:spTgt spid="30"/>
+                                        </p:tgtEl>
+                                        <p:attrNameLst>
+                                          <p:attrName>style.visibility</p:attrName>
+                                        </p:attrNameLst>
+                                      </p:cBhvr>
+                                      <p:to>
+                                        <p:strVal val="visible"/>
+                                      </p:to>
+                                    </p:set>
+                                  </p:childTnLst>
+                                </p:cTn>
+                              </p:par>
+                            </p:childTnLst>
+                          </p:cTn>
+                        </p:par>
+                      </p:childTnLst>
+                    </p:cTn>
+                  </p:par>
+                  <p:par>
+                    <p:cTn id="59" fill="hold">
+                      <p:stCondLst>
+                        <p:cond delay="indefinite"/>
+                      </p:stCondLst>
+                      <p:childTnLst>
+                        <p:par>
+                          <p:cTn id="60" fill="hold">
+                            <p:stCondLst>
+                              <p:cond delay="0"/>
+                            </p:stCondLst>
+                            <p:childTnLst>
+                              <p:par>
+                                <p:cTn id="61" presetID="1" presetClass="entr" presetSubtype="0" fill="hold" grpId="0" nodeType="clickEffect">
+                                  <p:stCondLst>
+                                    <p:cond delay="0"/>
+                                  </p:stCondLst>
+                                  <p:childTnLst>
+                                    <p:set>
+                                      <p:cBhvr>
+                                        <p:cTn id="62" dur="1" fill="hold">
+                                          <p:stCondLst>
+                                            <p:cond delay="0"/>
+                                          </p:stCondLst>
+                                        </p:cTn>
+                                        <p:tgtEl>
+                                          <p:spTgt spid="18"/>
+                                        </p:tgtEl>
+                                        <p:attrNameLst>
+                                          <p:attrName>style.visibility</p:attrName>
+                                        </p:attrNameLst>
+                                      </p:cBhvr>
+                                      <p:to>
+                                        <p:strVal val="visible"/>
+                                      </p:to>
+                                    </p:set>
+                                  </p:childTnLst>
+                                </p:cTn>
+                              </p:par>
+                              <p:par>
+                                <p:cTn id="63" presetID="1" presetClass="entr" presetSubtype="0" fill="hold" nodeType="withEffect">
+                                  <p:stCondLst>
+                                    <p:cond delay="0"/>
+                                  </p:stCondLst>
+                                  <p:childTnLst>
+                                    <p:set>
+                                      <p:cBhvr>
+                                        <p:cTn id="64" dur="1" fill="hold">
+                                          <p:stCondLst>
+                                            <p:cond delay="0"/>
+                                          </p:stCondLst>
+                                        </p:cTn>
+                                        <p:tgtEl>
+                                          <p:spTgt spid="25"/>
+                                        </p:tgtEl>
+                                        <p:attrNameLst>
+                                          <p:attrName>style.visibility</p:attrName>
+                                        </p:attrNameLst>
+                                      </p:cBhvr>
+                                      <p:to>
+                                        <p:strVal val="visible"/>
+                                      </p:to>
+                                    </p:set>
+                                  </p:childTnLst>
+                                </p:cTn>
+                              </p:par>
+                              <p:par>
+                                <p:cTn id="65" presetID="1" presetClass="entr" presetSubtype="0" fill="hold" grpId="0" nodeType="withEffect">
+                                  <p:stCondLst>
+                                    <p:cond delay="0"/>
+                                  </p:stCondLst>
+                                  <p:childTnLst>
+                                    <p:set>
+                                      <p:cBhvr>
+                                        <p:cTn id="66" dur="1" fill="hold">
+                                          <p:stCondLst>
+                                            <p:cond delay="0"/>
+                                          </p:stCondLst>
+                                        </p:cTn>
+                                        <p:tgtEl>
+                                          <p:spTgt spid="27"/>
+                                        </p:tgtEl>
+                                        <p:attrNameLst>
+                                          <p:attrName>style.visibility</p:attrName>
+                                        </p:attrNameLst>
+                                      </p:cBhvr>
+                                      <p:to>
+                                        <p:strVal val="visible"/>
+                                      </p:to>
+                                    </p:set>
+                                  </p:childTnLst>
+                                </p:cTn>
+                              </p:par>
+                            </p:childTnLst>
+                          </p:cTn>
+                        </p:par>
+                      </p:childTnLst>
+                    </p:cTn>
+                  </p:par>
+                  <p:par>
+                    <p:cTn id="67" fill="hold">
+                      <p:stCondLst>
+                        <p:cond delay="indefinite"/>
+                      </p:stCondLst>
+                      <p:childTnLst>
+                        <p:par>
+                          <p:cTn id="68" fill="hold">
+                            <p:stCondLst>
+                              <p:cond delay="0"/>
+                            </p:stCondLst>
+                            <p:childTnLst>
+                              <p:par>
+                                <p:cTn id="69" presetID="22" presetClass="entr" presetSubtype="8" fill="hold" nodeType="clickEffect">
+                                  <p:stCondLst>
+                                    <p:cond delay="0"/>
+                                  </p:stCondLst>
+                                  <p:childTnLst>
+                                    <p:set>
+                                      <p:cBhvr>
+                                        <p:cTn id="70" dur="1" fill="hold">
+                                          <p:stCondLst>
+                                            <p:cond delay="0"/>
+                                          </p:stCondLst>
+                                        </p:cTn>
+                                        <p:tgtEl>
+                                          <p:spTgt spid="34"/>
+                                        </p:tgtEl>
+                                        <p:attrNameLst>
+                                          <p:attrName>style.visibility</p:attrName>
+                                        </p:attrNameLst>
+                                      </p:cBhvr>
+                                      <p:to>
+                                        <p:strVal val="visible"/>
+                                      </p:to>
+                                    </p:set>
+                                    <p:animEffect transition="in" filter="wipe(left)">
+                                      <p:cBhvr>
+                                        <p:cTn id="71" dur="2000"/>
+                                        <p:tgtEl>
+                                          <p:spTgt spid="34"/>
+                                        </p:tgtEl>
+                                      </p:cBhvr>
+                                    </p:animEffect>
+                                  </p:childTnLst>
+                                </p:cTn>
+                              </p:par>
+                            </p:childTnLst>
+                          </p:cTn>
+                        </p:par>
+                      </p:childTnLst>
+                    </p:cTn>
+                  </p:par>
+                  <p:par>
+                    <p:cTn id="72" fill="hold">
+                      <p:stCondLst>
+                        <p:cond delay="indefinite"/>
+                      </p:stCondLst>
+                      <p:childTnLst>
+                        <p:par>
+                          <p:cTn id="73" fill="hold">
+                            <p:stCondLst>
+                              <p:cond delay="0"/>
+                            </p:stCondLst>
+                            <p:childTnLst>
+                              <p:par>
+                                <p:cTn id="74" presetID="1" presetClass="entr" presetSubtype="0" fill="hold" grpId="0" nodeType="clickEffect">
+                                  <p:stCondLst>
+                                    <p:cond delay="0"/>
+                                  </p:stCondLst>
+                                  <p:childTnLst>
+                                    <p:set>
+                                      <p:cBhvr>
+                                        <p:cTn id="75" dur="1" fill="hold">
+                                          <p:stCondLst>
+                                            <p:cond delay="0"/>
+                                          </p:stCondLst>
+                                        </p:cTn>
+                                        <p:tgtEl>
+                                          <p:spTgt spid="20"/>
+                                        </p:tgtEl>
+                                        <p:attrNameLst>
+                                          <p:attrName>style.visibility</p:attrName>
+                                        </p:attrNameLst>
+                                      </p:cBhvr>
+                                      <p:to>
+                                        <p:strVal val="visible"/>
+                                      </p:to>
+                                    </p:set>
+                                  </p:childTnLst>
+                                </p:cTn>
+                              </p:par>
+                              <p:par>
+                                <p:cTn id="76" presetID="1" presetClass="entr" presetSubtype="0" fill="hold" nodeType="withEffect">
+                                  <p:stCondLst>
+                                    <p:cond delay="0"/>
+                                  </p:stCondLst>
+                                  <p:childTnLst>
+                                    <p:set>
+                                      <p:cBhvr>
+                                        <p:cTn id="77" dur="1" fill="hold">
+                                          <p:stCondLst>
+                                            <p:cond delay="0"/>
+                                          </p:stCondLst>
+                                        </p:cTn>
+                                        <p:tgtEl>
+                                          <p:spTgt spid="26"/>
+                                        </p:tgtEl>
+                                        <p:attrNameLst>
+                                          <p:attrName>style.visibility</p:attrName>
+                                        </p:attrNameLst>
+                                      </p:cBhvr>
+                                      <p:to>
+                                        <p:strVal val="visible"/>
+                                      </p:to>
+                                    </p:set>
+                                  </p:childTnLst>
+                                </p:cTn>
+                              </p:par>
+                              <p:par>
+                                <p:cTn id="78" presetID="1" presetClass="entr" presetSubtype="0" fill="hold" grpId="0" nodeType="withEffect">
+                                  <p:stCondLst>
+                                    <p:cond delay="0"/>
+                                  </p:stCondLst>
+                                  <p:childTnLst>
+                                    <p:set>
+                                      <p:cBhvr>
+                                        <p:cTn id="79" dur="1" fill="hold">
+                                          <p:stCondLst>
+                                            <p:cond delay="0"/>
+                                          </p:stCondLst>
+                                        </p:cTn>
+                                        <p:tgtEl>
+                                          <p:spTgt spid="28"/>
+                                        </p:tgtEl>
+                                        <p:attrNameLst>
+                                          <p:attrName>style.visibility</p:attrName>
+                                        </p:attrNameLst>
+                                      </p:cBhvr>
+                                      <p:to>
+                                        <p:strVal val="visible"/>
+                                      </p:to>
+                                    </p:set>
+                                  </p:childTnLst>
+                                </p:cTn>
+                              </p:par>
+                            </p:childTnLst>
+                          </p:cTn>
+                        </p:par>
+                      </p:childTnLst>
+                    </p:cTn>
+                  </p:par>
+                  <p:par>
+                    <p:cTn id="80" fill="hold">
+                      <p:stCondLst>
+                        <p:cond delay="indefinite"/>
+                      </p:stCondLst>
+                      <p:childTnLst>
+                        <p:par>
+                          <p:cTn id="81" fill="hold">
+                            <p:stCondLst>
+                              <p:cond delay="0"/>
+                            </p:stCondLst>
+                            <p:childTnLst>
+                              <p:par>
+                                <p:cTn id="82" presetID="22" presetClass="entr" presetSubtype="4" fill="hold" nodeType="clickEffect">
+                                  <p:stCondLst>
+                                    <p:cond delay="0"/>
+                                  </p:stCondLst>
+                                  <p:childTnLst>
+                                    <p:set>
+                                      <p:cBhvr>
+                                        <p:cTn id="83" dur="1" fill="hold">
+                                          <p:stCondLst>
+                                            <p:cond delay="0"/>
+                                          </p:stCondLst>
+                                        </p:cTn>
+                                        <p:tgtEl>
+                                          <p:spTgt spid="35"/>
+                                        </p:tgtEl>
+                                        <p:attrNameLst>
+                                          <p:attrName>style.visibility</p:attrName>
+                                        </p:attrNameLst>
+                                      </p:cBhvr>
+                                      <p:to>
+                                        <p:strVal val="visible"/>
+                                      </p:to>
+                                    </p:set>
+                                    <p:animEffect transition="in" filter="wipe(down)">
+                                      <p:cBhvr>
+                                        <p:cTn id="84" dur="2000"/>
+                                        <p:tgtEl>
+                                          <p:spTgt spid="35"/>
+                                        </p:tgtEl>
+                                      </p:cBhvr>
+                                    </p:animEffect>
+                                  </p:childTnLst>
+                                </p:cTn>
+                              </p:par>
+                            </p:childTnLst>
+                          </p:cTn>
+                        </p:par>
+                      </p:childTnLst>
+                    </p:cTn>
+                  </p:par>
+                  <p:par>
+                    <p:cTn id="85" fill="hold">
+                      <p:stCondLst>
+                        <p:cond delay="indefinite"/>
+                      </p:stCondLst>
+                      <p:childTnLst>
+                        <p:par>
+                          <p:cTn id="86" fill="hold">
+                            <p:stCondLst>
+                              <p:cond delay="0"/>
+                            </p:stCondLst>
+                            <p:childTnLst>
+                              <p:par>
+                                <p:cTn id="87" presetID="1" presetClass="entr" presetSubtype="0" fill="hold" grpId="0" nodeType="clickEffect">
+                                  <p:stCondLst>
+                                    <p:cond delay="0"/>
+                                  </p:stCondLst>
+                                  <p:childTnLst>
+                                    <p:set>
+                                      <p:cBhvr>
+                                        <p:cTn id="88" dur="1" fill="hold">
+                                          <p:stCondLst>
+                                            <p:cond delay="0"/>
+                                          </p:stCondLst>
+                                        </p:cTn>
+                                        <p:tgtEl>
+                                          <p:spTgt spid="10"/>
+                                        </p:tgtEl>
+                                        <p:attrNameLst>
+                                          <p:attrName>style.visibility</p:attrName>
+                                        </p:attrNameLst>
+                                      </p:cBhvr>
+                                      <p:to>
+                                        <p:strVal val="visible"/>
+                                      </p:to>
+                                    </p:set>
+                                  </p:childTnLst>
+                                </p:cTn>
+                              </p:par>
+                              <p:par>
+                                <p:cTn id="89" presetID="1" presetClass="entr" presetSubtype="0" fill="hold" grpId="0" nodeType="withEffect">
+                                  <p:stCondLst>
+                                    <p:cond delay="0"/>
+                                  </p:stCondLst>
+                                  <p:childTnLst>
+                                    <p:set>
+                                      <p:cBhvr>
+                                        <p:cTn id="90" dur="1" fill="hold">
+                                          <p:stCondLst>
+                                            <p:cond delay="0"/>
+                                          </p:stCondLst>
+                                        </p:cTn>
+                                        <p:tgtEl>
+                                          <p:spTgt spid="11"/>
+                                        </p:tgtEl>
+                                        <p:attrNameLst>
+                                          <p:attrName>style.visibility</p:attrName>
+                                        </p:attrNameLst>
+                                      </p:cBhvr>
+                                      <p:to>
+                                        <p:strVal val="visible"/>
+                                      </p:to>
+                                    </p:set>
+                                  </p:childTnLst>
+                                </p:cTn>
+                              </p:par>
+                            </p:childTnLst>
+                          </p:cTn>
+                        </p:par>
+                      </p:childTnLst>
+                    </p:cTn>
+                  </p:par>
+                  <p:par>
+                    <p:cTn id="91" fill="hold">
+                      <p:stCondLst>
+                        <p:cond delay="indefinite"/>
+                      </p:stCondLst>
+                      <p:childTnLst>
+                        <p:par>
+                          <p:cTn id="92" fill="hold">
+                            <p:stCondLst>
+                              <p:cond delay="0"/>
+                            </p:stCondLst>
+                            <p:childTnLst>
+                              <p:par>
+                                <p:cTn id="93" presetID="1" presetClass="entr" presetSubtype="0" fill="hold" grpId="0" nodeType="clickEffect">
+                                  <p:stCondLst>
+                                    <p:cond delay="0"/>
+                                  </p:stCondLst>
+                                  <p:childTnLst>
+                                    <p:set>
+                                      <p:cBhvr>
+                                        <p:cTn id="94" dur="1" fill="hold">
+                                          <p:stCondLst>
+                                            <p:cond delay="0"/>
+                                          </p:stCondLst>
+                                        </p:cTn>
+                                        <p:tgtEl>
+                                          <p:spTgt spid="43"/>
+                                        </p:tgtEl>
+                                        <p:attrNameLst>
+                                          <p:attrName>style.visibility</p:attrName>
+                                        </p:attrNameLst>
+                                      </p:cBhvr>
+                                      <p:to>
+                                        <p:strVal val="visible"/>
+                                      </p:to>
+                                    </p:set>
+                                  </p:childTnLst>
+                                </p:cTn>
+                              </p:par>
+                            </p:childTnLst>
+                          </p:cTn>
+                        </p:par>
+                      </p:childTnLst>
+                    </p:cTn>
+                  </p:par>
+                </p:childTnLst>
+              </p:cTn>
+              <p:prevCondLst>
+                <p:cond evt="onPrev" delay="0">
+                  <p:tgtEl>
+                    <p:sldTgt/>
+                  </p:tgtEl>
+                </p:cond>
+              </p:prevCondLst>
+              <p:nextCondLst>
+                <p:cond evt="onNext" delay="0">
+                  <p:tgtEl>
+                    <p:sldTgt/>
+                  </p:tgtEl>
+                </p:cond>
+              </p:nextCondLst>
+            </p:seq>
+          </p:childTnLst>
+        </p:cTn>
       </p:par>
     </p:tnLst>
+    <p:bldLst>
+      <p:bldP spid="8" grpId="0" animBg="1"/>
+      <p:bldP spid="10" grpId="0"/>
+      <p:bldP spid="11" grpId="0"/>
+      <p:bldP spid="12" grpId="0" animBg="1"/>
+      <p:bldP spid="13" grpId="0" animBg="1"/>
+      <p:bldP spid="14" grpId="0" animBg="1"/>
+      <p:bldP spid="15" grpId="0" animBg="1"/>
+      <p:bldP spid="18" grpId="0" animBg="1"/>
+      <p:bldP spid="19" grpId="0" animBg="1"/>
+      <p:bldP spid="20" grpId="0" animBg="1"/>
+      <p:bldP spid="23" grpId="0"/>
+      <p:bldP spid="27" grpId="0"/>
+      <p:bldP spid="28" grpId="0"/>
+      <p:bldP spid="36" grpId="0" animBg="1"/>
+      <p:bldP spid="37" grpId="0" animBg="1"/>
+      <p:bldP spid="38" grpId="0" animBg="1"/>
+      <p:bldP spid="40" grpId="0" animBg="1"/>
+      <p:bldP spid="43" grpId="0"/>
+    </p:bldLst>
   </p:timing>
 </p:sld>
 </file>
